--- a/mod4_non_technical.pptx
+++ b/mod4_non_technical.pptx
@@ -6,6 +6,14 @@
   </p:sldMasterIdLst>
   <p:sldIdLst>
     <p:sldId id="256" r:id="rId2"/>
+    <p:sldId id="264" r:id="rId3"/>
+    <p:sldId id="266" r:id="rId4"/>
+    <p:sldId id="267" r:id="rId5"/>
+    <p:sldId id="257" r:id="rId6"/>
+    <p:sldId id="258" r:id="rId7"/>
+    <p:sldId id="259" r:id="rId8"/>
+    <p:sldId id="261" r:id="rId9"/>
+    <p:sldId id="262" r:id="rId10"/>
   </p:sldIdLst>
   <p:sldSz cx="12192000" cy="6858000"/>
   <p:notesSz cx="6858000" cy="9144000"/>
@@ -104,7 +112,1085 @@
       </a:defRPr>
     </a:lvl9pPr>
   </p:defaultTextStyle>
+  <p:extLst>
+    <p:ext uri="{EFAFB233-063F-42B5-8137-9DF3F51BA10A}">
+      <p15:sldGuideLst xmlns:p15="http://schemas.microsoft.com/office/powerpoint/2012/main"/>
+    </p:ext>
+  </p:extLst>
 </p:presentation>
+</file>
+
+<file path=ppt/revisionInfo.xml><?xml version="1.0" encoding="utf-8"?>
+<p1510:revInfo xmlns:a="http://schemas.openxmlformats.org/drawingml/2006/main" xmlns:r="http://schemas.openxmlformats.org/officeDocument/2006/relationships" xmlns:p1510="http://schemas.microsoft.com/office/powerpoint/2015/10/main">
+  <p1510:revLst>
+    <p1510:client id="{FC0B3909-3CB4-47DF-9012-CE0364DFA015}" v="48" dt="2020-12-11T04:56:25.885"/>
+  </p1510:revLst>
+</p1510:revInfo>
+</file>
+
+<file path=ppt/changesInfos/changesInfo1.xml><?xml version="1.0" encoding="utf-8"?>
+<pc:chgInfo xmlns:a="http://schemas.openxmlformats.org/drawingml/2006/main" xmlns:r="http://schemas.openxmlformats.org/officeDocument/2006/relationships" xmlns:ac="http://schemas.microsoft.com/office/drawing/2013/main/command" xmlns:pc="http://schemas.microsoft.com/office/powerpoint/2013/main/command">
+  <pc:docChgLst>
+    <pc:chgData name="Michael" userId="0df92e9667c24698" providerId="LiveId" clId="{FC0B3909-3CB4-47DF-9012-CE0364DFA015}"/>
+    <pc:docChg chg="undo custSel mod addSld delSld modSld">
+      <pc:chgData name="Michael" userId="0df92e9667c24698" providerId="LiveId" clId="{FC0B3909-3CB4-47DF-9012-CE0364DFA015}" dt="2020-12-11T04:57:20.420" v="2626" actId="20577"/>
+      <pc:docMkLst>
+        <pc:docMk/>
+      </pc:docMkLst>
+      <pc:sldChg chg="addSp modSp mod setBg">
+        <pc:chgData name="Michael" userId="0df92e9667c24698" providerId="LiveId" clId="{FC0B3909-3CB4-47DF-9012-CE0364DFA015}" dt="2020-12-04T22:27:56.921" v="1045" actId="26606"/>
+        <pc:sldMkLst>
+          <pc:docMk/>
+          <pc:sldMk cId="3693893796" sldId="256"/>
+        </pc:sldMkLst>
+        <pc:spChg chg="mod ord">
+          <ac:chgData name="Michael" userId="0df92e9667c24698" providerId="LiveId" clId="{FC0B3909-3CB4-47DF-9012-CE0364DFA015}" dt="2020-12-04T22:27:56.921" v="1045" actId="26606"/>
+          <ac:spMkLst>
+            <pc:docMk/>
+            <pc:sldMk cId="3693893796" sldId="256"/>
+            <ac:spMk id="2" creationId="{7D6BB0C7-9FA4-480F-956E-A2C16B1AD8BA}"/>
+          </ac:spMkLst>
+        </pc:spChg>
+        <pc:spChg chg="mod">
+          <ac:chgData name="Michael" userId="0df92e9667c24698" providerId="LiveId" clId="{FC0B3909-3CB4-47DF-9012-CE0364DFA015}" dt="2020-12-04T22:27:56.921" v="1045" actId="26606"/>
+          <ac:spMkLst>
+            <pc:docMk/>
+            <pc:sldMk cId="3693893796" sldId="256"/>
+            <ac:spMk id="3" creationId="{F2587A28-4C19-4DB1-BD9A-73A15C2D2E96}"/>
+          </ac:spMkLst>
+        </pc:spChg>
+        <pc:spChg chg="add">
+          <ac:chgData name="Michael" userId="0df92e9667c24698" providerId="LiveId" clId="{FC0B3909-3CB4-47DF-9012-CE0364DFA015}" dt="2020-12-04T22:27:56.921" v="1045" actId="26606"/>
+          <ac:spMkLst>
+            <pc:docMk/>
+            <pc:sldMk cId="3693893796" sldId="256"/>
+            <ac:spMk id="8" creationId="{88294908-8B00-4F58-BBBA-20F71A40AA9E}"/>
+          </ac:spMkLst>
+        </pc:spChg>
+        <pc:spChg chg="add">
+          <ac:chgData name="Michael" userId="0df92e9667c24698" providerId="LiveId" clId="{FC0B3909-3CB4-47DF-9012-CE0364DFA015}" dt="2020-12-04T22:27:56.921" v="1045" actId="26606"/>
+          <ac:spMkLst>
+            <pc:docMk/>
+            <pc:sldMk cId="3693893796" sldId="256"/>
+            <ac:spMk id="10" creationId="{4364C879-1404-4203-8E9D-CC5DE0A621A2}"/>
+          </ac:spMkLst>
+        </pc:spChg>
+        <pc:spChg chg="add">
+          <ac:chgData name="Michael" userId="0df92e9667c24698" providerId="LiveId" clId="{FC0B3909-3CB4-47DF-9012-CE0364DFA015}" dt="2020-12-04T22:27:56.921" v="1045" actId="26606"/>
+          <ac:spMkLst>
+            <pc:docMk/>
+            <pc:sldMk cId="3693893796" sldId="256"/>
+            <ac:spMk id="12" creationId="{84617302-4B0D-4351-A6BB-6F0930D943AC}"/>
+          </ac:spMkLst>
+        </pc:spChg>
+        <pc:spChg chg="add">
+          <ac:chgData name="Michael" userId="0df92e9667c24698" providerId="LiveId" clId="{FC0B3909-3CB4-47DF-9012-CE0364DFA015}" dt="2020-12-04T22:27:56.921" v="1045" actId="26606"/>
+          <ac:spMkLst>
+            <pc:docMk/>
+            <pc:sldMk cId="3693893796" sldId="256"/>
+            <ac:spMk id="14" creationId="{DA2C7802-C2E0-4218-8F89-8DD7CCD2CD1C}"/>
+          </ac:spMkLst>
+        </pc:spChg>
+        <pc:spChg chg="add">
+          <ac:chgData name="Michael" userId="0df92e9667c24698" providerId="LiveId" clId="{FC0B3909-3CB4-47DF-9012-CE0364DFA015}" dt="2020-12-04T22:27:56.921" v="1045" actId="26606"/>
+          <ac:spMkLst>
+            <pc:docMk/>
+            <pc:sldMk cId="3693893796" sldId="256"/>
+            <ac:spMk id="16" creationId="{A6D7111A-21E5-4EE9-8A78-10E5530F0116}"/>
+          </ac:spMkLst>
+        </pc:spChg>
+        <pc:spChg chg="add">
+          <ac:chgData name="Michael" userId="0df92e9667c24698" providerId="LiveId" clId="{FC0B3909-3CB4-47DF-9012-CE0364DFA015}" dt="2020-12-04T22:27:56.921" v="1045" actId="26606"/>
+          <ac:spMkLst>
+            <pc:docMk/>
+            <pc:sldMk cId="3693893796" sldId="256"/>
+            <ac:spMk id="18" creationId="{A3969E80-A77B-49FC-9122-D89AFD5EE118}"/>
+          </ac:spMkLst>
+        </pc:spChg>
+        <pc:spChg chg="add">
+          <ac:chgData name="Michael" userId="0df92e9667c24698" providerId="LiveId" clId="{FC0B3909-3CB4-47DF-9012-CE0364DFA015}" dt="2020-12-04T22:27:56.921" v="1045" actId="26606"/>
+          <ac:spMkLst>
+            <pc:docMk/>
+            <pc:sldMk cId="3693893796" sldId="256"/>
+            <ac:spMk id="20" creationId="{1849CA57-76BD-4CF2-80BA-D7A46A01B7B1}"/>
+          </ac:spMkLst>
+        </pc:spChg>
+        <pc:spChg chg="add">
+          <ac:chgData name="Michael" userId="0df92e9667c24698" providerId="LiveId" clId="{FC0B3909-3CB4-47DF-9012-CE0364DFA015}" dt="2020-12-04T22:27:56.921" v="1045" actId="26606"/>
+          <ac:spMkLst>
+            <pc:docMk/>
+            <pc:sldMk cId="3693893796" sldId="256"/>
+            <ac:spMk id="22" creationId="{35E9085E-E730-4768-83D4-6CB7E9897153}"/>
+          </ac:spMkLst>
+        </pc:spChg>
+        <pc:spChg chg="add">
+          <ac:chgData name="Michael" userId="0df92e9667c24698" providerId="LiveId" clId="{FC0B3909-3CB4-47DF-9012-CE0364DFA015}" dt="2020-12-04T22:27:56.921" v="1045" actId="26606"/>
+          <ac:spMkLst>
+            <pc:docMk/>
+            <pc:sldMk cId="3693893796" sldId="256"/>
+            <ac:spMk id="24" creationId="{973272FE-A474-4CAE-8CA2-BCC8B476C3F4}"/>
+          </ac:spMkLst>
+        </pc:spChg>
+        <pc:spChg chg="add">
+          <ac:chgData name="Michael" userId="0df92e9667c24698" providerId="LiveId" clId="{FC0B3909-3CB4-47DF-9012-CE0364DFA015}" dt="2020-12-04T22:27:56.921" v="1045" actId="26606"/>
+          <ac:spMkLst>
+            <pc:docMk/>
+            <pc:sldMk cId="3693893796" sldId="256"/>
+            <ac:spMk id="26" creationId="{E07981EA-05A6-437C-88D7-B377B92B031D}"/>
+          </ac:spMkLst>
+        </pc:spChg>
+        <pc:spChg chg="add">
+          <ac:chgData name="Michael" userId="0df92e9667c24698" providerId="LiveId" clId="{FC0B3909-3CB4-47DF-9012-CE0364DFA015}" dt="2020-12-04T22:27:56.921" v="1045" actId="26606"/>
+          <ac:spMkLst>
+            <pc:docMk/>
+            <pc:sldMk cId="3693893796" sldId="256"/>
+            <ac:spMk id="28" creationId="{15E3C750-986E-4769-B1AE-49289FBEE757}"/>
+          </ac:spMkLst>
+        </pc:spChg>
+      </pc:sldChg>
+      <pc:sldChg chg="addSp delSp modSp new mod">
+        <pc:chgData name="Michael" userId="0df92e9667c24698" providerId="LiveId" clId="{FC0B3909-3CB4-47DF-9012-CE0364DFA015}" dt="2020-12-10T06:26:45.518" v="1137" actId="20577"/>
+        <pc:sldMkLst>
+          <pc:docMk/>
+          <pc:sldMk cId="1849186053" sldId="257"/>
+        </pc:sldMkLst>
+        <pc:spChg chg="mod">
+          <ac:chgData name="Michael" userId="0df92e9667c24698" providerId="LiveId" clId="{FC0B3909-3CB4-47DF-9012-CE0364DFA015}" dt="2020-12-04T21:16:36.297" v="986" actId="1076"/>
+          <ac:spMkLst>
+            <pc:docMk/>
+            <pc:sldMk cId="1849186053" sldId="257"/>
+            <ac:spMk id="2" creationId="{1819ABB5-9EB0-4CA7-95CC-AE7CCB155920}"/>
+          </ac:spMkLst>
+        </pc:spChg>
+        <pc:spChg chg="mod">
+          <ac:chgData name="Michael" userId="0df92e9667c24698" providerId="LiveId" clId="{FC0B3909-3CB4-47DF-9012-CE0364DFA015}" dt="2020-12-10T06:26:45.518" v="1137" actId="20577"/>
+          <ac:spMkLst>
+            <pc:docMk/>
+            <pc:sldMk cId="1849186053" sldId="257"/>
+            <ac:spMk id="3" creationId="{D2A570C7-0460-4ABC-85E6-DDE7B565E114}"/>
+          </ac:spMkLst>
+        </pc:spChg>
+        <pc:spChg chg="add mod">
+          <ac:chgData name="Michael" userId="0df92e9667c24698" providerId="LiveId" clId="{FC0B3909-3CB4-47DF-9012-CE0364DFA015}" dt="2020-12-04T21:16:59.974" v="996" actId="20577"/>
+          <ac:spMkLst>
+            <pc:docMk/>
+            <pc:sldMk cId="1849186053" sldId="257"/>
+            <ac:spMk id="12" creationId="{96C46D2F-3730-4B4E-8D5D-88E2BFB1C83C}"/>
+          </ac:spMkLst>
+        </pc:spChg>
+        <pc:spChg chg="add mod">
+          <ac:chgData name="Michael" userId="0df92e9667c24698" providerId="LiveId" clId="{FC0B3909-3CB4-47DF-9012-CE0364DFA015}" dt="2020-12-04T21:17:28.174" v="1032" actId="20577"/>
+          <ac:spMkLst>
+            <pc:docMk/>
+            <pc:sldMk cId="1849186053" sldId="257"/>
+            <ac:spMk id="13" creationId="{0D9BC861-311D-4E89-A183-1AE96969AC39}"/>
+          </ac:spMkLst>
+        </pc:spChg>
+        <pc:picChg chg="add del mod">
+          <ac:chgData name="Michael" userId="0df92e9667c24698" providerId="LiveId" clId="{FC0B3909-3CB4-47DF-9012-CE0364DFA015}" dt="2020-12-04T21:15:19.830" v="963" actId="478"/>
+          <ac:picMkLst>
+            <pc:docMk/>
+            <pc:sldMk cId="1849186053" sldId="257"/>
+            <ac:picMk id="5" creationId="{5E7FC5AA-FDA3-4E9C-A3F3-D952CD47A867}"/>
+          </ac:picMkLst>
+        </pc:picChg>
+        <pc:picChg chg="add del mod">
+          <ac:chgData name="Michael" userId="0df92e9667c24698" providerId="LiveId" clId="{FC0B3909-3CB4-47DF-9012-CE0364DFA015}" dt="2020-12-04T21:15:19.830" v="963" actId="478"/>
+          <ac:picMkLst>
+            <pc:docMk/>
+            <pc:sldMk cId="1849186053" sldId="257"/>
+            <ac:picMk id="7" creationId="{CCBE578B-4905-40A7-B07F-AF1DD952AE0F}"/>
+          </ac:picMkLst>
+        </pc:picChg>
+        <pc:picChg chg="add mod">
+          <ac:chgData name="Michael" userId="0df92e9667c24698" providerId="LiveId" clId="{FC0B3909-3CB4-47DF-9012-CE0364DFA015}" dt="2020-12-04T22:26:56.059" v="1043" actId="1076"/>
+          <ac:picMkLst>
+            <pc:docMk/>
+            <pc:sldMk cId="1849186053" sldId="257"/>
+            <ac:picMk id="9" creationId="{876D7733-1386-446E-B920-9A8BA184A69C}"/>
+          </ac:picMkLst>
+        </pc:picChg>
+        <pc:picChg chg="add mod">
+          <ac:chgData name="Michael" userId="0df92e9667c24698" providerId="LiveId" clId="{FC0B3909-3CB4-47DF-9012-CE0364DFA015}" dt="2020-12-04T22:26:59.045" v="1044" actId="1076"/>
+          <ac:picMkLst>
+            <pc:docMk/>
+            <pc:sldMk cId="1849186053" sldId="257"/>
+            <ac:picMk id="11" creationId="{710D50A8-61E8-4FD6-A1BC-CDC80C1E471D}"/>
+          </ac:picMkLst>
+        </pc:picChg>
+      </pc:sldChg>
+      <pc:sldChg chg="addSp modSp new mod setBg">
+        <pc:chgData name="Michael" userId="0df92e9667c24698" providerId="LiveId" clId="{FC0B3909-3CB4-47DF-9012-CE0364DFA015}" dt="2020-12-05T03:45:17.905" v="1119" actId="1076"/>
+        <pc:sldMkLst>
+          <pc:docMk/>
+          <pc:sldMk cId="99403342" sldId="258"/>
+        </pc:sldMkLst>
+        <pc:spChg chg="mod">
+          <ac:chgData name="Michael" userId="0df92e9667c24698" providerId="LiveId" clId="{FC0B3909-3CB4-47DF-9012-CE0364DFA015}" dt="2020-12-04T22:26:24.499" v="1038" actId="26606"/>
+          <ac:spMkLst>
+            <pc:docMk/>
+            <pc:sldMk cId="99403342" sldId="258"/>
+            <ac:spMk id="2" creationId="{2A7BEFF6-8A12-4AF1-98EF-2F3146591D82}"/>
+          </ac:spMkLst>
+        </pc:spChg>
+        <pc:spChg chg="mod">
+          <ac:chgData name="Michael" userId="0df92e9667c24698" providerId="LiveId" clId="{FC0B3909-3CB4-47DF-9012-CE0364DFA015}" dt="2020-12-04T22:26:24.499" v="1038" actId="26606"/>
+          <ac:spMkLst>
+            <pc:docMk/>
+            <pc:sldMk cId="99403342" sldId="258"/>
+            <ac:spMk id="3" creationId="{2700BD27-30C5-4F64-8331-78494192D55A}"/>
+          </ac:spMkLst>
+        </pc:spChg>
+        <pc:spChg chg="add">
+          <ac:chgData name="Michael" userId="0df92e9667c24698" providerId="LiveId" clId="{FC0B3909-3CB4-47DF-9012-CE0364DFA015}" dt="2020-12-04T22:26:24.499" v="1038" actId="26606"/>
+          <ac:spMkLst>
+            <pc:docMk/>
+            <pc:sldMk cId="99403342" sldId="258"/>
+            <ac:spMk id="10" creationId="{6EFC920F-B85A-4068-BD93-41064EDE93D3}"/>
+          </ac:spMkLst>
+        </pc:spChg>
+        <pc:spChg chg="add">
+          <ac:chgData name="Michael" userId="0df92e9667c24698" providerId="LiveId" clId="{FC0B3909-3CB4-47DF-9012-CE0364DFA015}" dt="2020-12-04T22:26:24.499" v="1038" actId="26606"/>
+          <ac:spMkLst>
+            <pc:docMk/>
+            <pc:sldMk cId="99403342" sldId="258"/>
+            <ac:spMk id="16" creationId="{CBC4F608-B4B8-48C3-9572-C0F061B1CD99}"/>
+          </ac:spMkLst>
+        </pc:spChg>
+        <pc:spChg chg="add">
+          <ac:chgData name="Michael" userId="0df92e9667c24698" providerId="LiveId" clId="{FC0B3909-3CB4-47DF-9012-CE0364DFA015}" dt="2020-12-04T22:26:24.499" v="1038" actId="26606"/>
+          <ac:spMkLst>
+            <pc:docMk/>
+            <pc:sldMk cId="99403342" sldId="258"/>
+            <ac:spMk id="18" creationId="{1382A32C-5B0C-4B1C-A074-76C6DBCC9F87}"/>
+          </ac:spMkLst>
+        </pc:spChg>
+        <pc:grpChg chg="add">
+          <ac:chgData name="Michael" userId="0df92e9667c24698" providerId="LiveId" clId="{FC0B3909-3CB4-47DF-9012-CE0364DFA015}" dt="2020-12-04T22:26:24.499" v="1038" actId="26606"/>
+          <ac:grpSpMkLst>
+            <pc:docMk/>
+            <pc:sldMk cId="99403342" sldId="258"/>
+            <ac:grpSpMk id="12" creationId="{1C559108-BBAE-426C-8564-051D2BA6DDC8}"/>
+          </ac:grpSpMkLst>
+        </pc:grpChg>
+        <pc:picChg chg="add mod">
+          <ac:chgData name="Michael" userId="0df92e9667c24698" providerId="LiveId" clId="{FC0B3909-3CB4-47DF-9012-CE0364DFA015}" dt="2020-12-05T03:45:17.905" v="1119" actId="1076"/>
+          <ac:picMkLst>
+            <pc:docMk/>
+            <pc:sldMk cId="99403342" sldId="258"/>
+            <ac:picMk id="5" creationId="{2AA933B1-AB39-40F6-8E56-67D5EFE8FFC9}"/>
+          </ac:picMkLst>
+        </pc:picChg>
+      </pc:sldChg>
+      <pc:sldChg chg="addSp delSp modSp new mod setBg setClrOvrMap">
+        <pc:chgData name="Michael" userId="0df92e9667c24698" providerId="LiveId" clId="{FC0B3909-3CB4-47DF-9012-CE0364DFA015}" dt="2020-12-11T04:56:59.110" v="2594" actId="1076"/>
+        <pc:sldMkLst>
+          <pc:docMk/>
+          <pc:sldMk cId="1689214189" sldId="259"/>
+        </pc:sldMkLst>
+        <pc:spChg chg="mod">
+          <ac:chgData name="Michael" userId="0df92e9667c24698" providerId="LiveId" clId="{FC0B3909-3CB4-47DF-9012-CE0364DFA015}" dt="2020-12-11T04:54:57.556" v="2557" actId="20577"/>
+          <ac:spMkLst>
+            <pc:docMk/>
+            <pc:sldMk cId="1689214189" sldId="259"/>
+            <ac:spMk id="2" creationId="{4039E0BE-F80F-42F2-8718-A61413637780}"/>
+          </ac:spMkLst>
+        </pc:spChg>
+        <pc:spChg chg="mod">
+          <ac:chgData name="Michael" userId="0df92e9667c24698" providerId="LiveId" clId="{FC0B3909-3CB4-47DF-9012-CE0364DFA015}" dt="2020-12-11T04:56:59.110" v="2594" actId="1076"/>
+          <ac:spMkLst>
+            <pc:docMk/>
+            <pc:sldMk cId="1689214189" sldId="259"/>
+            <ac:spMk id="3" creationId="{7586E27F-0A5A-494D-891D-6D9C25DADB4B}"/>
+          </ac:spMkLst>
+        </pc:spChg>
+        <pc:spChg chg="add del">
+          <ac:chgData name="Michael" userId="0df92e9667c24698" providerId="LiveId" clId="{FC0B3909-3CB4-47DF-9012-CE0364DFA015}" dt="2020-12-04T22:25:55.410" v="1035" actId="26606"/>
+          <ac:spMkLst>
+            <pc:docMk/>
+            <pc:sldMk cId="1689214189" sldId="259"/>
+            <ac:spMk id="9" creationId="{201CC55D-ED54-4C5C-95E6-10947BD1103B}"/>
+          </ac:spMkLst>
+        </pc:spChg>
+        <pc:spChg chg="add del">
+          <ac:chgData name="Michael" userId="0df92e9667c24698" providerId="LiveId" clId="{FC0B3909-3CB4-47DF-9012-CE0364DFA015}" dt="2020-12-04T22:25:55.410" v="1035" actId="26606"/>
+          <ac:spMkLst>
+            <pc:docMk/>
+            <pc:sldMk cId="1689214189" sldId="259"/>
+            <ac:spMk id="15" creationId="{3873B707-463F-40B0-8227-E8CC6C67EB25}"/>
+          </ac:spMkLst>
+        </pc:spChg>
+        <pc:spChg chg="add del">
+          <ac:chgData name="Michael" userId="0df92e9667c24698" providerId="LiveId" clId="{FC0B3909-3CB4-47DF-9012-CE0364DFA015}" dt="2020-12-04T22:25:55.410" v="1035" actId="26606"/>
+          <ac:spMkLst>
+            <pc:docMk/>
+            <pc:sldMk cId="1689214189" sldId="259"/>
+            <ac:spMk id="17" creationId="{C13237C8-E62C-4F0D-A318-BD6FB6C2D138}"/>
+          </ac:spMkLst>
+        </pc:spChg>
+        <pc:spChg chg="add del">
+          <ac:chgData name="Michael" userId="0df92e9667c24698" providerId="LiveId" clId="{FC0B3909-3CB4-47DF-9012-CE0364DFA015}" dt="2020-12-04T22:25:55.410" v="1035" actId="26606"/>
+          <ac:spMkLst>
+            <pc:docMk/>
+            <pc:sldMk cId="1689214189" sldId="259"/>
+            <ac:spMk id="19" creationId="{19C9EAEA-39D0-4B0E-A0EB-51E7B26740B1}"/>
+          </ac:spMkLst>
+        </pc:spChg>
+        <pc:spChg chg="add del">
+          <ac:chgData name="Michael" userId="0df92e9667c24698" providerId="LiveId" clId="{FC0B3909-3CB4-47DF-9012-CE0364DFA015}" dt="2020-12-04T22:26:07.796" v="1037" actId="26606"/>
+          <ac:spMkLst>
+            <pc:docMk/>
+            <pc:sldMk cId="1689214189" sldId="259"/>
+            <ac:spMk id="21" creationId="{F2B38F72-8FC4-4001-8C67-FA6B86DEC767}"/>
+          </ac:spMkLst>
+        </pc:spChg>
+        <pc:spChg chg="add">
+          <ac:chgData name="Michael" userId="0df92e9667c24698" providerId="LiveId" clId="{FC0B3909-3CB4-47DF-9012-CE0364DFA015}" dt="2020-12-04T22:26:07.796" v="1037" actId="26606"/>
+          <ac:spMkLst>
+            <pc:docMk/>
+            <pc:sldMk cId="1689214189" sldId="259"/>
+            <ac:spMk id="26" creationId="{201CC55D-ED54-4C5C-95E6-10947BD1103B}"/>
+          </ac:spMkLst>
+        </pc:spChg>
+        <pc:spChg chg="add">
+          <ac:chgData name="Michael" userId="0df92e9667c24698" providerId="LiveId" clId="{FC0B3909-3CB4-47DF-9012-CE0364DFA015}" dt="2020-12-04T22:26:07.796" v="1037" actId="26606"/>
+          <ac:spMkLst>
+            <pc:docMk/>
+            <pc:sldMk cId="1689214189" sldId="259"/>
+            <ac:spMk id="32" creationId="{3873B707-463F-40B0-8227-E8CC6C67EB25}"/>
+          </ac:spMkLst>
+        </pc:spChg>
+        <pc:spChg chg="add">
+          <ac:chgData name="Michael" userId="0df92e9667c24698" providerId="LiveId" clId="{FC0B3909-3CB4-47DF-9012-CE0364DFA015}" dt="2020-12-04T22:26:07.796" v="1037" actId="26606"/>
+          <ac:spMkLst>
+            <pc:docMk/>
+            <pc:sldMk cId="1689214189" sldId="259"/>
+            <ac:spMk id="34" creationId="{C13237C8-E62C-4F0D-A318-BD6FB6C2D138}"/>
+          </ac:spMkLst>
+        </pc:spChg>
+        <pc:spChg chg="add">
+          <ac:chgData name="Michael" userId="0df92e9667c24698" providerId="LiveId" clId="{FC0B3909-3CB4-47DF-9012-CE0364DFA015}" dt="2020-12-04T22:26:07.796" v="1037" actId="26606"/>
+          <ac:spMkLst>
+            <pc:docMk/>
+            <pc:sldMk cId="1689214189" sldId="259"/>
+            <ac:spMk id="36" creationId="{19C9EAEA-39D0-4B0E-A0EB-51E7B26740B1}"/>
+          </ac:spMkLst>
+        </pc:spChg>
+        <pc:grpChg chg="add del">
+          <ac:chgData name="Michael" userId="0df92e9667c24698" providerId="LiveId" clId="{FC0B3909-3CB4-47DF-9012-CE0364DFA015}" dt="2020-12-04T22:25:55.410" v="1035" actId="26606"/>
+          <ac:grpSpMkLst>
+            <pc:docMk/>
+            <pc:sldMk cId="1689214189" sldId="259"/>
+            <ac:grpSpMk id="11" creationId="{1DE889C7-FAD6-4397-98E2-05D503484459}"/>
+          </ac:grpSpMkLst>
+        </pc:grpChg>
+        <pc:grpChg chg="add">
+          <ac:chgData name="Michael" userId="0df92e9667c24698" providerId="LiveId" clId="{FC0B3909-3CB4-47DF-9012-CE0364DFA015}" dt="2020-12-04T22:26:07.796" v="1037" actId="26606"/>
+          <ac:grpSpMkLst>
+            <pc:docMk/>
+            <pc:sldMk cId="1689214189" sldId="259"/>
+            <ac:grpSpMk id="28" creationId="{1DE889C7-FAD6-4397-98E2-05D503484459}"/>
+          </ac:grpSpMkLst>
+        </pc:grpChg>
+        <pc:picChg chg="add mod">
+          <ac:chgData name="Michael" userId="0df92e9667c24698" providerId="LiveId" clId="{FC0B3909-3CB4-47DF-9012-CE0364DFA015}" dt="2020-12-04T22:26:07.796" v="1037" actId="26606"/>
+          <ac:picMkLst>
+            <pc:docMk/>
+            <pc:sldMk cId="1689214189" sldId="259"/>
+            <ac:picMk id="4" creationId="{41F7653C-CD4B-4B43-9039-3F2D9972C0FD}"/>
+          </ac:picMkLst>
+        </pc:picChg>
+      </pc:sldChg>
+      <pc:sldChg chg="addSp delSp modSp new del mod">
+        <pc:chgData name="Michael" userId="0df92e9667c24698" providerId="LiveId" clId="{FC0B3909-3CB4-47DF-9012-CE0364DFA015}" dt="2020-12-11T04:55:57.284" v="2568" actId="47"/>
+        <pc:sldMkLst>
+          <pc:docMk/>
+          <pc:sldMk cId="1597386060" sldId="260"/>
+        </pc:sldMkLst>
+        <pc:spChg chg="mod">
+          <ac:chgData name="Michael" userId="0df92e9667c24698" providerId="LiveId" clId="{FC0B3909-3CB4-47DF-9012-CE0364DFA015}" dt="2020-12-05T03:44:30.500" v="1118" actId="1076"/>
+          <ac:spMkLst>
+            <pc:docMk/>
+            <pc:sldMk cId="1597386060" sldId="260"/>
+            <ac:spMk id="2" creationId="{B8F32CE2-72B8-43A6-A037-E79E7490D39D}"/>
+          </ac:spMkLst>
+        </pc:spChg>
+        <pc:spChg chg="del">
+          <ac:chgData name="Michael" userId="0df92e9667c24698" providerId="LiveId" clId="{FC0B3909-3CB4-47DF-9012-CE0364DFA015}" dt="2020-12-04T21:07:41.350" v="939" actId="931"/>
+          <ac:spMkLst>
+            <pc:docMk/>
+            <pc:sldMk cId="1597386060" sldId="260"/>
+            <ac:spMk id="3" creationId="{FC7E06DB-307F-4C71-B7AF-7E493C244D27}"/>
+          </ac:spMkLst>
+        </pc:spChg>
+        <pc:spChg chg="add mod">
+          <ac:chgData name="Michael" userId="0df92e9667c24698" providerId="LiveId" clId="{FC0B3909-3CB4-47DF-9012-CE0364DFA015}" dt="2020-12-04T21:29:19.918" v="1033" actId="14100"/>
+          <ac:spMkLst>
+            <pc:docMk/>
+            <pc:sldMk cId="1597386060" sldId="260"/>
+            <ac:spMk id="7" creationId="{F31AE844-74AA-4D5E-9D3E-01BFA8AD6D42}"/>
+          </ac:spMkLst>
+        </pc:spChg>
+        <pc:picChg chg="add del mod">
+          <ac:chgData name="Michael" userId="0df92e9667c24698" providerId="LiveId" clId="{FC0B3909-3CB4-47DF-9012-CE0364DFA015}" dt="2020-12-04T21:11:56.965" v="949" actId="21"/>
+          <ac:picMkLst>
+            <pc:docMk/>
+            <pc:sldMk cId="1597386060" sldId="260"/>
+            <ac:picMk id="5" creationId="{D84EAB3E-D167-4F31-9DAD-73CD64D415E1}"/>
+          </ac:picMkLst>
+        </pc:picChg>
+      </pc:sldChg>
+      <pc:sldChg chg="addSp delSp modSp new mod setBg">
+        <pc:chgData name="Michael" userId="0df92e9667c24698" providerId="LiveId" clId="{FC0B3909-3CB4-47DF-9012-CE0364DFA015}" dt="2020-12-04T22:51:01.113" v="1112" actId="26606"/>
+        <pc:sldMkLst>
+          <pc:docMk/>
+          <pc:sldMk cId="3801439958" sldId="261"/>
+        </pc:sldMkLst>
+        <pc:spChg chg="mod">
+          <ac:chgData name="Michael" userId="0df92e9667c24698" providerId="LiveId" clId="{FC0B3909-3CB4-47DF-9012-CE0364DFA015}" dt="2020-12-04T22:51:01.113" v="1112" actId="26606"/>
+          <ac:spMkLst>
+            <pc:docMk/>
+            <pc:sldMk cId="3801439958" sldId="261"/>
+            <ac:spMk id="2" creationId="{DC13874D-8C70-43D5-B35A-58AA92C57AD6}"/>
+          </ac:spMkLst>
+        </pc:spChg>
+        <pc:spChg chg="del">
+          <ac:chgData name="Michael" userId="0df92e9667c24698" providerId="LiveId" clId="{FC0B3909-3CB4-47DF-9012-CE0364DFA015}" dt="2020-12-04T22:51:01.113" v="1112" actId="26606"/>
+          <ac:spMkLst>
+            <pc:docMk/>
+            <pc:sldMk cId="3801439958" sldId="261"/>
+            <ac:spMk id="3" creationId="{1D12E753-0FAA-4ECF-A12F-E6BE08A5FEB7}"/>
+          </ac:spMkLst>
+        </pc:spChg>
+        <pc:spChg chg="add">
+          <ac:chgData name="Michael" userId="0df92e9667c24698" providerId="LiveId" clId="{FC0B3909-3CB4-47DF-9012-CE0364DFA015}" dt="2020-12-04T22:51:01.113" v="1112" actId="26606"/>
+          <ac:spMkLst>
+            <pc:docMk/>
+            <pc:sldMk cId="3801439958" sldId="261"/>
+            <ac:spMk id="10" creationId="{35555856-9970-4BC3-9AA9-6A917F53AFBD}"/>
+          </ac:spMkLst>
+        </pc:spChg>
+        <pc:spChg chg="add">
+          <ac:chgData name="Michael" userId="0df92e9667c24698" providerId="LiveId" clId="{FC0B3909-3CB4-47DF-9012-CE0364DFA015}" dt="2020-12-04T22:51:01.113" v="1112" actId="26606"/>
+          <ac:spMkLst>
+            <pc:docMk/>
+            <pc:sldMk cId="3801439958" sldId="261"/>
+            <ac:spMk id="14" creationId="{13722DD7-BA73-4776-93A3-94491FEF7260}"/>
+          </ac:spMkLst>
+        </pc:spChg>
+        <pc:picChg chg="add">
+          <ac:chgData name="Michael" userId="0df92e9667c24698" providerId="LiveId" clId="{FC0B3909-3CB4-47DF-9012-CE0364DFA015}" dt="2020-12-04T22:51:01.113" v="1112" actId="26606"/>
+          <ac:picMkLst>
+            <pc:docMk/>
+            <pc:sldMk cId="3801439958" sldId="261"/>
+            <ac:picMk id="7" creationId="{C8C527B5-6653-42F3-92CF-92C03E5232B1}"/>
+          </ac:picMkLst>
+        </pc:picChg>
+        <pc:picChg chg="add">
+          <ac:chgData name="Michael" userId="0df92e9667c24698" providerId="LiveId" clId="{FC0B3909-3CB4-47DF-9012-CE0364DFA015}" dt="2020-12-04T22:51:01.113" v="1112" actId="26606"/>
+          <ac:picMkLst>
+            <pc:docMk/>
+            <pc:sldMk cId="3801439958" sldId="261"/>
+            <ac:picMk id="12" creationId="{7F487851-BFAF-46D8-A1ED-50CAD6E46F59}"/>
+          </ac:picMkLst>
+        </pc:picChg>
+      </pc:sldChg>
+      <pc:sldChg chg="modSp new mod">
+        <pc:chgData name="Michael" userId="0df92e9667c24698" providerId="LiveId" clId="{FC0B3909-3CB4-47DF-9012-CE0364DFA015}" dt="2020-12-11T04:57:20.420" v="2626" actId="20577"/>
+        <pc:sldMkLst>
+          <pc:docMk/>
+          <pc:sldMk cId="132749155" sldId="262"/>
+        </pc:sldMkLst>
+        <pc:spChg chg="mod">
+          <ac:chgData name="Michael" userId="0df92e9667c24698" providerId="LiveId" clId="{FC0B3909-3CB4-47DF-9012-CE0364DFA015}" dt="2020-12-11T04:57:20.420" v="2626" actId="20577"/>
+          <ac:spMkLst>
+            <pc:docMk/>
+            <pc:sldMk cId="132749155" sldId="262"/>
+            <ac:spMk id="2" creationId="{353FE7C9-54AD-4BBC-83FA-D290B26D8EC3}"/>
+          </ac:spMkLst>
+        </pc:spChg>
+      </pc:sldChg>
+      <pc:sldChg chg="addSp delSp modSp new del mod setBg">
+        <pc:chgData name="Michael" userId="0df92e9667c24698" providerId="LiveId" clId="{FC0B3909-3CB4-47DF-9012-CE0364DFA015}" dt="2020-12-11T04:54:34.823" v="2531" actId="47"/>
+        <pc:sldMkLst>
+          <pc:docMk/>
+          <pc:sldMk cId="564611472" sldId="263"/>
+        </pc:sldMkLst>
+        <pc:spChg chg="add del">
+          <ac:chgData name="Michael" userId="0df92e9667c24698" providerId="LiveId" clId="{FC0B3909-3CB4-47DF-9012-CE0364DFA015}" dt="2020-12-04T22:42:17.803" v="1064" actId="26606"/>
+          <ac:spMkLst>
+            <pc:docMk/>
+            <pc:sldMk cId="564611472" sldId="263"/>
+            <ac:spMk id="2" creationId="{4ED17E72-7E76-4426-ACFE-D31E9A4EB938}"/>
+          </ac:spMkLst>
+        </pc:spChg>
+        <pc:spChg chg="del">
+          <ac:chgData name="Michael" userId="0df92e9667c24698" providerId="LiveId" clId="{FC0B3909-3CB4-47DF-9012-CE0364DFA015}" dt="2020-12-04T22:39:25.533" v="1047" actId="931"/>
+          <ac:spMkLst>
+            <pc:docMk/>
+            <pc:sldMk cId="564611472" sldId="263"/>
+            <ac:spMk id="3" creationId="{E92E5846-F269-408F-B2CB-7EC68B66750B}"/>
+          </ac:spMkLst>
+        </pc:spChg>
+        <pc:spChg chg="add del mod">
+          <ac:chgData name="Michael" userId="0df92e9667c24698" providerId="LiveId" clId="{FC0B3909-3CB4-47DF-9012-CE0364DFA015}" dt="2020-12-04T22:39:34.904" v="1051" actId="931"/>
+          <ac:spMkLst>
+            <pc:docMk/>
+            <pc:sldMk cId="564611472" sldId="263"/>
+            <ac:spMk id="7" creationId="{B167A7DD-5E19-4F7A-8882-AC411AA0A4E5}"/>
+          </ac:spMkLst>
+        </pc:spChg>
+        <pc:spChg chg="add del mod">
+          <ac:chgData name="Michael" userId="0df92e9667c24698" providerId="LiveId" clId="{FC0B3909-3CB4-47DF-9012-CE0364DFA015}" dt="2020-12-04T22:42:14.498" v="1063" actId="21"/>
+          <ac:spMkLst>
+            <pc:docMk/>
+            <pc:sldMk cId="564611472" sldId="263"/>
+            <ac:spMk id="11" creationId="{F9528C57-F978-4B62-91D4-A0B501AF5435}"/>
+          </ac:spMkLst>
+        </pc:spChg>
+        <pc:spChg chg="add">
+          <ac:chgData name="Michael" userId="0df92e9667c24698" providerId="LiveId" clId="{FC0B3909-3CB4-47DF-9012-CE0364DFA015}" dt="2020-12-04T22:42:17.803" v="1064" actId="26606"/>
+          <ac:spMkLst>
+            <pc:docMk/>
+            <pc:sldMk cId="564611472" sldId="263"/>
+            <ac:spMk id="12" creationId="{46D6306C-ED4F-4AAE-B4A5-EEA6AFAD726E}"/>
+          </ac:spMkLst>
+        </pc:spChg>
+        <pc:spChg chg="add">
+          <ac:chgData name="Michael" userId="0df92e9667c24698" providerId="LiveId" clId="{FC0B3909-3CB4-47DF-9012-CE0364DFA015}" dt="2020-12-04T22:42:17.803" v="1064" actId="26606"/>
+          <ac:spMkLst>
+            <pc:docMk/>
+            <pc:sldMk cId="564611472" sldId="263"/>
+            <ac:spMk id="13" creationId="{0EC5361D-F897-4856-B945-0455A365EB24}"/>
+          </ac:spMkLst>
+        </pc:spChg>
+        <pc:spChg chg="add del">
+          <ac:chgData name="Michael" userId="0df92e9667c24698" providerId="LiveId" clId="{FC0B3909-3CB4-47DF-9012-CE0364DFA015}" dt="2020-12-04T22:41:40.976" v="1055" actId="26606"/>
+          <ac:spMkLst>
+            <pc:docMk/>
+            <pc:sldMk cId="564611472" sldId="263"/>
+            <ac:spMk id="14" creationId="{46D6306C-ED4F-4AAE-B4A5-EEA6AFAD726E}"/>
+          </ac:spMkLst>
+        </pc:spChg>
+        <pc:spChg chg="add">
+          <ac:chgData name="Michael" userId="0df92e9667c24698" providerId="LiveId" clId="{FC0B3909-3CB4-47DF-9012-CE0364DFA015}" dt="2020-12-04T22:42:17.803" v="1064" actId="26606"/>
+          <ac:spMkLst>
+            <pc:docMk/>
+            <pc:sldMk cId="564611472" sldId="263"/>
+            <ac:spMk id="15" creationId="{4508C0C5-2268-42B5-B3C8-4D0899E05F8C}"/>
+          </ac:spMkLst>
+        </pc:spChg>
+        <pc:spChg chg="add del">
+          <ac:chgData name="Michael" userId="0df92e9667c24698" providerId="LiveId" clId="{FC0B3909-3CB4-47DF-9012-CE0364DFA015}" dt="2020-12-04T22:41:40.976" v="1055" actId="26606"/>
+          <ac:spMkLst>
+            <pc:docMk/>
+            <pc:sldMk cId="564611472" sldId="263"/>
+            <ac:spMk id="16" creationId="{0EC5361D-F897-4856-B945-0455A365EB24}"/>
+          </ac:spMkLst>
+        </pc:spChg>
+        <pc:spChg chg="add">
+          <ac:chgData name="Michael" userId="0df92e9667c24698" providerId="LiveId" clId="{FC0B3909-3CB4-47DF-9012-CE0364DFA015}" dt="2020-12-04T22:42:17.803" v="1064" actId="26606"/>
+          <ac:spMkLst>
+            <pc:docMk/>
+            <pc:sldMk cId="564611472" sldId="263"/>
+            <ac:spMk id="17" creationId="{141ACBDB-38F8-4B34-8183-BD95B4E55A62}"/>
+          </ac:spMkLst>
+        </pc:spChg>
+        <pc:spChg chg="add del">
+          <ac:chgData name="Michael" userId="0df92e9667c24698" providerId="LiveId" clId="{FC0B3909-3CB4-47DF-9012-CE0364DFA015}" dt="2020-12-04T22:41:40.976" v="1055" actId="26606"/>
+          <ac:spMkLst>
+            <pc:docMk/>
+            <pc:sldMk cId="564611472" sldId="263"/>
+            <ac:spMk id="18" creationId="{4508C0C5-2268-42B5-B3C8-4D0899E05F8C}"/>
+          </ac:spMkLst>
+        </pc:spChg>
+        <pc:spChg chg="add">
+          <ac:chgData name="Michael" userId="0df92e9667c24698" providerId="LiveId" clId="{FC0B3909-3CB4-47DF-9012-CE0364DFA015}" dt="2020-12-04T22:42:17.803" v="1064" actId="26606"/>
+          <ac:spMkLst>
+            <pc:docMk/>
+            <pc:sldMk cId="564611472" sldId="263"/>
+            <ac:spMk id="19" creationId="{DE00DB52-3455-4E2F-867B-A6D0516E175B}"/>
+          </ac:spMkLst>
+        </pc:spChg>
+        <pc:spChg chg="add del">
+          <ac:chgData name="Michael" userId="0df92e9667c24698" providerId="LiveId" clId="{FC0B3909-3CB4-47DF-9012-CE0364DFA015}" dt="2020-12-04T22:41:40.976" v="1055" actId="26606"/>
+          <ac:spMkLst>
+            <pc:docMk/>
+            <pc:sldMk cId="564611472" sldId="263"/>
+            <ac:spMk id="20" creationId="{141ACBDB-38F8-4B34-8183-BD95B4E55A62}"/>
+          </ac:spMkLst>
+        </pc:spChg>
+        <pc:spChg chg="add">
+          <ac:chgData name="Michael" userId="0df92e9667c24698" providerId="LiveId" clId="{FC0B3909-3CB4-47DF-9012-CE0364DFA015}" dt="2020-12-04T22:42:17.803" v="1064" actId="26606"/>
+          <ac:spMkLst>
+            <pc:docMk/>
+            <pc:sldMk cId="564611472" sldId="263"/>
+            <ac:spMk id="21" creationId="{9E914C83-E0D8-4953-92D5-169D28CB43AE}"/>
+          </ac:spMkLst>
+        </pc:spChg>
+        <pc:spChg chg="add del">
+          <ac:chgData name="Michael" userId="0df92e9667c24698" providerId="LiveId" clId="{FC0B3909-3CB4-47DF-9012-CE0364DFA015}" dt="2020-12-04T22:41:40.976" v="1055" actId="26606"/>
+          <ac:spMkLst>
+            <pc:docMk/>
+            <pc:sldMk cId="564611472" sldId="263"/>
+            <ac:spMk id="22" creationId="{DE00DB52-3455-4E2F-867B-A6D0516E175B}"/>
+          </ac:spMkLst>
+        </pc:spChg>
+        <pc:spChg chg="add">
+          <ac:chgData name="Michael" userId="0df92e9667c24698" providerId="LiveId" clId="{FC0B3909-3CB4-47DF-9012-CE0364DFA015}" dt="2020-12-04T22:42:17.803" v="1064" actId="26606"/>
+          <ac:spMkLst>
+            <pc:docMk/>
+            <pc:sldMk cId="564611472" sldId="263"/>
+            <ac:spMk id="23" creationId="{3512E083-F550-46AF-8490-767ECFD00CB7}"/>
+          </ac:spMkLst>
+        </pc:spChg>
+        <pc:spChg chg="add del">
+          <ac:chgData name="Michael" userId="0df92e9667c24698" providerId="LiveId" clId="{FC0B3909-3CB4-47DF-9012-CE0364DFA015}" dt="2020-12-04T22:41:40.976" v="1055" actId="26606"/>
+          <ac:spMkLst>
+            <pc:docMk/>
+            <pc:sldMk cId="564611472" sldId="263"/>
+            <ac:spMk id="24" creationId="{9E914C83-E0D8-4953-92D5-169D28CB43AE}"/>
+          </ac:spMkLst>
+        </pc:spChg>
+        <pc:spChg chg="add del">
+          <ac:chgData name="Michael" userId="0df92e9667c24698" providerId="LiveId" clId="{FC0B3909-3CB4-47DF-9012-CE0364DFA015}" dt="2020-12-04T22:41:40.976" v="1055" actId="26606"/>
+          <ac:spMkLst>
+            <pc:docMk/>
+            <pc:sldMk cId="564611472" sldId="263"/>
+            <ac:spMk id="26" creationId="{3512E083-F550-46AF-8490-767ECFD00CB7}"/>
+          </ac:spMkLst>
+        </pc:spChg>
+        <pc:spChg chg="add del mod">
+          <ac:chgData name="Michael" userId="0df92e9667c24698" providerId="LiveId" clId="{FC0B3909-3CB4-47DF-9012-CE0364DFA015}" dt="2020-12-04T22:42:26.061" v="1068" actId="478"/>
+          <ac:spMkLst>
+            <pc:docMk/>
+            <pc:sldMk cId="564611472" sldId="263"/>
+            <ac:spMk id="27" creationId="{EF208B27-7E61-4D97-AB49-38A0A0310AA9}"/>
+          </ac:spMkLst>
+        </pc:spChg>
+        <pc:spChg chg="add del">
+          <ac:chgData name="Michael" userId="0df92e9667c24698" providerId="LiveId" clId="{FC0B3909-3CB4-47DF-9012-CE0364DFA015}" dt="2020-12-04T22:41:50.515" v="1057" actId="26606"/>
+          <ac:spMkLst>
+            <pc:docMk/>
+            <pc:sldMk cId="564611472" sldId="263"/>
+            <ac:spMk id="28" creationId="{3DAD86CA-8235-409B-982B-5E7A033E2392}"/>
+          </ac:spMkLst>
+        </pc:spChg>
+        <pc:spChg chg="add del">
+          <ac:chgData name="Michael" userId="0df92e9667c24698" providerId="LiveId" clId="{FC0B3909-3CB4-47DF-9012-CE0364DFA015}" dt="2020-12-04T22:41:50.515" v="1057" actId="26606"/>
+          <ac:spMkLst>
+            <pc:docMk/>
+            <pc:sldMk cId="564611472" sldId="263"/>
+            <ac:spMk id="29" creationId="{9F234FBA-3501-47B4-AE0C-AA4AFBC8F603}"/>
+          </ac:spMkLst>
+        </pc:spChg>
+        <pc:spChg chg="add del">
+          <ac:chgData name="Michael" userId="0df92e9667c24698" providerId="LiveId" clId="{FC0B3909-3CB4-47DF-9012-CE0364DFA015}" dt="2020-12-04T22:41:50.515" v="1057" actId="26606"/>
+          <ac:spMkLst>
+            <pc:docMk/>
+            <pc:sldMk cId="564611472" sldId="263"/>
+            <ac:spMk id="30" creationId="{B5EF893B-0491-416E-9D33-BADE9600792A}"/>
+          </ac:spMkLst>
+        </pc:spChg>
+        <pc:spChg chg="add mod">
+          <ac:chgData name="Michael" userId="0df92e9667c24698" providerId="LiveId" clId="{FC0B3909-3CB4-47DF-9012-CE0364DFA015}" dt="2020-12-04T22:44:38.523" v="1108" actId="1076"/>
+          <ac:spMkLst>
+            <pc:docMk/>
+            <pc:sldMk cId="564611472" sldId="263"/>
+            <ac:spMk id="32" creationId="{B6646390-1774-4270-AB52-432333F69E5E}"/>
+          </ac:spMkLst>
+        </pc:spChg>
+        <pc:spChg chg="add del">
+          <ac:chgData name="Michael" userId="0df92e9667c24698" providerId="LiveId" clId="{FC0B3909-3CB4-47DF-9012-CE0364DFA015}" dt="2020-12-04T22:41:54.200" v="1059" actId="26606"/>
+          <ac:spMkLst>
+            <pc:docMk/>
+            <pc:sldMk cId="564611472" sldId="263"/>
+            <ac:spMk id="33" creationId="{0D1D8088-559A-46A5-A801-CDF0B9476BED}"/>
+          </ac:spMkLst>
+        </pc:spChg>
+        <pc:spChg chg="add del">
+          <ac:chgData name="Michael" userId="0df92e9667c24698" providerId="LiveId" clId="{FC0B3909-3CB4-47DF-9012-CE0364DFA015}" dt="2020-12-04T22:41:54.200" v="1059" actId="26606"/>
+          <ac:spMkLst>
+            <pc:docMk/>
+            <pc:sldMk cId="564611472" sldId="263"/>
+            <ac:spMk id="36" creationId="{3776B14B-F2F4-4825-8DA8-8C7A0F2B3960}"/>
+          </ac:spMkLst>
+        </pc:spChg>
+        <pc:spChg chg="add del">
+          <ac:chgData name="Michael" userId="0df92e9667c24698" providerId="LiveId" clId="{FC0B3909-3CB4-47DF-9012-CE0364DFA015}" dt="2020-12-04T22:41:58.584" v="1061" actId="26606"/>
+          <ac:spMkLst>
+            <pc:docMk/>
+            <pc:sldMk cId="564611472" sldId="263"/>
+            <ac:spMk id="38" creationId="{46D6306C-ED4F-4AAE-B4A5-EEA6AFAD726E}"/>
+          </ac:spMkLst>
+        </pc:spChg>
+        <pc:spChg chg="add del">
+          <ac:chgData name="Michael" userId="0df92e9667c24698" providerId="LiveId" clId="{FC0B3909-3CB4-47DF-9012-CE0364DFA015}" dt="2020-12-04T22:41:58.584" v="1061" actId="26606"/>
+          <ac:spMkLst>
+            <pc:docMk/>
+            <pc:sldMk cId="564611472" sldId="263"/>
+            <ac:spMk id="39" creationId="{0EC5361D-F897-4856-B945-0455A365EB24}"/>
+          </ac:spMkLst>
+        </pc:spChg>
+        <pc:spChg chg="add del">
+          <ac:chgData name="Michael" userId="0df92e9667c24698" providerId="LiveId" clId="{FC0B3909-3CB4-47DF-9012-CE0364DFA015}" dt="2020-12-04T22:41:58.584" v="1061" actId="26606"/>
+          <ac:spMkLst>
+            <pc:docMk/>
+            <pc:sldMk cId="564611472" sldId="263"/>
+            <ac:spMk id="40" creationId="{4508C0C5-2268-42B5-B3C8-4D0899E05F8C}"/>
+          </ac:spMkLst>
+        </pc:spChg>
+        <pc:spChg chg="add del">
+          <ac:chgData name="Michael" userId="0df92e9667c24698" providerId="LiveId" clId="{FC0B3909-3CB4-47DF-9012-CE0364DFA015}" dt="2020-12-04T22:41:58.584" v="1061" actId="26606"/>
+          <ac:spMkLst>
+            <pc:docMk/>
+            <pc:sldMk cId="564611472" sldId="263"/>
+            <ac:spMk id="41" creationId="{141ACBDB-38F8-4B34-8183-BD95B4E55A62}"/>
+          </ac:spMkLst>
+        </pc:spChg>
+        <pc:spChg chg="add del">
+          <ac:chgData name="Michael" userId="0df92e9667c24698" providerId="LiveId" clId="{FC0B3909-3CB4-47DF-9012-CE0364DFA015}" dt="2020-12-04T22:41:58.584" v="1061" actId="26606"/>
+          <ac:spMkLst>
+            <pc:docMk/>
+            <pc:sldMk cId="564611472" sldId="263"/>
+            <ac:spMk id="42" creationId="{DE00DB52-3455-4E2F-867B-A6D0516E175B}"/>
+          </ac:spMkLst>
+        </pc:spChg>
+        <pc:spChg chg="add del">
+          <ac:chgData name="Michael" userId="0df92e9667c24698" providerId="LiveId" clId="{FC0B3909-3CB4-47DF-9012-CE0364DFA015}" dt="2020-12-04T22:41:58.584" v="1061" actId="26606"/>
+          <ac:spMkLst>
+            <pc:docMk/>
+            <pc:sldMk cId="564611472" sldId="263"/>
+            <ac:spMk id="43" creationId="{9E914C83-E0D8-4953-92D5-169D28CB43AE}"/>
+          </ac:spMkLst>
+        </pc:spChg>
+        <pc:spChg chg="add del">
+          <ac:chgData name="Michael" userId="0df92e9667c24698" providerId="LiveId" clId="{FC0B3909-3CB4-47DF-9012-CE0364DFA015}" dt="2020-12-04T22:41:58.584" v="1061" actId="26606"/>
+          <ac:spMkLst>
+            <pc:docMk/>
+            <pc:sldMk cId="564611472" sldId="263"/>
+            <ac:spMk id="44" creationId="{3512E083-F550-46AF-8490-767ECFD00CB7}"/>
+          </ac:spMkLst>
+        </pc:spChg>
+        <pc:grpChg chg="add del">
+          <ac:chgData name="Michael" userId="0df92e9667c24698" providerId="LiveId" clId="{FC0B3909-3CB4-47DF-9012-CE0364DFA015}" dt="2020-12-04T22:41:54.200" v="1059" actId="26606"/>
+          <ac:grpSpMkLst>
+            <pc:docMk/>
+            <pc:sldMk cId="564611472" sldId="263"/>
+            <ac:grpSpMk id="34" creationId="{83E2E96F-17F7-4C8C-BDF1-6BB90A0C1D7F}"/>
+          </ac:grpSpMkLst>
+        </pc:grpChg>
+        <pc:picChg chg="add del mod">
+          <ac:chgData name="Michael" userId="0df92e9667c24698" providerId="LiveId" clId="{FC0B3909-3CB4-47DF-9012-CE0364DFA015}" dt="2020-12-04T22:39:28.071" v="1050" actId="478"/>
+          <ac:picMkLst>
+            <pc:docMk/>
+            <pc:sldMk cId="564611472" sldId="263"/>
+            <ac:picMk id="5" creationId="{FE96A85B-0E98-48E5-996E-305690608646}"/>
+          </ac:picMkLst>
+        </pc:picChg>
+        <pc:picChg chg="add del mod">
+          <ac:chgData name="Michael" userId="0df92e9667c24698" providerId="LiveId" clId="{FC0B3909-3CB4-47DF-9012-CE0364DFA015}" dt="2020-12-04T22:42:20.071" v="1065" actId="478"/>
+          <ac:picMkLst>
+            <pc:docMk/>
+            <pc:sldMk cId="564611472" sldId="263"/>
+            <ac:picMk id="9" creationId="{4FFC5B50-6891-4642-81A4-DE254B925BEF}"/>
+          </ac:picMkLst>
+        </pc:picChg>
+        <pc:picChg chg="add mod">
+          <ac:chgData name="Michael" userId="0df92e9667c24698" providerId="LiveId" clId="{FC0B3909-3CB4-47DF-9012-CE0364DFA015}" dt="2020-12-05T03:46:27.482" v="1121" actId="1076"/>
+          <ac:picMkLst>
+            <pc:docMk/>
+            <pc:sldMk cId="564611472" sldId="263"/>
+            <ac:picMk id="45" creationId="{E8BC862D-016B-49E9-BB6A-59882C48ABB0}"/>
+          </ac:picMkLst>
+        </pc:picChg>
+        <pc:cxnChg chg="add del">
+          <ac:chgData name="Michael" userId="0df92e9667c24698" providerId="LiveId" clId="{FC0B3909-3CB4-47DF-9012-CE0364DFA015}" dt="2020-12-04T22:41:50.515" v="1057" actId="26606"/>
+          <ac:cxnSpMkLst>
+            <pc:docMk/>
+            <pc:sldMk cId="564611472" sldId="263"/>
+            <ac:cxnSpMk id="31" creationId="{469F4FF8-F8B0-4630-BA1B-0D8B324CD5FF}"/>
+          </ac:cxnSpMkLst>
+        </pc:cxnChg>
+      </pc:sldChg>
+      <pc:sldChg chg="new del">
+        <pc:chgData name="Michael" userId="0df92e9667c24698" providerId="LiveId" clId="{FC0B3909-3CB4-47DF-9012-CE0364DFA015}" dt="2020-12-04T21:15:56.458" v="974" actId="47"/>
+        <pc:sldMkLst>
+          <pc:docMk/>
+          <pc:sldMk cId="3735978420" sldId="263"/>
+        </pc:sldMkLst>
+      </pc:sldChg>
+      <pc:sldChg chg="addSp modSp new mod">
+        <pc:chgData name="Michael" userId="0df92e9667c24698" providerId="LiveId" clId="{FC0B3909-3CB4-47DF-9012-CE0364DFA015}" dt="2020-12-11T04:19:51.547" v="1767" actId="1076"/>
+        <pc:sldMkLst>
+          <pc:docMk/>
+          <pc:sldMk cId="2662203318" sldId="264"/>
+        </pc:sldMkLst>
+        <pc:spChg chg="mod">
+          <ac:chgData name="Michael" userId="0df92e9667c24698" providerId="LiveId" clId="{FC0B3909-3CB4-47DF-9012-CE0364DFA015}" dt="2020-12-11T04:05:54.618" v="1398" actId="1076"/>
+          <ac:spMkLst>
+            <pc:docMk/>
+            <pc:sldMk cId="2662203318" sldId="264"/>
+            <ac:spMk id="2" creationId="{2BB805CA-780F-4A7B-B42C-4C365D9F99F1}"/>
+          </ac:spMkLst>
+        </pc:spChg>
+        <pc:spChg chg="mod">
+          <ac:chgData name="Michael" userId="0df92e9667c24698" providerId="LiveId" clId="{FC0B3909-3CB4-47DF-9012-CE0364DFA015}" dt="2020-12-11T04:19:43.787" v="1765" actId="1076"/>
+          <ac:spMkLst>
+            <pc:docMk/>
+            <pc:sldMk cId="2662203318" sldId="264"/>
+            <ac:spMk id="3" creationId="{3F8F387D-C050-4FB2-AAD5-7E22268BBA3B}"/>
+          </ac:spMkLst>
+        </pc:spChg>
+        <pc:spChg chg="add mod">
+          <ac:chgData name="Michael" userId="0df92e9667c24698" providerId="LiveId" clId="{FC0B3909-3CB4-47DF-9012-CE0364DFA015}" dt="2020-12-11T04:07:03.928" v="1410" actId="207"/>
+          <ac:spMkLst>
+            <pc:docMk/>
+            <pc:sldMk cId="2662203318" sldId="264"/>
+            <ac:spMk id="4" creationId="{A88F0C59-2774-4397-A4A2-A6F7F640F068}"/>
+          </ac:spMkLst>
+        </pc:spChg>
+        <pc:picChg chg="add mod">
+          <ac:chgData name="Michael" userId="0df92e9667c24698" providerId="LiveId" clId="{FC0B3909-3CB4-47DF-9012-CE0364DFA015}" dt="2020-12-11T04:19:51.547" v="1767" actId="1076"/>
+          <ac:picMkLst>
+            <pc:docMk/>
+            <pc:sldMk cId="2662203318" sldId="264"/>
+            <ac:picMk id="1026" creationId="{AD775A85-4B2C-44EB-815C-71E790D85AB5}"/>
+          </ac:picMkLst>
+        </pc:picChg>
+      </pc:sldChg>
+      <pc:sldChg chg="modSp new del mod">
+        <pc:chgData name="Michael" userId="0df92e9667c24698" providerId="LiveId" clId="{FC0B3909-3CB4-47DF-9012-CE0364DFA015}" dt="2020-12-11T04:57:07.720" v="2595" actId="47"/>
+        <pc:sldMkLst>
+          <pc:docMk/>
+          <pc:sldMk cId="543527538" sldId="265"/>
+        </pc:sldMkLst>
+        <pc:spChg chg="mod">
+          <ac:chgData name="Michael" userId="0df92e9667c24698" providerId="LiveId" clId="{FC0B3909-3CB4-47DF-9012-CE0364DFA015}" dt="2020-12-11T03:45:37.242" v="1274" actId="20577"/>
+          <ac:spMkLst>
+            <pc:docMk/>
+            <pc:sldMk cId="543527538" sldId="265"/>
+            <ac:spMk id="2" creationId="{11B1FA6F-8AA9-4FC5-AED1-8B1A8FF9E65B}"/>
+          </ac:spMkLst>
+        </pc:spChg>
+        <pc:spChg chg="mod">
+          <ac:chgData name="Michael" userId="0df92e9667c24698" providerId="LiveId" clId="{FC0B3909-3CB4-47DF-9012-CE0364DFA015}" dt="2020-12-11T03:47:18.314" v="1394" actId="20577"/>
+          <ac:spMkLst>
+            <pc:docMk/>
+            <pc:sldMk cId="543527538" sldId="265"/>
+            <ac:spMk id="3" creationId="{AE56F219-1A8B-49C2-8354-D8F3C4A33FCA}"/>
+          </ac:spMkLst>
+        </pc:spChg>
+      </pc:sldChg>
+      <pc:sldChg chg="addSp delSp modSp new mod setBg setClrOvrMap">
+        <pc:chgData name="Michael" userId="0df92e9667c24698" providerId="LiveId" clId="{FC0B3909-3CB4-47DF-9012-CE0364DFA015}" dt="2020-12-11T04:22:43.127" v="1771" actId="14100"/>
+        <pc:sldMkLst>
+          <pc:docMk/>
+          <pc:sldMk cId="2368937311" sldId="266"/>
+        </pc:sldMkLst>
+        <pc:spChg chg="mod">
+          <ac:chgData name="Michael" userId="0df92e9667c24698" providerId="LiveId" clId="{FC0B3909-3CB4-47DF-9012-CE0364DFA015}" dt="2020-12-11T04:22:37.717" v="1769" actId="26606"/>
+          <ac:spMkLst>
+            <pc:docMk/>
+            <pc:sldMk cId="2368937311" sldId="266"/>
+            <ac:spMk id="2" creationId="{966A2533-B499-46B2-B257-9772AF28C231}"/>
+          </ac:spMkLst>
+        </pc:spChg>
+        <pc:spChg chg="mod ord">
+          <ac:chgData name="Michael" userId="0df92e9667c24698" providerId="LiveId" clId="{FC0B3909-3CB4-47DF-9012-CE0364DFA015}" dt="2020-12-11T04:22:43.127" v="1771" actId="14100"/>
+          <ac:spMkLst>
+            <pc:docMk/>
+            <pc:sldMk cId="2368937311" sldId="266"/>
+            <ac:spMk id="3" creationId="{59560399-A606-47FD-90C2-8226B4321AFE}"/>
+          </ac:spMkLst>
+        </pc:spChg>
+        <pc:spChg chg="add del">
+          <ac:chgData name="Michael" userId="0df92e9667c24698" providerId="LiveId" clId="{FC0B3909-3CB4-47DF-9012-CE0364DFA015}" dt="2020-12-11T04:17:21.930" v="1609" actId="26606"/>
+          <ac:spMkLst>
+            <pc:docMk/>
+            <pc:sldMk cId="2368937311" sldId="266"/>
+            <ac:spMk id="71" creationId="{0BC9EFE1-D8CB-4668-9980-DB108327A794}"/>
+          </ac:spMkLst>
+        </pc:spChg>
+        <pc:spChg chg="add del">
+          <ac:chgData name="Michael" userId="0df92e9667c24698" providerId="LiveId" clId="{FC0B3909-3CB4-47DF-9012-CE0364DFA015}" dt="2020-12-11T04:17:21.930" v="1609" actId="26606"/>
+          <ac:spMkLst>
+            <pc:docMk/>
+            <pc:sldMk cId="2368937311" sldId="266"/>
+            <ac:spMk id="75" creationId="{77DA6D33-2D62-458C-BF5D-DBF612FD557E}"/>
+          </ac:spMkLst>
+        </pc:spChg>
+        <pc:spChg chg="add del">
+          <ac:chgData name="Michael" userId="0df92e9667c24698" providerId="LiveId" clId="{FC0B3909-3CB4-47DF-9012-CE0364DFA015}" dt="2020-12-11T04:22:37.722" v="1770" actId="26606"/>
+          <ac:spMkLst>
+            <pc:docMk/>
+            <pc:sldMk cId="2368937311" sldId="266"/>
+            <ac:spMk id="135" creationId="{9B76D444-2756-434F-AE61-96D69830C13E}"/>
+          </ac:spMkLst>
+        </pc:spChg>
+        <pc:spChg chg="add del">
+          <ac:chgData name="Michael" userId="0df92e9667c24698" providerId="LiveId" clId="{FC0B3909-3CB4-47DF-9012-CE0364DFA015}" dt="2020-12-11T04:22:37.717" v="1769" actId="26606"/>
+          <ac:spMkLst>
+            <pc:docMk/>
+            <pc:sldMk cId="2368937311" sldId="266"/>
+            <ac:spMk id="192" creationId="{45D37F4E-DDB4-456B-97E0-9937730A039F}"/>
+          </ac:spMkLst>
+        </pc:spChg>
+        <pc:spChg chg="add del">
+          <ac:chgData name="Michael" userId="0df92e9667c24698" providerId="LiveId" clId="{FC0B3909-3CB4-47DF-9012-CE0364DFA015}" dt="2020-12-11T04:22:37.717" v="1769" actId="26606"/>
+          <ac:spMkLst>
+            <pc:docMk/>
+            <pc:sldMk cId="2368937311" sldId="266"/>
+            <ac:spMk id="193" creationId="{B2DD41CD-8F47-4F56-AD12-4E2FF7696987}"/>
+          </ac:spMkLst>
+        </pc:spChg>
+        <pc:spChg chg="add">
+          <ac:chgData name="Michael" userId="0df92e9667c24698" providerId="LiveId" clId="{FC0B3909-3CB4-47DF-9012-CE0364DFA015}" dt="2020-12-11T04:22:37.722" v="1770" actId="26606"/>
+          <ac:spMkLst>
+            <pc:docMk/>
+            <pc:sldMk cId="2368937311" sldId="266"/>
+            <ac:spMk id="2052" creationId="{9B76D444-2756-434F-AE61-96D69830C13E}"/>
+          </ac:spMkLst>
+        </pc:spChg>
+        <pc:picChg chg="add del">
+          <ac:chgData name="Michael" userId="0df92e9667c24698" providerId="LiveId" clId="{FC0B3909-3CB4-47DF-9012-CE0364DFA015}" dt="2020-12-11T04:17:21.930" v="1609" actId="26606"/>
+          <ac:picMkLst>
+            <pc:docMk/>
+            <pc:sldMk cId="2368937311" sldId="266"/>
+            <ac:picMk id="73" creationId="{7CBAE1BD-B8E4-4029-8AA2-C77E4FED9864}"/>
+          </ac:picMkLst>
+        </pc:picChg>
+        <pc:picChg chg="add mod ord">
+          <ac:chgData name="Michael" userId="0df92e9667c24698" providerId="LiveId" clId="{FC0B3909-3CB4-47DF-9012-CE0364DFA015}" dt="2020-12-11T04:22:37.717" v="1769" actId="26606"/>
+          <ac:picMkLst>
+            <pc:docMk/>
+            <pc:sldMk cId="2368937311" sldId="266"/>
+            <ac:picMk id="2050" creationId="{5E91767E-9C1C-48AF-AA86-E671B631FDD7}"/>
+          </ac:picMkLst>
+        </pc:picChg>
+        <pc:cxnChg chg="add del">
+          <ac:chgData name="Michael" userId="0df92e9667c24698" providerId="LiveId" clId="{FC0B3909-3CB4-47DF-9012-CE0364DFA015}" dt="2020-12-11T04:22:37.722" v="1770" actId="26606"/>
+          <ac:cxnSpMkLst>
+            <pc:docMk/>
+            <pc:sldMk cId="2368937311" sldId="266"/>
+            <ac:cxnSpMk id="137" creationId="{CF8F36E2-BBE5-43FE-822F-AD8CAE08C071}"/>
+          </ac:cxnSpMkLst>
+        </pc:cxnChg>
+        <pc:cxnChg chg="add">
+          <ac:chgData name="Michael" userId="0df92e9667c24698" providerId="LiveId" clId="{FC0B3909-3CB4-47DF-9012-CE0364DFA015}" dt="2020-12-11T04:22:37.722" v="1770" actId="26606"/>
+          <ac:cxnSpMkLst>
+            <pc:docMk/>
+            <pc:sldMk cId="2368937311" sldId="266"/>
+            <ac:cxnSpMk id="2053" creationId="{CF8F36E2-BBE5-43FE-822F-AD8CAE08C071}"/>
+          </ac:cxnSpMkLst>
+        </pc:cxnChg>
+      </pc:sldChg>
+      <pc:sldChg chg="addSp delSp modSp new mod setBg">
+        <pc:chgData name="Michael" userId="0df92e9667c24698" providerId="LiveId" clId="{FC0B3909-3CB4-47DF-9012-CE0364DFA015}" dt="2020-12-11T04:54:21.072" v="2530" actId="403"/>
+        <pc:sldMkLst>
+          <pc:docMk/>
+          <pc:sldMk cId="724215323" sldId="267"/>
+        </pc:sldMkLst>
+        <pc:spChg chg="mod">
+          <ac:chgData name="Michael" userId="0df92e9667c24698" providerId="LiveId" clId="{FC0B3909-3CB4-47DF-9012-CE0364DFA015}" dt="2020-12-11T04:54:09.440" v="2528" actId="14100"/>
+          <ac:spMkLst>
+            <pc:docMk/>
+            <pc:sldMk cId="724215323" sldId="267"/>
+            <ac:spMk id="2" creationId="{5373E9A7-355C-4828-9588-64CB82AA5D69}"/>
+          </ac:spMkLst>
+        </pc:spChg>
+        <pc:spChg chg="del">
+          <ac:chgData name="Michael" userId="0df92e9667c24698" providerId="LiveId" clId="{FC0B3909-3CB4-47DF-9012-CE0364DFA015}" dt="2020-12-11T04:28:20.673" v="1787"/>
+          <ac:spMkLst>
+            <pc:docMk/>
+            <pc:sldMk cId="724215323" sldId="267"/>
+            <ac:spMk id="3" creationId="{6A2E4181-B4B7-4A0D-983D-6415B03462A1}"/>
+          </ac:spMkLst>
+        </pc:spChg>
+        <pc:spChg chg="add mod ord">
+          <ac:chgData name="Michael" userId="0df92e9667c24698" providerId="LiveId" clId="{FC0B3909-3CB4-47DF-9012-CE0364DFA015}" dt="2020-12-11T04:53:10.723" v="2513" actId="26606"/>
+          <ac:spMkLst>
+            <pc:docMk/>
+            <pc:sldMk cId="724215323" sldId="267"/>
+            <ac:spMk id="4" creationId="{F229F181-C121-4EBA-8FDC-D0B931C9CE13}"/>
+          </ac:spMkLst>
+        </pc:spChg>
+        <pc:spChg chg="add mod">
+          <ac:chgData name="Michael" userId="0df92e9667c24698" providerId="LiveId" clId="{FC0B3909-3CB4-47DF-9012-CE0364DFA015}" dt="2020-12-11T04:54:21.072" v="2530" actId="403"/>
+          <ac:spMkLst>
+            <pc:docMk/>
+            <pc:sldMk cId="724215323" sldId="267"/>
+            <ac:spMk id="5" creationId="{B7A17D70-11A5-4BEA-BE36-8A6B1C4F8614}"/>
+          </ac:spMkLst>
+        </pc:spChg>
+        <pc:spChg chg="add del mod">
+          <ac:chgData name="Michael" userId="0df92e9667c24698" providerId="LiveId" clId="{FC0B3909-3CB4-47DF-9012-CE0364DFA015}" dt="2020-12-11T04:52:16.635" v="2510" actId="478"/>
+          <ac:spMkLst>
+            <pc:docMk/>
+            <pc:sldMk cId="724215323" sldId="267"/>
+            <ac:spMk id="6" creationId="{D39F5DB9-D7A5-4B31-8470-6940F9E61AB0}"/>
+          </ac:spMkLst>
+        </pc:spChg>
+        <pc:spChg chg="add del mod">
+          <ac:chgData name="Michael" userId="0df92e9667c24698" providerId="LiveId" clId="{FC0B3909-3CB4-47DF-9012-CE0364DFA015}" dt="2020-12-11T04:50:54.873" v="2495"/>
+          <ac:spMkLst>
+            <pc:docMk/>
+            <pc:sldMk cId="724215323" sldId="267"/>
+            <ac:spMk id="7" creationId="{438092A3-47D6-4984-B888-2C4F8038B0A2}"/>
+          </ac:spMkLst>
+        </pc:spChg>
+        <pc:spChg chg="add">
+          <ac:chgData name="Michael" userId="0df92e9667c24698" providerId="LiveId" clId="{FC0B3909-3CB4-47DF-9012-CE0364DFA015}" dt="2020-12-11T04:53:10.723" v="2513" actId="26606"/>
+          <ac:spMkLst>
+            <pc:docMk/>
+            <pc:sldMk cId="724215323" sldId="267"/>
+            <ac:spMk id="73" creationId="{533BF18B-C8A1-400D-BBBD-6103EC90FE1A}"/>
+          </ac:spMkLst>
+        </pc:spChg>
+        <pc:spChg chg="add">
+          <ac:chgData name="Michael" userId="0df92e9667c24698" providerId="LiveId" clId="{FC0B3909-3CB4-47DF-9012-CE0364DFA015}" dt="2020-12-11T04:53:10.723" v="2513" actId="26606"/>
+          <ac:spMkLst>
+            <pc:docMk/>
+            <pc:sldMk cId="724215323" sldId="267"/>
+            <ac:spMk id="75" creationId="{99413ED5-9ED4-4772-BCE4-2BCAE6B12E35}"/>
+          </ac:spMkLst>
+        </pc:spChg>
+        <pc:spChg chg="add">
+          <ac:chgData name="Michael" userId="0df92e9667c24698" providerId="LiveId" clId="{FC0B3909-3CB4-47DF-9012-CE0364DFA015}" dt="2020-12-11T04:53:10.723" v="2513" actId="26606"/>
+          <ac:spMkLst>
+            <pc:docMk/>
+            <pc:sldMk cId="724215323" sldId="267"/>
+            <ac:spMk id="77" creationId="{04357C93-F0CB-4A1C-8F77-4E9063789819}"/>
+          </ac:spMkLst>
+        </pc:spChg>
+        <pc:spChg chg="add">
+          <ac:chgData name="Michael" userId="0df92e9667c24698" providerId="LiveId" clId="{FC0B3909-3CB4-47DF-9012-CE0364DFA015}" dt="2020-12-11T04:53:10.723" v="2513" actId="26606"/>
+          <ac:spMkLst>
+            <pc:docMk/>
+            <pc:sldMk cId="724215323" sldId="267"/>
+            <ac:spMk id="79" creationId="{90F533E9-6690-41A8-A372-4C6C622D028D}"/>
+          </ac:spMkLst>
+        </pc:spChg>
+        <pc:picChg chg="add del mod">
+          <ac:chgData name="Michael" userId="0df92e9667c24698" providerId="LiveId" clId="{FC0B3909-3CB4-47DF-9012-CE0364DFA015}" dt="2020-12-11T04:41:28.087" v="2494" actId="478"/>
+          <ac:picMkLst>
+            <pc:docMk/>
+            <pc:sldMk cId="724215323" sldId="267"/>
+            <ac:picMk id="3074" creationId="{9DCEAEB7-9C8B-4BA7-BA27-D86F9DAD5A44}"/>
+          </ac:picMkLst>
+        </pc:picChg>
+        <pc:picChg chg="add mod">
+          <ac:chgData name="Michael" userId="0df92e9667c24698" providerId="LiveId" clId="{FC0B3909-3CB4-47DF-9012-CE0364DFA015}" dt="2020-12-11T04:53:48.937" v="2523" actId="1076"/>
+          <ac:picMkLst>
+            <pc:docMk/>
+            <pc:sldMk cId="724215323" sldId="267"/>
+            <ac:picMk id="3076" creationId="{9677F3C7-37FF-416A-A17D-2B7E79DB2396}"/>
+          </ac:picMkLst>
+        </pc:picChg>
+      </pc:sldChg>
+    </pc:docChg>
+  </pc:docChgLst>
+</pc:chgInfo>
 </file>
 
 <file path=ppt/slideLayouts/slideLayout1.xml><?xml version="1.0" encoding="utf-8"?>
@@ -254,7 +1340,7 @@
           <a:p>
             <a:fld id="{B9B3AFAD-72F5-479A-AACE-CD1470DC2D7E}" type="datetimeFigureOut">
               <a:rPr lang="en-US" smtClean="0"/>
-              <a:t>12/2/2020</a:t>
+              <a:t>12/4/2020</a:t>
             </a:fld>
             <a:endParaRPr lang="en-US"/>
           </a:p>
@@ -452,7 +1538,7 @@
           <a:p>
             <a:fld id="{B9B3AFAD-72F5-479A-AACE-CD1470DC2D7E}" type="datetimeFigureOut">
               <a:rPr lang="en-US" smtClean="0"/>
-              <a:t>12/2/2020</a:t>
+              <a:t>12/4/2020</a:t>
             </a:fld>
             <a:endParaRPr lang="en-US"/>
           </a:p>
@@ -660,7 +1746,7 @@
           <a:p>
             <a:fld id="{B9B3AFAD-72F5-479A-AACE-CD1470DC2D7E}" type="datetimeFigureOut">
               <a:rPr lang="en-US" smtClean="0"/>
-              <a:t>12/2/2020</a:t>
+              <a:t>12/4/2020</a:t>
             </a:fld>
             <a:endParaRPr lang="en-US"/>
           </a:p>
@@ -858,7 +1944,7 @@
           <a:p>
             <a:fld id="{B9B3AFAD-72F5-479A-AACE-CD1470DC2D7E}" type="datetimeFigureOut">
               <a:rPr lang="en-US" smtClean="0"/>
-              <a:t>12/2/2020</a:t>
+              <a:t>12/4/2020</a:t>
             </a:fld>
             <a:endParaRPr lang="en-US"/>
           </a:p>
@@ -1133,7 +2219,7 @@
           <a:p>
             <a:fld id="{B9B3AFAD-72F5-479A-AACE-CD1470DC2D7E}" type="datetimeFigureOut">
               <a:rPr lang="en-US" smtClean="0"/>
-              <a:t>12/2/2020</a:t>
+              <a:t>12/4/2020</a:t>
             </a:fld>
             <a:endParaRPr lang="en-US"/>
           </a:p>
@@ -1398,7 +2484,7 @@
           <a:p>
             <a:fld id="{B9B3AFAD-72F5-479A-AACE-CD1470DC2D7E}" type="datetimeFigureOut">
               <a:rPr lang="en-US" smtClean="0"/>
-              <a:t>12/2/2020</a:t>
+              <a:t>12/4/2020</a:t>
             </a:fld>
             <a:endParaRPr lang="en-US"/>
           </a:p>
@@ -1810,7 +2896,7 @@
           <a:p>
             <a:fld id="{B9B3AFAD-72F5-479A-AACE-CD1470DC2D7E}" type="datetimeFigureOut">
               <a:rPr lang="en-US" smtClean="0"/>
-              <a:t>12/2/2020</a:t>
+              <a:t>12/4/2020</a:t>
             </a:fld>
             <a:endParaRPr lang="en-US"/>
           </a:p>
@@ -1951,7 +3037,7 @@
           <a:p>
             <a:fld id="{B9B3AFAD-72F5-479A-AACE-CD1470DC2D7E}" type="datetimeFigureOut">
               <a:rPr lang="en-US" smtClean="0"/>
-              <a:t>12/2/2020</a:t>
+              <a:t>12/4/2020</a:t>
             </a:fld>
             <a:endParaRPr lang="en-US"/>
           </a:p>
@@ -2064,7 +3150,7 @@
           <a:p>
             <a:fld id="{B9B3AFAD-72F5-479A-AACE-CD1470DC2D7E}" type="datetimeFigureOut">
               <a:rPr lang="en-US" smtClean="0"/>
-              <a:t>12/2/2020</a:t>
+              <a:t>12/4/2020</a:t>
             </a:fld>
             <a:endParaRPr lang="en-US"/>
           </a:p>
@@ -2375,7 +3461,7 @@
           <a:p>
             <a:fld id="{B9B3AFAD-72F5-479A-AACE-CD1470DC2D7E}" type="datetimeFigureOut">
               <a:rPr lang="en-US" smtClean="0"/>
-              <a:t>12/2/2020</a:t>
+              <a:t>12/4/2020</a:t>
             </a:fld>
             <a:endParaRPr lang="en-US"/>
           </a:p>
@@ -2663,7 +3749,7 @@
           <a:p>
             <a:fld id="{B9B3AFAD-72F5-479A-AACE-CD1470DC2D7E}" type="datetimeFigureOut">
               <a:rPr lang="en-US" smtClean="0"/>
-              <a:t>12/2/2020</a:t>
+              <a:t>12/4/2020</a:t>
             </a:fld>
             <a:endParaRPr lang="en-US"/>
           </a:p>
@@ -2904,7 +3990,7 @@
           <a:p>
             <a:fld id="{B9B3AFAD-72F5-479A-AACE-CD1470DC2D7E}" type="datetimeFigureOut">
               <a:rPr lang="en-US" smtClean="0"/>
-              <a:t>12/2/2020</a:t>
+              <a:t>12/4/2020</a:t>
             </a:fld>
             <a:endParaRPr lang="en-US"/>
           </a:p>
@@ -3307,6 +4393,14 @@
 <file path=ppt/slides/slide1.xml><?xml version="1.0" encoding="utf-8"?>
 <p:sld xmlns:a="http://schemas.openxmlformats.org/drawingml/2006/main" xmlns:r="http://schemas.openxmlformats.org/officeDocument/2006/relationships" xmlns:p="http://schemas.openxmlformats.org/presentationml/2006/main">
   <p:cSld>
+    <p:bg>
+      <p:bgPr>
+        <a:solidFill>
+          <a:schemeClr val="bg1"/>
+        </a:solidFill>
+        <a:effectLst/>
+      </p:bgPr>
+    </p:bg>
     <p:spTree>
       <p:nvGrpSpPr>
         <p:cNvPr id="1" name=""/>
@@ -3323,6 +4417,1013 @@
       </p:grpSpPr>
       <p:sp>
         <p:nvSpPr>
+          <p:cNvPr id="8" name="Rectangle 7">
+            <a:extLst>
+              <a:ext uri="{FF2B5EF4-FFF2-40B4-BE49-F238E27FC236}">
+                <a16:creationId xmlns:a16="http://schemas.microsoft.com/office/drawing/2014/main" id="{88294908-8B00-4F58-BBBA-20F71A40AA9E}"/>
+              </a:ext>
+              <a:ext uri="{C183D7F6-B498-43B3-948B-1728B52AA6E4}">
+                <adec:decorative xmlns:adec="http://schemas.microsoft.com/office/drawing/2017/decorative" val="1"/>
+              </a:ext>
+            </a:extLst>
+          </p:cNvPr>
+          <p:cNvSpPr>
+            <a:spLocks noGrp="1" noRot="1" noChangeAspect="1" noMove="1" noResize="1" noEditPoints="1" noAdjustHandles="1" noChangeArrowheads="1" noChangeShapeType="1" noTextEdit="1"/>
+          </p:cNvSpPr>
+          <p:nvPr>
+            <p:extLst>
+              <p:ext uri="{386F3935-93C4-4BCD-93E2-E3B085C9AB24}">
+                <p16:designElem xmlns:p16="http://schemas.microsoft.com/office/powerpoint/2015/main" val="1"/>
+              </p:ext>
+            </p:extLst>
+          </p:nvPr>
+        </p:nvSpPr>
+        <p:spPr>
+          <a:xfrm>
+            <a:off x="0" y="0"/>
+            <a:ext cx="12192000" cy="6858000"/>
+          </a:xfrm>
+          <a:prstGeom prst="rect">
+            <a:avLst/>
+          </a:prstGeom>
+          <a:solidFill>
+            <a:schemeClr val="bg2"/>
+          </a:solidFill>
+          <a:ln>
+            <a:noFill/>
+          </a:ln>
+        </p:spPr>
+        <p:style>
+          <a:lnRef idx="2">
+            <a:schemeClr val="accent1">
+              <a:shade val="50000"/>
+            </a:schemeClr>
+          </a:lnRef>
+          <a:fillRef idx="1">
+            <a:schemeClr val="accent1"/>
+          </a:fillRef>
+          <a:effectRef idx="0">
+            <a:schemeClr val="accent1"/>
+          </a:effectRef>
+          <a:fontRef idx="minor">
+            <a:schemeClr val="lt1"/>
+          </a:fontRef>
+        </p:style>
+        <p:txBody>
+          <a:bodyPr rtlCol="0" anchor="ctr"/>
+          <a:lstStyle/>
+          <a:p>
+            <a:pPr algn="ctr"/>
+            <a:endParaRPr lang="en-US" dirty="0"/>
+          </a:p>
+        </p:txBody>
+      </p:sp>
+      <p:sp>
+        <p:nvSpPr>
+          <p:cNvPr id="10" name="Freeform: Shape 9">
+            <a:extLst>
+              <a:ext uri="{FF2B5EF4-FFF2-40B4-BE49-F238E27FC236}">
+                <a16:creationId xmlns:a16="http://schemas.microsoft.com/office/drawing/2014/main" id="{4364C879-1404-4203-8E9D-CC5DE0A621A2}"/>
+              </a:ext>
+              <a:ext uri="{C183D7F6-B498-43B3-948B-1728B52AA6E4}">
+                <adec:decorative xmlns:adec="http://schemas.microsoft.com/office/drawing/2017/decorative" val="1"/>
+              </a:ext>
+            </a:extLst>
+          </p:cNvPr>
+          <p:cNvSpPr>
+            <a:spLocks noGrp="1" noRot="1" noChangeAspect="1" noMove="1" noResize="1" noEditPoints="1" noAdjustHandles="1" noChangeArrowheads="1" noChangeShapeType="1" noTextEdit="1"/>
+          </p:cNvSpPr>
+          <p:nvPr>
+            <p:extLst>
+              <p:ext uri="{386F3935-93C4-4BCD-93E2-E3B085C9AB24}">
+                <p16:designElem xmlns:p16="http://schemas.microsoft.com/office/powerpoint/2015/main" val="1"/>
+              </p:ext>
+            </p:extLst>
+          </p:nvPr>
+        </p:nvSpPr>
+        <p:spPr>
+          <a:xfrm rot="2700000">
+            <a:off x="82782" y="-1386168"/>
+            <a:ext cx="2424873" cy="3611191"/>
+          </a:xfrm>
+          <a:custGeom>
+            <a:avLst/>
+            <a:gdLst>
+              <a:gd name="connsiteX0" fmla="*/ 0 w 2424873"/>
+              <a:gd name="connsiteY0" fmla="*/ 2424874 h 3611191"/>
+              <a:gd name="connsiteX1" fmla="*/ 2424873 w 2424873"/>
+              <a:gd name="connsiteY1" fmla="*/ 0 h 3611191"/>
+              <a:gd name="connsiteX2" fmla="*/ 2424873 w 2424873"/>
+              <a:gd name="connsiteY2" fmla="*/ 3611191 h 3611191"/>
+              <a:gd name="connsiteX3" fmla="*/ 1186317 w 2424873"/>
+              <a:gd name="connsiteY3" fmla="*/ 3611191 h 3611191"/>
+            </a:gdLst>
+            <a:ahLst/>
+            <a:cxnLst>
+              <a:cxn ang="0">
+                <a:pos x="connsiteX0" y="connsiteY0"/>
+              </a:cxn>
+              <a:cxn ang="0">
+                <a:pos x="connsiteX1" y="connsiteY1"/>
+              </a:cxn>
+              <a:cxn ang="0">
+                <a:pos x="connsiteX2" y="connsiteY2"/>
+              </a:cxn>
+              <a:cxn ang="0">
+                <a:pos x="connsiteX3" y="connsiteY3"/>
+              </a:cxn>
+            </a:cxnLst>
+            <a:rect l="l" t="t" r="r" b="b"/>
+            <a:pathLst>
+              <a:path w="2424873" h="3611191">
+                <a:moveTo>
+                  <a:pt x="0" y="2424874"/>
+                </a:moveTo>
+                <a:lnTo>
+                  <a:pt x="2424873" y="0"/>
+                </a:lnTo>
+                <a:lnTo>
+                  <a:pt x="2424873" y="3611191"/>
+                </a:lnTo>
+                <a:lnTo>
+                  <a:pt x="1186317" y="3611191"/>
+                </a:lnTo>
+                <a:close/>
+              </a:path>
+            </a:pathLst>
+          </a:custGeom>
+          <a:solidFill>
+            <a:schemeClr val="accent4">
+              <a:alpha val="40000"/>
+            </a:schemeClr>
+          </a:solidFill>
+          <a:ln>
+            <a:noFill/>
+          </a:ln>
+        </p:spPr>
+        <p:style>
+          <a:lnRef idx="2">
+            <a:schemeClr val="accent1">
+              <a:shade val="50000"/>
+            </a:schemeClr>
+          </a:lnRef>
+          <a:fillRef idx="1">
+            <a:schemeClr val="accent1"/>
+          </a:fillRef>
+          <a:effectRef idx="0">
+            <a:schemeClr val="accent1"/>
+          </a:effectRef>
+          <a:fontRef idx="minor">
+            <a:schemeClr val="lt1"/>
+          </a:fontRef>
+        </p:style>
+        <p:txBody>
+          <a:bodyPr wrap="square" rtlCol="0" anchor="ctr">
+            <a:noAutofit/>
+          </a:bodyPr>
+          <a:lstStyle/>
+          <a:p>
+            <a:pPr algn="ctr"/>
+            <a:endParaRPr lang="en-US"/>
+          </a:p>
+        </p:txBody>
+      </p:sp>
+      <p:sp>
+        <p:nvSpPr>
+          <p:cNvPr id="12" name="Freeform: Shape 11">
+            <a:extLst>
+              <a:ext uri="{FF2B5EF4-FFF2-40B4-BE49-F238E27FC236}">
+                <a16:creationId xmlns:a16="http://schemas.microsoft.com/office/drawing/2014/main" id="{84617302-4B0D-4351-A6BB-6F0930D943AC}"/>
+              </a:ext>
+              <a:ext uri="{C183D7F6-B498-43B3-948B-1728B52AA6E4}">
+                <adec:decorative xmlns:adec="http://schemas.microsoft.com/office/drawing/2017/decorative" val="1"/>
+              </a:ext>
+            </a:extLst>
+          </p:cNvPr>
+          <p:cNvSpPr>
+            <a:spLocks noGrp="1" noRot="1" noChangeAspect="1" noMove="1" noResize="1" noEditPoints="1" noAdjustHandles="1" noChangeArrowheads="1" noChangeShapeType="1" noTextEdit="1"/>
+          </p:cNvSpPr>
+          <p:nvPr>
+            <p:extLst>
+              <p:ext uri="{386F3935-93C4-4BCD-93E2-E3B085C9AB24}">
+                <p16:designElem xmlns:p16="http://schemas.microsoft.com/office/powerpoint/2015/main" val="1"/>
+              </p:ext>
+            </p:extLst>
+          </p:nvPr>
+        </p:nvSpPr>
+        <p:spPr>
+          <a:xfrm rot="2700000">
+            <a:off x="1571000" y="-338582"/>
+            <a:ext cx="1635955" cy="1635955"/>
+          </a:xfrm>
+          <a:custGeom>
+            <a:avLst/>
+            <a:gdLst>
+              <a:gd name="connsiteX0" fmla="*/ 0 w 1635955"/>
+              <a:gd name="connsiteY0" fmla="*/ 957987 h 1635955"/>
+              <a:gd name="connsiteX1" fmla="*/ 957987 w 1635955"/>
+              <a:gd name="connsiteY1" fmla="*/ 0 h 1635955"/>
+              <a:gd name="connsiteX2" fmla="*/ 1635955 w 1635955"/>
+              <a:gd name="connsiteY2" fmla="*/ 0 h 1635955"/>
+              <a:gd name="connsiteX3" fmla="*/ 1635955 w 1635955"/>
+              <a:gd name="connsiteY3" fmla="*/ 1635955 h 1635955"/>
+              <a:gd name="connsiteX4" fmla="*/ 0 w 1635955"/>
+              <a:gd name="connsiteY4" fmla="*/ 1635955 h 1635955"/>
+            </a:gdLst>
+            <a:ahLst/>
+            <a:cxnLst>
+              <a:cxn ang="0">
+                <a:pos x="connsiteX0" y="connsiteY0"/>
+              </a:cxn>
+              <a:cxn ang="0">
+                <a:pos x="connsiteX1" y="connsiteY1"/>
+              </a:cxn>
+              <a:cxn ang="0">
+                <a:pos x="connsiteX2" y="connsiteY2"/>
+              </a:cxn>
+              <a:cxn ang="0">
+                <a:pos x="connsiteX3" y="connsiteY3"/>
+              </a:cxn>
+              <a:cxn ang="0">
+                <a:pos x="connsiteX4" y="connsiteY4"/>
+              </a:cxn>
+            </a:cxnLst>
+            <a:rect l="l" t="t" r="r" b="b"/>
+            <a:pathLst>
+              <a:path w="1635955" h="1635955">
+                <a:moveTo>
+                  <a:pt x="0" y="957987"/>
+                </a:moveTo>
+                <a:lnTo>
+                  <a:pt x="957987" y="0"/>
+                </a:lnTo>
+                <a:lnTo>
+                  <a:pt x="1635955" y="0"/>
+                </a:lnTo>
+                <a:lnTo>
+                  <a:pt x="1635955" y="1635955"/>
+                </a:lnTo>
+                <a:lnTo>
+                  <a:pt x="0" y="1635955"/>
+                </a:lnTo>
+                <a:close/>
+              </a:path>
+            </a:pathLst>
+          </a:custGeom>
+          <a:solidFill>
+            <a:schemeClr val="accent4">
+              <a:alpha val="40000"/>
+            </a:schemeClr>
+          </a:solidFill>
+          <a:ln>
+            <a:noFill/>
+          </a:ln>
+        </p:spPr>
+        <p:style>
+          <a:lnRef idx="2">
+            <a:schemeClr val="accent1">
+              <a:shade val="50000"/>
+            </a:schemeClr>
+          </a:lnRef>
+          <a:fillRef idx="1">
+            <a:schemeClr val="accent1"/>
+          </a:fillRef>
+          <a:effectRef idx="0">
+            <a:schemeClr val="accent1"/>
+          </a:effectRef>
+          <a:fontRef idx="minor">
+            <a:schemeClr val="lt1"/>
+          </a:fontRef>
+        </p:style>
+        <p:txBody>
+          <a:bodyPr wrap="square" rtlCol="0" anchor="ctr">
+            <a:noAutofit/>
+          </a:bodyPr>
+          <a:lstStyle/>
+          <a:p>
+            <a:pPr algn="ctr"/>
+            <a:endParaRPr lang="en-US"/>
+          </a:p>
+        </p:txBody>
+      </p:sp>
+      <p:sp>
+        <p:nvSpPr>
+          <p:cNvPr id="14" name="Freeform: Shape 13">
+            <a:extLst>
+              <a:ext uri="{FF2B5EF4-FFF2-40B4-BE49-F238E27FC236}">
+                <a16:creationId xmlns:a16="http://schemas.microsoft.com/office/drawing/2014/main" id="{DA2C7802-C2E0-4218-8F89-8DD7CCD2CD1C}"/>
+              </a:ext>
+              <a:ext uri="{C183D7F6-B498-43B3-948B-1728B52AA6E4}">
+                <adec:decorative xmlns:adec="http://schemas.microsoft.com/office/drawing/2017/decorative" val="1"/>
+              </a:ext>
+            </a:extLst>
+          </p:cNvPr>
+          <p:cNvSpPr>
+            <a:spLocks noGrp="1" noRot="1" noChangeAspect="1" noMove="1" noResize="1" noEditPoints="1" noAdjustHandles="1" noChangeArrowheads="1" noChangeShapeType="1" noTextEdit="1"/>
+          </p:cNvSpPr>
+          <p:nvPr>
+            <p:extLst>
+              <p:ext uri="{386F3935-93C4-4BCD-93E2-E3B085C9AB24}">
+                <p16:designElem xmlns:p16="http://schemas.microsoft.com/office/powerpoint/2015/main" val="1"/>
+              </p:ext>
+            </p:extLst>
+          </p:nvPr>
+        </p:nvSpPr>
+        <p:spPr>
+          <a:xfrm rot="2700000">
+            <a:off x="9627985" y="-6588"/>
+            <a:ext cx="4059393" cy="2548110"/>
+          </a:xfrm>
+          <a:custGeom>
+            <a:avLst/>
+            <a:gdLst>
+              <a:gd name="connsiteX0" fmla="*/ 0 w 4059393"/>
+              <a:gd name="connsiteY0" fmla="*/ 1511282 h 2548110"/>
+              <a:gd name="connsiteX1" fmla="*/ 1511282 w 4059393"/>
+              <a:gd name="connsiteY1" fmla="*/ 0 h 2548110"/>
+              <a:gd name="connsiteX2" fmla="*/ 4059393 w 4059393"/>
+              <a:gd name="connsiteY2" fmla="*/ 2548110 h 2548110"/>
+              <a:gd name="connsiteX3" fmla="*/ 0 w 4059393"/>
+              <a:gd name="connsiteY3" fmla="*/ 2548110 h 2548110"/>
+            </a:gdLst>
+            <a:ahLst/>
+            <a:cxnLst>
+              <a:cxn ang="0">
+                <a:pos x="connsiteX0" y="connsiteY0"/>
+              </a:cxn>
+              <a:cxn ang="0">
+                <a:pos x="connsiteX1" y="connsiteY1"/>
+              </a:cxn>
+              <a:cxn ang="0">
+                <a:pos x="connsiteX2" y="connsiteY2"/>
+              </a:cxn>
+              <a:cxn ang="0">
+                <a:pos x="connsiteX3" y="connsiteY3"/>
+              </a:cxn>
+            </a:cxnLst>
+            <a:rect l="l" t="t" r="r" b="b"/>
+            <a:pathLst>
+              <a:path w="4059393" h="2548110">
+                <a:moveTo>
+                  <a:pt x="0" y="1511282"/>
+                </a:moveTo>
+                <a:lnTo>
+                  <a:pt x="1511282" y="0"/>
+                </a:lnTo>
+                <a:lnTo>
+                  <a:pt x="4059393" y="2548110"/>
+                </a:lnTo>
+                <a:lnTo>
+                  <a:pt x="0" y="2548110"/>
+                </a:lnTo>
+                <a:close/>
+              </a:path>
+            </a:pathLst>
+          </a:custGeom>
+          <a:solidFill>
+            <a:schemeClr val="accent1">
+              <a:alpha val="30000"/>
+            </a:schemeClr>
+          </a:solidFill>
+          <a:ln>
+            <a:noFill/>
+          </a:ln>
+        </p:spPr>
+        <p:style>
+          <a:lnRef idx="2">
+            <a:schemeClr val="accent1">
+              <a:shade val="50000"/>
+            </a:schemeClr>
+          </a:lnRef>
+          <a:fillRef idx="1">
+            <a:schemeClr val="accent1"/>
+          </a:fillRef>
+          <a:effectRef idx="0">
+            <a:schemeClr val="accent1"/>
+          </a:effectRef>
+          <a:fontRef idx="minor">
+            <a:schemeClr val="lt1"/>
+          </a:fontRef>
+        </p:style>
+        <p:txBody>
+          <a:bodyPr wrap="square" rtlCol="0" anchor="ctr">
+            <a:noAutofit/>
+          </a:bodyPr>
+          <a:lstStyle/>
+          <a:p>
+            <a:pPr algn="ctr"/>
+            <a:endParaRPr lang="en-US"/>
+          </a:p>
+        </p:txBody>
+      </p:sp>
+      <p:sp>
+        <p:nvSpPr>
+          <p:cNvPr id="16" name="Rectangle 15">
+            <a:extLst>
+              <a:ext uri="{FF2B5EF4-FFF2-40B4-BE49-F238E27FC236}">
+                <a16:creationId xmlns:a16="http://schemas.microsoft.com/office/drawing/2014/main" id="{A6D7111A-21E5-4EE9-8A78-10E5530F0116}"/>
+              </a:ext>
+              <a:ext uri="{C183D7F6-B498-43B3-948B-1728B52AA6E4}">
+                <adec:decorative xmlns:adec="http://schemas.microsoft.com/office/drawing/2017/decorative" val="1"/>
+              </a:ext>
+            </a:extLst>
+          </p:cNvPr>
+          <p:cNvSpPr>
+            <a:spLocks noGrp="1" noRot="1" noChangeAspect="1" noMove="1" noResize="1" noEditPoints="1" noAdjustHandles="1" noChangeArrowheads="1" noChangeShapeType="1" noTextEdit="1"/>
+          </p:cNvSpPr>
+          <p:nvPr>
+            <p:extLst>
+              <p:ext uri="{386F3935-93C4-4BCD-93E2-E3B085C9AB24}">
+                <p16:designElem xmlns:p16="http://schemas.microsoft.com/office/powerpoint/2015/main" val="1"/>
+              </p:ext>
+            </p:extLst>
+          </p:nvPr>
+        </p:nvSpPr>
+        <p:spPr>
+          <a:xfrm rot="2700000">
+            <a:off x="10262924" y="1465780"/>
+            <a:ext cx="1185708" cy="1185708"/>
+          </a:xfrm>
+          <a:prstGeom prst="rect">
+            <a:avLst/>
+          </a:prstGeom>
+          <a:solidFill>
+            <a:schemeClr val="accent1">
+              <a:alpha val="30000"/>
+            </a:schemeClr>
+          </a:solidFill>
+          <a:ln>
+            <a:noFill/>
+          </a:ln>
+        </p:spPr>
+        <p:style>
+          <a:lnRef idx="2">
+            <a:schemeClr val="accent1">
+              <a:shade val="50000"/>
+            </a:schemeClr>
+          </a:lnRef>
+          <a:fillRef idx="1">
+            <a:schemeClr val="accent1"/>
+          </a:fillRef>
+          <a:effectRef idx="0">
+            <a:schemeClr val="accent1"/>
+          </a:effectRef>
+          <a:fontRef idx="minor">
+            <a:schemeClr val="lt1"/>
+          </a:fontRef>
+        </p:style>
+        <p:txBody>
+          <a:bodyPr wrap="square" rtlCol="0" anchor="ctr">
+            <a:noAutofit/>
+          </a:bodyPr>
+          <a:lstStyle/>
+          <a:p>
+            <a:pPr algn="ctr"/>
+            <a:endParaRPr lang="en-US"/>
+          </a:p>
+        </p:txBody>
+      </p:sp>
+      <p:sp>
+        <p:nvSpPr>
+          <p:cNvPr id="18" name="Freeform: Shape 17">
+            <a:extLst>
+              <a:ext uri="{FF2B5EF4-FFF2-40B4-BE49-F238E27FC236}">
+                <a16:creationId xmlns:a16="http://schemas.microsoft.com/office/drawing/2014/main" id="{A3969E80-A77B-49FC-9122-D89AFD5EE118}"/>
+              </a:ext>
+              <a:ext uri="{C183D7F6-B498-43B3-948B-1728B52AA6E4}">
+                <adec:decorative xmlns:adec="http://schemas.microsoft.com/office/drawing/2017/decorative" val="1"/>
+              </a:ext>
+            </a:extLst>
+          </p:cNvPr>
+          <p:cNvSpPr>
+            <a:spLocks noGrp="1" noRot="1" noChangeAspect="1" noMove="1" noResize="1" noEditPoints="1" noAdjustHandles="1" noChangeArrowheads="1" noChangeShapeType="1" noTextEdit="1"/>
+          </p:cNvSpPr>
+          <p:nvPr>
+            <p:extLst>
+              <p:ext uri="{386F3935-93C4-4BCD-93E2-E3B085C9AB24}">
+                <p16:designElem xmlns:p16="http://schemas.microsoft.com/office/powerpoint/2015/main" val="1"/>
+              </p:ext>
+            </p:extLst>
+          </p:nvPr>
+        </p:nvSpPr>
+        <p:spPr>
+          <a:xfrm rot="2700000">
+            <a:off x="-29557" y="5198743"/>
+            <a:ext cx="2444907" cy="2366116"/>
+          </a:xfrm>
+          <a:custGeom>
+            <a:avLst/>
+            <a:gdLst>
+              <a:gd name="connsiteX0" fmla="*/ 0 w 2203753"/>
+              <a:gd name="connsiteY0" fmla="*/ 0 h 2132734"/>
+              <a:gd name="connsiteX1" fmla="*/ 2203753 w 2203753"/>
+              <a:gd name="connsiteY1" fmla="*/ 0 h 2132734"/>
+              <a:gd name="connsiteX2" fmla="*/ 2203753 w 2203753"/>
+              <a:gd name="connsiteY2" fmla="*/ 576461 h 2132734"/>
+              <a:gd name="connsiteX3" fmla="*/ 647480 w 2203753"/>
+              <a:gd name="connsiteY3" fmla="*/ 2132734 h 2132734"/>
+              <a:gd name="connsiteX4" fmla="*/ 0 w 2203753"/>
+              <a:gd name="connsiteY4" fmla="*/ 1485255 h 2132734"/>
+            </a:gdLst>
+            <a:ahLst/>
+            <a:cxnLst>
+              <a:cxn ang="0">
+                <a:pos x="connsiteX0" y="connsiteY0"/>
+              </a:cxn>
+              <a:cxn ang="0">
+                <a:pos x="connsiteX1" y="connsiteY1"/>
+              </a:cxn>
+              <a:cxn ang="0">
+                <a:pos x="connsiteX2" y="connsiteY2"/>
+              </a:cxn>
+              <a:cxn ang="0">
+                <a:pos x="connsiteX3" y="connsiteY3"/>
+              </a:cxn>
+              <a:cxn ang="0">
+                <a:pos x="connsiteX4" y="connsiteY4"/>
+              </a:cxn>
+            </a:cxnLst>
+            <a:rect l="l" t="t" r="r" b="b"/>
+            <a:pathLst>
+              <a:path w="2203753" h="2132734">
+                <a:moveTo>
+                  <a:pt x="0" y="0"/>
+                </a:moveTo>
+                <a:lnTo>
+                  <a:pt x="2203753" y="0"/>
+                </a:lnTo>
+                <a:lnTo>
+                  <a:pt x="2203753" y="576461"/>
+                </a:lnTo>
+                <a:lnTo>
+                  <a:pt x="647480" y="2132734"/>
+                </a:lnTo>
+                <a:lnTo>
+                  <a:pt x="0" y="1485255"/>
+                </a:lnTo>
+                <a:close/>
+              </a:path>
+            </a:pathLst>
+          </a:custGeom>
+          <a:solidFill>
+            <a:schemeClr val="accent1">
+              <a:alpha val="30000"/>
+            </a:schemeClr>
+          </a:solidFill>
+          <a:ln>
+            <a:noFill/>
+          </a:ln>
+        </p:spPr>
+        <p:style>
+          <a:lnRef idx="2">
+            <a:schemeClr val="accent1">
+              <a:shade val="50000"/>
+            </a:schemeClr>
+          </a:lnRef>
+          <a:fillRef idx="1">
+            <a:schemeClr val="accent1"/>
+          </a:fillRef>
+          <a:effectRef idx="0">
+            <a:schemeClr val="accent1"/>
+          </a:effectRef>
+          <a:fontRef idx="minor">
+            <a:schemeClr val="lt1"/>
+          </a:fontRef>
+        </p:style>
+        <p:txBody>
+          <a:bodyPr wrap="square" rtlCol="0" anchor="ctr">
+            <a:noAutofit/>
+          </a:bodyPr>
+          <a:lstStyle/>
+          <a:p>
+            <a:pPr algn="ctr"/>
+            <a:endParaRPr lang="en-US"/>
+          </a:p>
+        </p:txBody>
+      </p:sp>
+      <p:sp>
+        <p:nvSpPr>
+          <p:cNvPr id="20" name="Rectangle 19">
+            <a:extLst>
+              <a:ext uri="{FF2B5EF4-FFF2-40B4-BE49-F238E27FC236}">
+                <a16:creationId xmlns:a16="http://schemas.microsoft.com/office/drawing/2014/main" id="{1849CA57-76BD-4CF2-80BA-D7A46A01B7B1}"/>
+              </a:ext>
+              <a:ext uri="{C183D7F6-B498-43B3-948B-1728B52AA6E4}">
+                <adec:decorative xmlns:adec="http://schemas.microsoft.com/office/drawing/2017/decorative" val="1"/>
+              </a:ext>
+            </a:extLst>
+          </p:cNvPr>
+          <p:cNvSpPr>
+            <a:spLocks noGrp="1" noRot="1" noChangeAspect="1" noMove="1" noResize="1" noEditPoints="1" noAdjustHandles="1" noChangeArrowheads="1" noChangeShapeType="1" noTextEdit="1"/>
+          </p:cNvSpPr>
+          <p:nvPr>
+            <p:extLst>
+              <p:ext uri="{386F3935-93C4-4BCD-93E2-E3B085C9AB24}">
+                <p16:designElem xmlns:p16="http://schemas.microsoft.com/office/powerpoint/2015/main" val="1"/>
+              </p:ext>
+            </p:extLst>
+          </p:nvPr>
+        </p:nvSpPr>
+        <p:spPr>
+          <a:xfrm rot="2700000">
+            <a:off x="1769787" y="5439893"/>
+            <a:ext cx="928467" cy="928467"/>
+          </a:xfrm>
+          <a:prstGeom prst="rect">
+            <a:avLst/>
+          </a:prstGeom>
+          <a:solidFill>
+            <a:schemeClr val="accent1">
+              <a:alpha val="30000"/>
+            </a:schemeClr>
+          </a:solidFill>
+          <a:ln>
+            <a:noFill/>
+          </a:ln>
+        </p:spPr>
+        <p:style>
+          <a:lnRef idx="2">
+            <a:schemeClr val="accent1">
+              <a:shade val="50000"/>
+            </a:schemeClr>
+          </a:lnRef>
+          <a:fillRef idx="1">
+            <a:schemeClr val="accent1"/>
+          </a:fillRef>
+          <a:effectRef idx="0">
+            <a:schemeClr val="accent1"/>
+          </a:effectRef>
+          <a:fontRef idx="minor">
+            <a:schemeClr val="lt1"/>
+          </a:fontRef>
+        </p:style>
+        <p:txBody>
+          <a:bodyPr wrap="square" rtlCol="0" anchor="ctr">
+            <a:noAutofit/>
+          </a:bodyPr>
+          <a:lstStyle/>
+          <a:p>
+            <a:pPr algn="ctr"/>
+            <a:endParaRPr lang="en-US">
+              <a:solidFill>
+                <a:srgbClr val="FFFFFF"/>
+              </a:solidFill>
+              <a:effectLst>
+                <a:outerShdw blurRad="38100" dist="38100" dir="2700000" algn="tl">
+                  <a:srgbClr val="000000">
+                    <a:alpha val="43137"/>
+                  </a:srgbClr>
+                </a:outerShdw>
+              </a:effectLst>
+            </a:endParaRPr>
+          </a:p>
+        </p:txBody>
+      </p:sp>
+      <p:sp>
+        <p:nvSpPr>
+          <p:cNvPr id="22" name="Freeform: Shape 21">
+            <a:extLst>
+              <a:ext uri="{FF2B5EF4-FFF2-40B4-BE49-F238E27FC236}">
+                <a16:creationId xmlns:a16="http://schemas.microsoft.com/office/drawing/2014/main" id="{35E9085E-E730-4768-83D4-6CB7E9897153}"/>
+              </a:ext>
+              <a:ext uri="{C183D7F6-B498-43B3-948B-1728B52AA6E4}">
+                <adec:decorative xmlns:adec="http://schemas.microsoft.com/office/drawing/2017/decorative" val="1"/>
+              </a:ext>
+            </a:extLst>
+          </p:cNvPr>
+          <p:cNvSpPr>
+            <a:spLocks noGrp="1" noRot="1" noChangeAspect="1" noMove="1" noResize="1" noEditPoints="1" noAdjustHandles="1" noChangeArrowheads="1" noChangeShapeType="1" noTextEdit="1"/>
+          </p:cNvSpPr>
+          <p:nvPr>
+            <p:extLst>
+              <p:ext uri="{386F3935-93C4-4BCD-93E2-E3B085C9AB24}">
+                <p16:designElem xmlns:p16="http://schemas.microsoft.com/office/powerpoint/2015/main" val="1"/>
+              </p:ext>
+            </p:extLst>
+          </p:nvPr>
+        </p:nvSpPr>
+        <p:spPr>
+          <a:xfrm rot="2700000">
+            <a:off x="3401311" y="734311"/>
+            <a:ext cx="5389379" cy="5389379"/>
+          </a:xfrm>
+          <a:custGeom>
+            <a:avLst/>
+            <a:gdLst>
+              <a:gd name="connsiteX0" fmla="*/ 0 w 5389379"/>
+              <a:gd name="connsiteY0" fmla="*/ 540040 h 5389379"/>
+              <a:gd name="connsiteX1" fmla="*/ 540040 w 5389379"/>
+              <a:gd name="connsiteY1" fmla="*/ 0 h 5389379"/>
+              <a:gd name="connsiteX2" fmla="*/ 5389379 w 5389379"/>
+              <a:gd name="connsiteY2" fmla="*/ 0 h 5389379"/>
+              <a:gd name="connsiteX3" fmla="*/ 5389379 w 5389379"/>
+              <a:gd name="connsiteY3" fmla="*/ 4838655 h 5389379"/>
+              <a:gd name="connsiteX4" fmla="*/ 4838655 w 5389379"/>
+              <a:gd name="connsiteY4" fmla="*/ 5389379 h 5389379"/>
+              <a:gd name="connsiteX5" fmla="*/ 0 w 5389379"/>
+              <a:gd name="connsiteY5" fmla="*/ 5389379 h 5389379"/>
+            </a:gdLst>
+            <a:ahLst/>
+            <a:cxnLst>
+              <a:cxn ang="0">
+                <a:pos x="connsiteX0" y="connsiteY0"/>
+              </a:cxn>
+              <a:cxn ang="0">
+                <a:pos x="connsiteX1" y="connsiteY1"/>
+              </a:cxn>
+              <a:cxn ang="0">
+                <a:pos x="connsiteX2" y="connsiteY2"/>
+              </a:cxn>
+              <a:cxn ang="0">
+                <a:pos x="connsiteX3" y="connsiteY3"/>
+              </a:cxn>
+              <a:cxn ang="0">
+                <a:pos x="connsiteX4" y="connsiteY4"/>
+              </a:cxn>
+              <a:cxn ang="0">
+                <a:pos x="connsiteX5" y="connsiteY5"/>
+              </a:cxn>
+            </a:cxnLst>
+            <a:rect l="l" t="t" r="r" b="b"/>
+            <a:pathLst>
+              <a:path w="5389379" h="5389379">
+                <a:moveTo>
+                  <a:pt x="0" y="540040"/>
+                </a:moveTo>
+                <a:lnTo>
+                  <a:pt x="540040" y="0"/>
+                </a:lnTo>
+                <a:lnTo>
+                  <a:pt x="5389379" y="0"/>
+                </a:lnTo>
+                <a:lnTo>
+                  <a:pt x="5389379" y="4838655"/>
+                </a:lnTo>
+                <a:lnTo>
+                  <a:pt x="4838655" y="5389379"/>
+                </a:lnTo>
+                <a:lnTo>
+                  <a:pt x="0" y="5389379"/>
+                </a:lnTo>
+                <a:close/>
+              </a:path>
+            </a:pathLst>
+          </a:custGeom>
+          <a:solidFill>
+            <a:srgbClr val="FFFFFF"/>
+          </a:solidFill>
+          <a:ln>
+            <a:noFill/>
+          </a:ln>
+        </p:spPr>
+        <p:style>
+          <a:lnRef idx="2">
+            <a:schemeClr val="accent1">
+              <a:shade val="50000"/>
+            </a:schemeClr>
+          </a:lnRef>
+          <a:fillRef idx="1">
+            <a:schemeClr val="accent1"/>
+          </a:fillRef>
+          <a:effectRef idx="0">
+            <a:schemeClr val="accent1"/>
+          </a:effectRef>
+          <a:fontRef idx="minor">
+            <a:schemeClr val="lt1"/>
+          </a:fontRef>
+        </p:style>
+        <p:txBody>
+          <a:bodyPr wrap="square" rtlCol="0" anchor="ctr">
+            <a:noAutofit/>
+          </a:bodyPr>
+          <a:lstStyle/>
+          <a:p>
+            <a:pPr algn="ctr"/>
+            <a:endParaRPr lang="en-US"/>
+          </a:p>
+        </p:txBody>
+      </p:sp>
+      <p:sp>
+        <p:nvSpPr>
+          <p:cNvPr id="24" name="Freeform: Shape 23">
+            <a:extLst>
+              <a:ext uri="{FF2B5EF4-FFF2-40B4-BE49-F238E27FC236}">
+                <a16:creationId xmlns:a16="http://schemas.microsoft.com/office/drawing/2014/main" id="{973272FE-A474-4CAE-8CA2-BCC8B476C3F4}"/>
+              </a:ext>
+              <a:ext uri="{C183D7F6-B498-43B3-948B-1728B52AA6E4}">
+                <adec:decorative xmlns:adec="http://schemas.microsoft.com/office/drawing/2017/decorative" val="1"/>
+              </a:ext>
+            </a:extLst>
+          </p:cNvPr>
+          <p:cNvSpPr>
+            <a:spLocks noGrp="1" noRot="1" noChangeAspect="1" noMove="1" noResize="1" noEditPoints="1" noAdjustHandles="1" noChangeArrowheads="1" noChangeShapeType="1" noTextEdit="1"/>
+          </p:cNvSpPr>
+          <p:nvPr>
+            <p:extLst>
+              <p:ext uri="{386F3935-93C4-4BCD-93E2-E3B085C9AB24}">
+                <p16:designElem xmlns:p16="http://schemas.microsoft.com/office/powerpoint/2015/main" val="1"/>
+              </p:ext>
+            </p:extLst>
+          </p:nvPr>
+        </p:nvSpPr>
+        <p:spPr>
+          <a:xfrm rot="2700000">
+            <a:off x="2700283" y="33283"/>
+            <a:ext cx="6791435" cy="6791435"/>
+          </a:xfrm>
+          <a:custGeom>
+            <a:avLst/>
+            <a:gdLst>
+              <a:gd name="connsiteX0" fmla="*/ 1860938 w 6791435"/>
+              <a:gd name="connsiteY0" fmla="*/ 81158 h 6791435"/>
+              <a:gd name="connsiteX1" fmla="*/ 1942096 w 6791435"/>
+              <a:gd name="connsiteY1" fmla="*/ 0 h 6791435"/>
+              <a:gd name="connsiteX2" fmla="*/ 6791435 w 6791435"/>
+              <a:gd name="connsiteY2" fmla="*/ 0 h 6791435"/>
+              <a:gd name="connsiteX3" fmla="*/ 6791435 w 6791435"/>
+              <a:gd name="connsiteY3" fmla="*/ 4838655 h 6791435"/>
+              <a:gd name="connsiteX4" fmla="*/ 6710277 w 6791435"/>
+              <a:gd name="connsiteY4" fmla="*/ 4919813 h 6791435"/>
+              <a:gd name="connsiteX5" fmla="*/ 6710277 w 6791435"/>
+              <a:gd name="connsiteY5" fmla="*/ 81158 h 6791435"/>
+              <a:gd name="connsiteX6" fmla="*/ 0 w 6791435"/>
+              <a:gd name="connsiteY6" fmla="*/ 1942096 h 6791435"/>
+              <a:gd name="connsiteX7" fmla="*/ 81158 w 6791435"/>
+              <a:gd name="connsiteY7" fmla="*/ 1860938 h 6791435"/>
+              <a:gd name="connsiteX8" fmla="*/ 81158 w 6791435"/>
+              <a:gd name="connsiteY8" fmla="*/ 6710277 h 6791435"/>
+              <a:gd name="connsiteX9" fmla="*/ 4919813 w 6791435"/>
+              <a:gd name="connsiteY9" fmla="*/ 6710277 h 6791435"/>
+              <a:gd name="connsiteX10" fmla="*/ 4838655 w 6791435"/>
+              <a:gd name="connsiteY10" fmla="*/ 6791435 h 6791435"/>
+              <a:gd name="connsiteX11" fmla="*/ 0 w 6791435"/>
+              <a:gd name="connsiteY11" fmla="*/ 6791435 h 6791435"/>
+            </a:gdLst>
+            <a:ahLst/>
+            <a:cxnLst>
+              <a:cxn ang="0">
+                <a:pos x="connsiteX0" y="connsiteY0"/>
+              </a:cxn>
+              <a:cxn ang="0">
+                <a:pos x="connsiteX1" y="connsiteY1"/>
+              </a:cxn>
+              <a:cxn ang="0">
+                <a:pos x="connsiteX2" y="connsiteY2"/>
+              </a:cxn>
+              <a:cxn ang="0">
+                <a:pos x="connsiteX3" y="connsiteY3"/>
+              </a:cxn>
+              <a:cxn ang="0">
+                <a:pos x="connsiteX4" y="connsiteY4"/>
+              </a:cxn>
+              <a:cxn ang="0">
+                <a:pos x="connsiteX5" y="connsiteY5"/>
+              </a:cxn>
+              <a:cxn ang="0">
+                <a:pos x="connsiteX6" y="connsiteY6"/>
+              </a:cxn>
+              <a:cxn ang="0">
+                <a:pos x="connsiteX7" y="connsiteY7"/>
+              </a:cxn>
+              <a:cxn ang="0">
+                <a:pos x="connsiteX8" y="connsiteY8"/>
+              </a:cxn>
+              <a:cxn ang="0">
+                <a:pos x="connsiteX9" y="connsiteY9"/>
+              </a:cxn>
+              <a:cxn ang="0">
+                <a:pos x="connsiteX10" y="connsiteY10"/>
+              </a:cxn>
+              <a:cxn ang="0">
+                <a:pos x="connsiteX11" y="connsiteY11"/>
+              </a:cxn>
+            </a:cxnLst>
+            <a:rect l="l" t="t" r="r" b="b"/>
+            <a:pathLst>
+              <a:path w="6791435" h="6791435">
+                <a:moveTo>
+                  <a:pt x="1860938" y="81158"/>
+                </a:moveTo>
+                <a:lnTo>
+                  <a:pt x="1942096" y="0"/>
+                </a:lnTo>
+                <a:lnTo>
+                  <a:pt x="6791435" y="0"/>
+                </a:lnTo>
+                <a:lnTo>
+                  <a:pt x="6791435" y="4838655"/>
+                </a:lnTo>
+                <a:lnTo>
+                  <a:pt x="6710277" y="4919813"/>
+                </a:lnTo>
+                <a:lnTo>
+                  <a:pt x="6710277" y="81158"/>
+                </a:lnTo>
+                <a:close/>
+                <a:moveTo>
+                  <a:pt x="0" y="1942096"/>
+                </a:moveTo>
+                <a:lnTo>
+                  <a:pt x="81158" y="1860938"/>
+                </a:lnTo>
+                <a:lnTo>
+                  <a:pt x="81158" y="6710277"/>
+                </a:lnTo>
+                <a:lnTo>
+                  <a:pt x="4919813" y="6710277"/>
+                </a:lnTo>
+                <a:lnTo>
+                  <a:pt x="4838655" y="6791435"/>
+                </a:lnTo>
+                <a:lnTo>
+                  <a:pt x="0" y="6791435"/>
+                </a:lnTo>
+                <a:close/>
+              </a:path>
+            </a:pathLst>
+          </a:custGeom>
+          <a:solidFill>
+            <a:srgbClr val="FFFFFF">
+              <a:alpha val="60000"/>
+            </a:srgbClr>
+          </a:solidFill>
+          <a:ln>
+            <a:noFill/>
+          </a:ln>
+        </p:spPr>
+        <p:style>
+          <a:lnRef idx="2">
+            <a:schemeClr val="accent1">
+              <a:shade val="50000"/>
+            </a:schemeClr>
+          </a:lnRef>
+          <a:fillRef idx="1">
+            <a:schemeClr val="accent1"/>
+          </a:fillRef>
+          <a:effectRef idx="0">
+            <a:schemeClr val="accent1"/>
+          </a:effectRef>
+          <a:fontRef idx="minor">
+            <a:schemeClr val="lt1"/>
+          </a:fontRef>
+        </p:style>
+        <p:txBody>
+          <a:bodyPr wrap="square" rtlCol="0" anchor="ctr">
+            <a:noAutofit/>
+          </a:bodyPr>
+          <a:lstStyle/>
+          <a:p>
+            <a:pPr algn="ctr"/>
+            <a:endParaRPr lang="en-US">
+              <a:solidFill>
+                <a:schemeClr val="tx1"/>
+              </a:solidFill>
+            </a:endParaRPr>
+          </a:p>
+        </p:txBody>
+      </p:sp>
+      <p:sp>
+        <p:nvSpPr>
+          <p:cNvPr id="3" name="Subtitle 2">
+            <a:extLst>
+              <a:ext uri="{FF2B5EF4-FFF2-40B4-BE49-F238E27FC236}">
+                <a16:creationId xmlns:a16="http://schemas.microsoft.com/office/drawing/2014/main" id="{F2587A28-4C19-4DB1-BD9A-73A15C2D2E96}"/>
+              </a:ext>
+            </a:extLst>
+          </p:cNvPr>
+          <p:cNvSpPr>
+            <a:spLocks noGrp="1"/>
+          </p:cNvSpPr>
+          <p:nvPr>
+            <p:ph type="subTitle" idx="1"/>
+          </p:nvPr>
+        </p:nvSpPr>
+        <p:spPr>
+          <a:xfrm>
+            <a:off x="4439633" y="4518923"/>
+            <a:ext cx="3312734" cy="1141851"/>
+          </a:xfrm>
+          <a:noFill/>
+        </p:spPr>
+        <p:txBody>
+          <a:bodyPr>
+            <a:normAutofit/>
+          </a:bodyPr>
+          <a:lstStyle/>
+          <a:p>
+            <a:r>
+              <a:rPr lang="en-US" sz="2000">
+                <a:solidFill>
+                  <a:srgbClr val="080808"/>
+                </a:solidFill>
+              </a:rPr>
+              <a:t>A Convolutional Neural Network approach to image classification</a:t>
+            </a:r>
+          </a:p>
+        </p:txBody>
+      </p:sp>
+      <p:sp>
+        <p:nvSpPr>
           <p:cNvPr id="2" name="Title 1">
             <a:extLst>
               <a:ext uri="{FF2B5EF4-FFF2-40B4-BE49-F238E27FC236}">
@@ -3337,36 +5438,218 @@
             <p:ph type="ctrTitle"/>
           </p:nvPr>
         </p:nvSpPr>
-        <p:spPr/>
-        <p:txBody>
-          <a:bodyPr/>
-          <a:lstStyle/>
-          <a:p>
+        <p:spPr>
+          <a:xfrm>
+            <a:off x="3204642" y="2353641"/>
+            <a:ext cx="5782716" cy="2150719"/>
+          </a:xfrm>
+          <a:noFill/>
+        </p:spPr>
+        <p:txBody>
+          <a:bodyPr anchor="ctr">
+            <a:normAutofit/>
+          </a:bodyPr>
+          <a:lstStyle/>
+          <a:p>
+            <a:r>
+              <a:rPr lang="en-US" sz="3600">
+                <a:solidFill>
+                  <a:srgbClr val="080808"/>
+                </a:solidFill>
+              </a:rPr>
+              <a:t>X-Ray Analysis:</a:t>
+            </a:r>
+            <a:br>
+              <a:rPr lang="en-US" sz="3600">
+                <a:solidFill>
+                  <a:srgbClr val="080808"/>
+                </a:solidFill>
+              </a:rPr>
+            </a:br>
+            <a:r>
+              <a:rPr lang="en-US" sz="3600">
+                <a:solidFill>
+                  <a:srgbClr val="080808"/>
+                </a:solidFill>
+              </a:rPr>
+              <a:t>Pneumonia Classification</a:t>
+            </a:r>
+          </a:p>
+        </p:txBody>
+      </p:sp>
+      <p:sp>
+        <p:nvSpPr>
+          <p:cNvPr id="26" name="Freeform: Shape 25">
+            <a:extLst>
+              <a:ext uri="{FF2B5EF4-FFF2-40B4-BE49-F238E27FC236}">
+                <a16:creationId xmlns:a16="http://schemas.microsoft.com/office/drawing/2014/main" id="{E07981EA-05A6-437C-88D7-B377B92B031D}"/>
+              </a:ext>
+              <a:ext uri="{C183D7F6-B498-43B3-948B-1728B52AA6E4}">
+                <adec:decorative xmlns:adec="http://schemas.microsoft.com/office/drawing/2017/decorative" val="1"/>
+              </a:ext>
+            </a:extLst>
+          </p:cNvPr>
+          <p:cNvSpPr>
+            <a:spLocks noGrp="1" noRot="1" noChangeAspect="1" noMove="1" noResize="1" noEditPoints="1" noAdjustHandles="1" noChangeArrowheads="1" noChangeShapeType="1" noTextEdit="1"/>
+          </p:cNvSpPr>
+          <p:nvPr>
+            <p:extLst>
+              <p:ext uri="{386F3935-93C4-4BCD-93E2-E3B085C9AB24}">
+                <p16:designElem xmlns:p16="http://schemas.microsoft.com/office/powerpoint/2015/main" val="1"/>
+              </p:ext>
+            </p:extLst>
+          </p:nvPr>
+        </p:nvSpPr>
+        <p:spPr>
+          <a:xfrm rot="2700000">
+            <a:off x="9629823" y="5457591"/>
+            <a:ext cx="2231794" cy="2568811"/>
+          </a:xfrm>
+          <a:custGeom>
+            <a:avLst/>
+            <a:gdLst>
+              <a:gd name="connsiteX0" fmla="*/ 0 w 2940086"/>
+              <a:gd name="connsiteY0" fmla="*/ 0 h 3384061"/>
+              <a:gd name="connsiteX1" fmla="*/ 2496112 w 2940086"/>
+              <a:gd name="connsiteY1" fmla="*/ 0 h 3384061"/>
+              <a:gd name="connsiteX2" fmla="*/ 2940086 w 2940086"/>
+              <a:gd name="connsiteY2" fmla="*/ 443975 h 3384061"/>
+              <a:gd name="connsiteX3" fmla="*/ 0 w 2940086"/>
+              <a:gd name="connsiteY3" fmla="*/ 3384061 h 3384061"/>
+            </a:gdLst>
+            <a:ahLst/>
+            <a:cxnLst>
+              <a:cxn ang="0">
+                <a:pos x="connsiteX0" y="connsiteY0"/>
+              </a:cxn>
+              <a:cxn ang="0">
+                <a:pos x="connsiteX1" y="connsiteY1"/>
+              </a:cxn>
+              <a:cxn ang="0">
+                <a:pos x="connsiteX2" y="connsiteY2"/>
+              </a:cxn>
+              <a:cxn ang="0">
+                <a:pos x="connsiteX3" y="connsiteY3"/>
+              </a:cxn>
+            </a:cxnLst>
+            <a:rect l="l" t="t" r="r" b="b"/>
+            <a:pathLst>
+              <a:path w="2940086" h="3384061">
+                <a:moveTo>
+                  <a:pt x="0" y="0"/>
+                </a:moveTo>
+                <a:lnTo>
+                  <a:pt x="2496112" y="0"/>
+                </a:lnTo>
+                <a:lnTo>
+                  <a:pt x="2940086" y="443975"/>
+                </a:lnTo>
+                <a:lnTo>
+                  <a:pt x="0" y="3384061"/>
+                </a:lnTo>
+                <a:close/>
+              </a:path>
+            </a:pathLst>
+          </a:custGeom>
+          <a:solidFill>
+            <a:schemeClr val="accent4">
+              <a:alpha val="40000"/>
+            </a:schemeClr>
+          </a:solidFill>
+          <a:ln>
+            <a:noFill/>
+          </a:ln>
+        </p:spPr>
+        <p:style>
+          <a:lnRef idx="2">
+            <a:schemeClr val="accent1">
+              <a:shade val="50000"/>
+            </a:schemeClr>
+          </a:lnRef>
+          <a:fillRef idx="1">
+            <a:schemeClr val="accent1"/>
+          </a:fillRef>
+          <a:effectRef idx="0">
+            <a:schemeClr val="accent1"/>
+          </a:effectRef>
+          <a:fontRef idx="minor">
+            <a:schemeClr val="lt1"/>
+          </a:fontRef>
+        </p:style>
+        <p:txBody>
+          <a:bodyPr wrap="square" rtlCol="0" anchor="ctr">
+            <a:noAutofit/>
+          </a:bodyPr>
+          <a:lstStyle/>
+          <a:p>
+            <a:pPr algn="ctr"/>
             <a:endParaRPr lang="en-US"/>
           </a:p>
         </p:txBody>
       </p:sp>
       <p:sp>
         <p:nvSpPr>
-          <p:cNvPr id="3" name="Subtitle 2">
-            <a:extLst>
-              <a:ext uri="{FF2B5EF4-FFF2-40B4-BE49-F238E27FC236}">
-                <a16:creationId xmlns:a16="http://schemas.microsoft.com/office/drawing/2014/main" id="{F2587A28-4C19-4DB1-BD9A-73A15C2D2E96}"/>
-              </a:ext>
-            </a:extLst>
-          </p:cNvPr>
-          <p:cNvSpPr>
-            <a:spLocks noGrp="1"/>
-          </p:cNvSpPr>
-          <p:nvPr>
-            <p:ph type="subTitle" idx="1"/>
-          </p:nvPr>
-        </p:nvSpPr>
-        <p:spPr/>
-        <p:txBody>
-          <a:bodyPr/>
-          <a:lstStyle/>
-          <a:p>
+          <p:cNvPr id="28" name="Rectangle 27">
+            <a:extLst>
+              <a:ext uri="{FF2B5EF4-FFF2-40B4-BE49-F238E27FC236}">
+                <a16:creationId xmlns:a16="http://schemas.microsoft.com/office/drawing/2014/main" id="{15E3C750-986E-4769-B1AE-49289FBEE757}"/>
+              </a:ext>
+              <a:ext uri="{C183D7F6-B498-43B3-948B-1728B52AA6E4}">
+                <adec:decorative xmlns:adec="http://schemas.microsoft.com/office/drawing/2017/decorative" val="1"/>
+              </a:ext>
+            </a:extLst>
+          </p:cNvPr>
+          <p:cNvSpPr>
+            <a:spLocks noGrp="1" noRot="1" noChangeAspect="1" noMove="1" noResize="1" noEditPoints="1" noAdjustHandles="1" noChangeArrowheads="1" noChangeShapeType="1" noTextEdit="1"/>
+          </p:cNvSpPr>
+          <p:nvPr>
+            <p:extLst>
+              <p:ext uri="{386F3935-93C4-4BCD-93E2-E3B085C9AB24}">
+                <p16:designElem xmlns:p16="http://schemas.microsoft.com/office/powerpoint/2015/main" val="1"/>
+              </p:ext>
+            </p:extLst>
+          </p:nvPr>
+        </p:nvSpPr>
+        <p:spPr>
+          <a:xfrm rot="2700000">
+            <a:off x="9720059" y="5243545"/>
+            <a:ext cx="959985" cy="959985"/>
+          </a:xfrm>
+          <a:prstGeom prst="rect">
+            <a:avLst/>
+          </a:prstGeom>
+          <a:solidFill>
+            <a:schemeClr val="accent4">
+              <a:alpha val="40000"/>
+            </a:schemeClr>
+          </a:solidFill>
+          <a:ln>
+            <a:noFill/>
+          </a:ln>
+        </p:spPr>
+        <p:style>
+          <a:lnRef idx="2">
+            <a:schemeClr val="accent1">
+              <a:shade val="50000"/>
+            </a:schemeClr>
+          </a:lnRef>
+          <a:fillRef idx="1">
+            <a:schemeClr val="accent1"/>
+          </a:fillRef>
+          <a:effectRef idx="0">
+            <a:schemeClr val="accent1"/>
+          </a:effectRef>
+          <a:fontRef idx="minor">
+            <a:schemeClr val="lt1"/>
+          </a:fontRef>
+        </p:style>
+        <p:txBody>
+          <a:bodyPr wrap="square" rtlCol="0" anchor="ctr">
+            <a:noAutofit/>
+          </a:bodyPr>
+          <a:lstStyle/>
+          <a:p>
+            <a:pPr algn="ctr"/>
             <a:endParaRPr lang="en-US"/>
           </a:p>
         </p:txBody>
@@ -3375,6 +5658,2917 @@
     <p:extLst>
       <p:ext uri="{BB962C8B-B14F-4D97-AF65-F5344CB8AC3E}">
         <p14:creationId xmlns:p14="http://schemas.microsoft.com/office/powerpoint/2010/main" val="3693893796"/>
+      </p:ext>
+    </p:extLst>
+  </p:cSld>
+  <p:clrMapOvr>
+    <a:masterClrMapping/>
+  </p:clrMapOvr>
+</p:sld>
+</file>
+
+<file path=ppt/slides/slide2.xml><?xml version="1.0" encoding="utf-8"?>
+<p:sld xmlns:a="http://schemas.openxmlformats.org/drawingml/2006/main" xmlns:r="http://schemas.openxmlformats.org/officeDocument/2006/relationships" xmlns:p="http://schemas.openxmlformats.org/presentationml/2006/main">
+  <p:cSld>
+    <p:spTree>
+      <p:nvGrpSpPr>
+        <p:cNvPr id="1" name=""/>
+        <p:cNvGrpSpPr/>
+        <p:nvPr/>
+      </p:nvGrpSpPr>
+      <p:grpSpPr>
+        <a:xfrm>
+          <a:off x="0" y="0"/>
+          <a:ext cx="0" cy="0"/>
+          <a:chOff x="0" y="0"/>
+          <a:chExt cx="0" cy="0"/>
+        </a:xfrm>
+      </p:grpSpPr>
+      <p:sp>
+        <p:nvSpPr>
+          <p:cNvPr id="2" name="Title 1">
+            <a:extLst>
+              <a:ext uri="{FF2B5EF4-FFF2-40B4-BE49-F238E27FC236}">
+                <a16:creationId xmlns:a16="http://schemas.microsoft.com/office/drawing/2014/main" id="{2BB805CA-780F-4A7B-B42C-4C365D9F99F1}"/>
+              </a:ext>
+            </a:extLst>
+          </p:cNvPr>
+          <p:cNvSpPr>
+            <a:spLocks noGrp="1"/>
+          </p:cNvSpPr>
+          <p:nvPr>
+            <p:ph type="title"/>
+          </p:nvPr>
+        </p:nvSpPr>
+        <p:spPr/>
+        <p:txBody>
+          <a:bodyPr/>
+          <a:lstStyle/>
+          <a:p>
+            <a:r>
+              <a:rPr lang="en-US" dirty="0"/>
+              <a:t>Why We’re Here</a:t>
+            </a:r>
+          </a:p>
+        </p:txBody>
+      </p:sp>
+      <p:sp>
+        <p:nvSpPr>
+          <p:cNvPr id="3" name="Content Placeholder 2">
+            <a:extLst>
+              <a:ext uri="{FF2B5EF4-FFF2-40B4-BE49-F238E27FC236}">
+                <a16:creationId xmlns:a16="http://schemas.microsoft.com/office/drawing/2014/main" id="{3F8F387D-C050-4FB2-AAD5-7E22268BBA3B}"/>
+              </a:ext>
+            </a:extLst>
+          </p:cNvPr>
+          <p:cNvSpPr>
+            <a:spLocks noGrp="1"/>
+          </p:cNvSpPr>
+          <p:nvPr>
+            <p:ph idx="1"/>
+          </p:nvPr>
+        </p:nvSpPr>
+        <p:spPr>
+          <a:xfrm>
+            <a:off x="838200" y="1373138"/>
+            <a:ext cx="10515600" cy="4351338"/>
+          </a:xfrm>
+        </p:spPr>
+        <p:txBody>
+          <a:bodyPr/>
+          <a:lstStyle/>
+          <a:p>
+            <a:r>
+              <a:rPr lang="en-US" dirty="0"/>
+              <a:t>Neural networks have a place in the modern radiologist workflow.</a:t>
+            </a:r>
+          </a:p>
+        </p:txBody>
+      </p:sp>
+      <p:pic>
+        <p:nvPicPr>
+          <p:cNvPr id="1026" name="Picture 2" descr="RADSpaa Workflow">
+            <a:extLst>
+              <a:ext uri="{FF2B5EF4-FFF2-40B4-BE49-F238E27FC236}">
+                <a16:creationId xmlns:a16="http://schemas.microsoft.com/office/drawing/2014/main" id="{AD775A85-4B2C-44EB-815C-71E790D85AB5}"/>
+              </a:ext>
+            </a:extLst>
+          </p:cNvPr>
+          <p:cNvPicPr>
+            <a:picLocks noChangeAspect="1" noChangeArrowheads="1"/>
+          </p:cNvPicPr>
+          <p:nvPr/>
+        </p:nvPicPr>
+        <p:blipFill>
+          <a:blip r:embed="rId2">
+            <a:extLst>
+              <a:ext uri="{28A0092B-C50C-407E-A947-70E740481C1C}">
+                <a14:useLocalDpi xmlns:a14="http://schemas.microsoft.com/office/drawing/2010/main" val="0"/>
+              </a:ext>
+            </a:extLst>
+          </a:blip>
+          <a:srcRect/>
+          <a:stretch>
+            <a:fillRect/>
+          </a:stretch>
+        </p:blipFill>
+        <p:spPr bwMode="auto">
+          <a:xfrm>
+            <a:off x="1219200" y="2077038"/>
+            <a:ext cx="9753600" cy="4076700"/>
+          </a:xfrm>
+          <a:prstGeom prst="rect">
+            <a:avLst/>
+          </a:prstGeom>
+          <a:noFill/>
+          <a:extLst>
+            <a:ext uri="{909E8E84-426E-40DD-AFC4-6F175D3DCCD1}">
+              <a14:hiddenFill xmlns:a14="http://schemas.microsoft.com/office/drawing/2010/main">
+                <a:solidFill>
+                  <a:srgbClr val="FFFFFF"/>
+                </a:solidFill>
+              </a14:hiddenFill>
+            </a:ext>
+          </a:extLst>
+        </p:spPr>
+      </p:pic>
+      <p:sp>
+        <p:nvSpPr>
+          <p:cNvPr id="4" name="TextBox 3">
+            <a:extLst>
+              <a:ext uri="{FF2B5EF4-FFF2-40B4-BE49-F238E27FC236}">
+                <a16:creationId xmlns:a16="http://schemas.microsoft.com/office/drawing/2014/main" id="{A88F0C59-2774-4397-A4A2-A6F7F640F068}"/>
+              </a:ext>
+            </a:extLst>
+          </p:cNvPr>
+          <p:cNvSpPr txBox="1"/>
+          <p:nvPr/>
+        </p:nvSpPr>
+        <p:spPr>
+          <a:xfrm>
+            <a:off x="6315959" y="617456"/>
+            <a:ext cx="4755854" cy="369332"/>
+          </a:xfrm>
+          <a:prstGeom prst="rect">
+            <a:avLst/>
+          </a:prstGeom>
+          <a:noFill/>
+        </p:spPr>
+        <p:txBody>
+          <a:bodyPr wrap="none" rtlCol="0">
+            <a:spAutoFit/>
+          </a:bodyPr>
+          <a:lstStyle/>
+          <a:p>
+            <a:r>
+              <a:rPr lang="en-US" dirty="0">
+                <a:solidFill>
+                  <a:schemeClr val="bg1">
+                    <a:lumMod val="95000"/>
+                  </a:schemeClr>
+                </a:solidFill>
+              </a:rPr>
+              <a:t>https://www.teleradtech.com/radspa/workflow/</a:t>
+            </a:r>
+          </a:p>
+        </p:txBody>
+      </p:sp>
+    </p:spTree>
+    <p:extLst>
+      <p:ext uri="{BB962C8B-B14F-4D97-AF65-F5344CB8AC3E}">
+        <p14:creationId xmlns:p14="http://schemas.microsoft.com/office/powerpoint/2010/main" val="2662203318"/>
+      </p:ext>
+    </p:extLst>
+  </p:cSld>
+  <p:clrMapOvr>
+    <a:masterClrMapping/>
+  </p:clrMapOvr>
+</p:sld>
+</file>
+
+<file path=ppt/slides/slide3.xml><?xml version="1.0" encoding="utf-8"?>
+<p:sld xmlns:a="http://schemas.openxmlformats.org/drawingml/2006/main" xmlns:r="http://schemas.openxmlformats.org/officeDocument/2006/relationships" xmlns:p="http://schemas.openxmlformats.org/presentationml/2006/main">
+  <p:cSld>
+    <p:bg>
+      <p:bgPr>
+        <a:solidFill>
+          <a:schemeClr val="bg1">
+            <a:tint val="95000"/>
+            <a:satMod val="170000"/>
+          </a:schemeClr>
+        </a:solidFill>
+        <a:effectLst/>
+      </p:bgPr>
+    </p:bg>
+    <p:spTree>
+      <p:nvGrpSpPr>
+        <p:cNvPr id="1" name=""/>
+        <p:cNvGrpSpPr/>
+        <p:nvPr/>
+      </p:nvGrpSpPr>
+      <p:grpSpPr>
+        <a:xfrm>
+          <a:off x="0" y="0"/>
+          <a:ext cx="0" cy="0"/>
+          <a:chOff x="0" y="0"/>
+          <a:chExt cx="0" cy="0"/>
+        </a:xfrm>
+      </p:grpSpPr>
+      <p:sp useBgFill="1">
+        <p:nvSpPr>
+          <p:cNvPr id="2052" name="Rectangle 191">
+            <a:extLst>
+              <a:ext uri="{FF2B5EF4-FFF2-40B4-BE49-F238E27FC236}">
+                <a16:creationId xmlns:a16="http://schemas.microsoft.com/office/drawing/2014/main" id="{9B76D444-2756-434F-AE61-96D69830C13E}"/>
+              </a:ext>
+              <a:ext uri="{C183D7F6-B498-43B3-948B-1728B52AA6E4}">
+                <adec:decorative xmlns:adec="http://schemas.microsoft.com/office/drawing/2017/decorative" val="1"/>
+              </a:ext>
+            </a:extLst>
+          </p:cNvPr>
+          <p:cNvSpPr>
+            <a:spLocks noGrp="1" noRot="1" noChangeAspect="1" noMove="1" noResize="1" noEditPoints="1" noAdjustHandles="1" noChangeArrowheads="1" noChangeShapeType="1" noTextEdit="1"/>
+          </p:cNvSpPr>
+          <p:nvPr>
+            <p:extLst>
+              <p:ext uri="{386F3935-93C4-4BCD-93E2-E3B085C9AB24}">
+                <p16:designElem xmlns:p16="http://schemas.microsoft.com/office/powerpoint/2015/main" val="1"/>
+              </p:ext>
+            </p:extLst>
+          </p:nvPr>
+        </p:nvSpPr>
+        <p:spPr>
+          <a:xfrm>
+            <a:off x="0" y="0"/>
+            <a:ext cx="12188952" cy="6858000"/>
+          </a:xfrm>
+          <a:prstGeom prst="rect">
+            <a:avLst/>
+          </a:prstGeom>
+          <a:ln>
+            <a:noFill/>
+          </a:ln>
+        </p:spPr>
+        <p:style>
+          <a:lnRef idx="2">
+            <a:schemeClr val="accent1">
+              <a:shade val="50000"/>
+            </a:schemeClr>
+          </a:lnRef>
+          <a:fillRef idx="1">
+            <a:schemeClr val="accent1"/>
+          </a:fillRef>
+          <a:effectRef idx="0">
+            <a:schemeClr val="accent1"/>
+          </a:effectRef>
+          <a:fontRef idx="minor">
+            <a:schemeClr val="lt1"/>
+          </a:fontRef>
+        </p:style>
+        <p:txBody>
+          <a:bodyPr rtlCol="0" anchor="ctr"/>
+          <a:lstStyle/>
+          <a:p>
+            <a:pPr algn="ctr"/>
+            <a:endParaRPr lang="en-US"/>
+          </a:p>
+        </p:txBody>
+      </p:sp>
+      <p:sp>
+        <p:nvSpPr>
+          <p:cNvPr id="2" name="Title 1">
+            <a:extLst>
+              <a:ext uri="{FF2B5EF4-FFF2-40B4-BE49-F238E27FC236}">
+                <a16:creationId xmlns:a16="http://schemas.microsoft.com/office/drawing/2014/main" id="{966A2533-B499-46B2-B257-9772AF28C231}"/>
+              </a:ext>
+            </a:extLst>
+          </p:cNvPr>
+          <p:cNvSpPr>
+            <a:spLocks noGrp="1"/>
+          </p:cNvSpPr>
+          <p:nvPr>
+            <p:ph type="title"/>
+          </p:nvPr>
+        </p:nvSpPr>
+        <p:spPr>
+          <a:xfrm>
+            <a:off x="6688182" y="932961"/>
+            <a:ext cx="4887685" cy="1777419"/>
+          </a:xfrm>
+        </p:spPr>
+        <p:txBody>
+          <a:bodyPr vert="horz" lIns="91440" tIns="45720" rIns="91440" bIns="45720" rtlCol="0" anchor="b">
+            <a:normAutofit/>
+          </a:bodyPr>
+          <a:lstStyle/>
+          <a:p>
+            <a:r>
+              <a:rPr lang="en-US" sz="4000" dirty="0"/>
+              <a:t>Triage</a:t>
+            </a:r>
+          </a:p>
+        </p:txBody>
+      </p:sp>
+      <p:pic>
+        <p:nvPicPr>
+          <p:cNvPr id="2050" name="Picture 2" descr="Your brain is ticking time bomb. This is something many scientists and… |  by Kawalya Shawn Davis | Medium">
+            <a:extLst>
+              <a:ext uri="{FF2B5EF4-FFF2-40B4-BE49-F238E27FC236}">
+                <a16:creationId xmlns:a16="http://schemas.microsoft.com/office/drawing/2014/main" id="{5E91767E-9C1C-48AF-AA86-E671B631FDD7}"/>
+              </a:ext>
+            </a:extLst>
+          </p:cNvPr>
+          <p:cNvPicPr>
+            <a:picLocks noChangeAspect="1" noChangeArrowheads="1"/>
+          </p:cNvPicPr>
+          <p:nvPr/>
+        </p:nvPicPr>
+        <p:blipFill rotWithShape="1">
+          <a:blip r:embed="rId2">
+            <a:extLst>
+              <a:ext uri="{28A0092B-C50C-407E-A947-70E740481C1C}">
+                <a14:useLocalDpi xmlns:a14="http://schemas.microsoft.com/office/drawing/2010/main" val="0"/>
+              </a:ext>
+            </a:extLst>
+          </a:blip>
+          <a:srcRect l="1171" r="9464" b="-3"/>
+          <a:stretch/>
+        </p:blipFill>
+        <p:spPr bwMode="auto">
+          <a:xfrm>
+            <a:off x="391903" y="573678"/>
+            <a:ext cx="5103206" cy="5710645"/>
+          </a:xfrm>
+          <a:prstGeom prst="rect">
+            <a:avLst/>
+          </a:prstGeom>
+          <a:noFill/>
+          <a:extLst>
+            <a:ext uri="{909E8E84-426E-40DD-AFC4-6F175D3DCCD1}">
+              <a14:hiddenFill xmlns:a14="http://schemas.microsoft.com/office/drawing/2010/main">
+                <a:solidFill>
+                  <a:srgbClr val="FFFFFF"/>
+                </a:solidFill>
+              </a14:hiddenFill>
+            </a:ext>
+          </a:extLst>
+        </p:spPr>
+      </p:pic>
+      <p:cxnSp>
+        <p:nvCxnSpPr>
+          <p:cNvPr id="2053" name="Straight Connector 192">
+            <a:extLst>
+              <a:ext uri="{FF2B5EF4-FFF2-40B4-BE49-F238E27FC236}">
+                <a16:creationId xmlns:a16="http://schemas.microsoft.com/office/drawing/2014/main" id="{CF8F36E2-BBE5-43FE-822F-AD8CAE08C071}"/>
+              </a:ext>
+              <a:ext uri="{C183D7F6-B498-43B3-948B-1728B52AA6E4}">
+                <adec:decorative xmlns:adec="http://schemas.microsoft.com/office/drawing/2017/decorative" val="1"/>
+              </a:ext>
+            </a:extLst>
+          </p:cNvPr>
+          <p:cNvCxnSpPr>
+            <a:cxnSpLocks noGrp="1" noRot="1" noChangeAspect="1" noMove="1" noResize="1" noEditPoints="1" noAdjustHandles="1" noChangeArrowheads="1" noChangeShapeType="1"/>
+          </p:cNvCxnSpPr>
+          <p:nvPr>
+            <p:extLst>
+              <p:ext uri="{386F3935-93C4-4BCD-93E2-E3B085C9AB24}">
+                <p16:designElem xmlns:p16="http://schemas.microsoft.com/office/powerpoint/2015/main" val="1"/>
+              </p:ext>
+            </p:extLst>
+          </p:nvPr>
+        </p:nvCxnSpPr>
+        <p:spPr>
+          <a:xfrm>
+            <a:off x="6096000" y="1417320"/>
+            <a:ext cx="0" cy="4023360"/>
+          </a:xfrm>
+          <a:prstGeom prst="line">
+            <a:avLst/>
+          </a:prstGeom>
+          <a:ln w="15875">
+            <a:solidFill>
+              <a:schemeClr val="tx1"/>
+            </a:solidFill>
+          </a:ln>
+        </p:spPr>
+        <p:style>
+          <a:lnRef idx="1">
+            <a:schemeClr val="accent1"/>
+          </a:lnRef>
+          <a:fillRef idx="0">
+            <a:schemeClr val="accent1"/>
+          </a:fillRef>
+          <a:effectRef idx="0">
+            <a:schemeClr val="accent1"/>
+          </a:effectRef>
+          <a:fontRef idx="minor">
+            <a:schemeClr val="tx1"/>
+          </a:fontRef>
+        </p:style>
+      </p:cxnSp>
+      <p:sp>
+        <p:nvSpPr>
+          <p:cNvPr id="3" name="Content Placeholder 2">
+            <a:extLst>
+              <a:ext uri="{FF2B5EF4-FFF2-40B4-BE49-F238E27FC236}">
+                <a16:creationId xmlns:a16="http://schemas.microsoft.com/office/drawing/2014/main" id="{59560399-A606-47FD-90C2-8226B4321AFE}"/>
+              </a:ext>
+            </a:extLst>
+          </p:cNvPr>
+          <p:cNvSpPr>
+            <a:spLocks noGrp="1"/>
+          </p:cNvSpPr>
+          <p:nvPr>
+            <p:ph idx="1"/>
+          </p:nvPr>
+        </p:nvSpPr>
+        <p:spPr>
+          <a:xfrm>
+            <a:off x="6688182" y="2894529"/>
+            <a:ext cx="5062325" cy="3210179"/>
+          </a:xfrm>
+        </p:spPr>
+        <p:txBody>
+          <a:bodyPr vert="horz" lIns="91440" tIns="45720" rIns="91440" bIns="45720" rtlCol="0" anchor="t">
+            <a:normAutofit/>
+          </a:bodyPr>
+          <a:lstStyle/>
+          <a:p>
+            <a:r>
+              <a:rPr lang="en-US" sz="2000" dirty="0"/>
+              <a:t>Get medication to those who might need it.</a:t>
+            </a:r>
+          </a:p>
+          <a:p>
+            <a:r>
+              <a:rPr lang="en-US" sz="2000" dirty="0"/>
+              <a:t>Schedule sooner follow ups or expedite a patient to emergency level</a:t>
+            </a:r>
+          </a:p>
+        </p:txBody>
+      </p:sp>
+    </p:spTree>
+    <p:extLst>
+      <p:ext uri="{BB962C8B-B14F-4D97-AF65-F5344CB8AC3E}">
+        <p14:creationId xmlns:p14="http://schemas.microsoft.com/office/powerpoint/2010/main" val="2368937311"/>
+      </p:ext>
+    </p:extLst>
+  </p:cSld>
+  <p:clrMapOvr>
+    <a:overrideClrMapping bg1="dk1" tx1="lt1" bg2="dk2" tx2="lt2" accent1="accent1" accent2="accent2" accent3="accent3" accent4="accent4" accent5="accent5" accent6="accent6" hlink="hlink" folHlink="folHlink"/>
+  </p:clrMapOvr>
+</p:sld>
+</file>
+
+<file path=ppt/slides/slide4.xml><?xml version="1.0" encoding="utf-8"?>
+<p:sld xmlns:a="http://schemas.openxmlformats.org/drawingml/2006/main" xmlns:r="http://schemas.openxmlformats.org/officeDocument/2006/relationships" xmlns:p="http://schemas.openxmlformats.org/presentationml/2006/main">
+  <p:cSld>
+    <p:bg>
+      <p:bgPr>
+        <a:solidFill>
+          <a:schemeClr val="bg1"/>
+        </a:solidFill>
+        <a:effectLst/>
+      </p:bgPr>
+    </p:bg>
+    <p:spTree>
+      <p:nvGrpSpPr>
+        <p:cNvPr id="1" name=""/>
+        <p:cNvGrpSpPr/>
+        <p:nvPr/>
+      </p:nvGrpSpPr>
+      <p:grpSpPr>
+        <a:xfrm>
+          <a:off x="0" y="0"/>
+          <a:ext cx="0" cy="0"/>
+          <a:chOff x="0" y="0"/>
+          <a:chExt cx="0" cy="0"/>
+        </a:xfrm>
+      </p:grpSpPr>
+      <p:sp useBgFill="1">
+        <p:nvSpPr>
+          <p:cNvPr id="73" name="Rectangle 72">
+            <a:extLst>
+              <a:ext uri="{FF2B5EF4-FFF2-40B4-BE49-F238E27FC236}">
+                <a16:creationId xmlns:a16="http://schemas.microsoft.com/office/drawing/2014/main" id="{533BF18B-C8A1-400D-BBBD-6103EC90FE1A}"/>
+              </a:ext>
+              <a:ext uri="{C183D7F6-B498-43B3-948B-1728B52AA6E4}">
+                <adec:decorative xmlns:adec="http://schemas.microsoft.com/office/drawing/2017/decorative" val="1"/>
+              </a:ext>
+            </a:extLst>
+          </p:cNvPr>
+          <p:cNvSpPr>
+            <a:spLocks noGrp="1" noRot="1" noChangeAspect="1" noMove="1" noResize="1" noEditPoints="1" noAdjustHandles="1" noChangeArrowheads="1" noChangeShapeType="1" noTextEdit="1"/>
+          </p:cNvSpPr>
+          <p:nvPr>
+            <p:extLst>
+              <p:ext uri="{386F3935-93C4-4BCD-93E2-E3B085C9AB24}">
+                <p16:designElem xmlns:p16="http://schemas.microsoft.com/office/powerpoint/2015/main" val="1"/>
+              </p:ext>
+            </p:extLst>
+          </p:nvPr>
+        </p:nvSpPr>
+        <p:spPr>
+          <a:xfrm>
+            <a:off x="0" y="0"/>
+            <a:ext cx="12191999" cy="6857365"/>
+          </a:xfrm>
+          <a:prstGeom prst="rect">
+            <a:avLst/>
+          </a:prstGeom>
+          <a:ln>
+            <a:noFill/>
+          </a:ln>
+        </p:spPr>
+        <p:style>
+          <a:lnRef idx="2">
+            <a:schemeClr val="accent1">
+              <a:shade val="50000"/>
+            </a:schemeClr>
+          </a:lnRef>
+          <a:fillRef idx="1">
+            <a:schemeClr val="accent1"/>
+          </a:fillRef>
+          <a:effectRef idx="0">
+            <a:schemeClr val="accent1"/>
+          </a:effectRef>
+          <a:fontRef idx="minor">
+            <a:schemeClr val="lt1"/>
+          </a:fontRef>
+        </p:style>
+        <p:txBody>
+          <a:bodyPr rtlCol="0" anchor="ctr"/>
+          <a:lstStyle/>
+          <a:p>
+            <a:pPr algn="ctr"/>
+            <a:endParaRPr lang="en-US"/>
+          </a:p>
+        </p:txBody>
+      </p:sp>
+      <p:sp>
+        <p:nvSpPr>
+          <p:cNvPr id="2" name="Title 1">
+            <a:extLst>
+              <a:ext uri="{FF2B5EF4-FFF2-40B4-BE49-F238E27FC236}">
+                <a16:creationId xmlns:a16="http://schemas.microsoft.com/office/drawing/2014/main" id="{5373E9A7-355C-4828-9588-64CB82AA5D69}"/>
+              </a:ext>
+            </a:extLst>
+          </p:cNvPr>
+          <p:cNvSpPr>
+            <a:spLocks noGrp="1"/>
+          </p:cNvSpPr>
+          <p:nvPr>
+            <p:ph type="title"/>
+          </p:nvPr>
+        </p:nvSpPr>
+        <p:spPr>
+          <a:xfrm>
+            <a:off x="9252252" y="549791"/>
+            <a:ext cx="2469624" cy="826205"/>
+          </a:xfrm>
+        </p:spPr>
+        <p:txBody>
+          <a:bodyPr vert="horz" lIns="91440" tIns="45720" rIns="91440" bIns="45720" rtlCol="0" anchor="t">
+            <a:normAutofit/>
+          </a:bodyPr>
+          <a:lstStyle/>
+          <a:p>
+            <a:r>
+              <a:rPr lang="en-US" sz="3400" kern="1200" dirty="0">
+                <a:solidFill>
+                  <a:schemeClr val="tx1"/>
+                </a:solidFill>
+                <a:latin typeface="+mj-lt"/>
+                <a:ea typeface="+mj-ea"/>
+                <a:cs typeface="+mj-cs"/>
+              </a:rPr>
+              <a:t>Redundancy</a:t>
+            </a:r>
+          </a:p>
+        </p:txBody>
+      </p:sp>
+      <p:sp>
+        <p:nvSpPr>
+          <p:cNvPr id="5" name="TextBox 4">
+            <a:extLst>
+              <a:ext uri="{FF2B5EF4-FFF2-40B4-BE49-F238E27FC236}">
+                <a16:creationId xmlns:a16="http://schemas.microsoft.com/office/drawing/2014/main" id="{B7A17D70-11A5-4BEA-BE36-8A6B1C4F8614}"/>
+              </a:ext>
+            </a:extLst>
+          </p:cNvPr>
+          <p:cNvSpPr txBox="1"/>
+          <p:nvPr/>
+        </p:nvSpPr>
+        <p:spPr>
+          <a:xfrm>
+            <a:off x="9252251" y="1214380"/>
+            <a:ext cx="2446465" cy="1178298"/>
+          </a:xfrm>
+          <a:prstGeom prst="rect">
+            <a:avLst/>
+          </a:prstGeom>
+        </p:spPr>
+        <p:txBody>
+          <a:bodyPr vert="horz" lIns="91440" tIns="45720" rIns="91440" bIns="45720" rtlCol="0">
+            <a:noAutofit/>
+          </a:bodyPr>
+          <a:lstStyle/>
+          <a:p>
+            <a:pPr>
+              <a:lnSpc>
+                <a:spcPct val="90000"/>
+              </a:lnSpc>
+              <a:spcBef>
+                <a:spcPts val="1000"/>
+              </a:spcBef>
+            </a:pPr>
+            <a:r>
+              <a:rPr lang="en-US" sz="1600" kern="1200" dirty="0">
+                <a:solidFill>
+                  <a:schemeClr val="tx1"/>
+                </a:solidFill>
+                <a:latin typeface="+mn-lt"/>
+                <a:ea typeface="+mn-ea"/>
+                <a:cs typeface="+mn-cs"/>
+              </a:rPr>
+              <a:t>Redundancy is a good system design in high impact industries</a:t>
+            </a:r>
+          </a:p>
+          <a:p>
+            <a:pPr>
+              <a:lnSpc>
+                <a:spcPct val="90000"/>
+              </a:lnSpc>
+              <a:spcBef>
+                <a:spcPts val="1000"/>
+              </a:spcBef>
+            </a:pPr>
+            <a:r>
+              <a:rPr lang="en-US" sz="1600" kern="1200" dirty="0">
+                <a:solidFill>
+                  <a:schemeClr val="tx1"/>
+                </a:solidFill>
+                <a:latin typeface="+mn-lt"/>
+                <a:ea typeface="+mn-ea"/>
+                <a:cs typeface="+mn-cs"/>
+              </a:rPr>
+              <a:t>A study conducted  and featured in the </a:t>
+            </a:r>
+            <a:r>
+              <a:rPr lang="en-US" sz="1600" b="0" i="0" kern="1200" dirty="0">
+                <a:solidFill>
+                  <a:schemeClr val="tx1"/>
+                </a:solidFill>
+                <a:effectLst/>
+                <a:latin typeface="+mn-lt"/>
+                <a:ea typeface="+mn-ea"/>
+                <a:cs typeface="+mn-cs"/>
+              </a:rPr>
+              <a:t>National Center for Biotechnology Information Journal, concluded that among various groups of credentialed radiologists, the maximum accuracy when diagnosing pneumonia achieved by any group was 86%.</a:t>
+            </a:r>
+          </a:p>
+          <a:p>
+            <a:pPr>
+              <a:lnSpc>
+                <a:spcPct val="90000"/>
+              </a:lnSpc>
+              <a:spcBef>
+                <a:spcPts val="1000"/>
+              </a:spcBef>
+            </a:pPr>
+            <a:endParaRPr lang="en-US" sz="1600" b="0" i="0" kern="1200" dirty="0">
+              <a:solidFill>
+                <a:schemeClr val="tx1"/>
+              </a:solidFill>
+              <a:effectLst/>
+              <a:latin typeface="+mn-lt"/>
+              <a:ea typeface="+mn-ea"/>
+              <a:cs typeface="+mn-cs"/>
+            </a:endParaRPr>
+          </a:p>
+          <a:p>
+            <a:pPr>
+              <a:lnSpc>
+                <a:spcPct val="90000"/>
+              </a:lnSpc>
+              <a:spcBef>
+                <a:spcPts val="1000"/>
+              </a:spcBef>
+            </a:pPr>
+            <a:r>
+              <a:rPr lang="en-US" sz="1600" kern="1200" dirty="0">
+                <a:solidFill>
+                  <a:schemeClr val="tx1"/>
+                </a:solidFill>
+                <a:latin typeface="+mn-lt"/>
+                <a:ea typeface="+mn-ea"/>
+                <a:cs typeface="+mn-cs"/>
+              </a:rPr>
+              <a:t>Radiologists are hard to come by (and never cheap)</a:t>
+            </a:r>
+          </a:p>
+          <a:p>
+            <a:pPr>
+              <a:lnSpc>
+                <a:spcPct val="90000"/>
+              </a:lnSpc>
+              <a:spcBef>
+                <a:spcPts val="1000"/>
+              </a:spcBef>
+            </a:pPr>
+            <a:r>
+              <a:rPr lang="en-US" sz="1600" kern="1200" dirty="0">
+                <a:solidFill>
+                  <a:schemeClr val="tx1"/>
+                </a:solidFill>
+                <a:latin typeface="+mn-lt"/>
+                <a:ea typeface="+mn-ea"/>
+                <a:cs typeface="+mn-cs"/>
+              </a:rPr>
+              <a:t>AI offers cost effective second opinions in a fraction of the time.  </a:t>
+            </a:r>
+          </a:p>
+          <a:p>
+            <a:pPr>
+              <a:lnSpc>
+                <a:spcPct val="90000"/>
+              </a:lnSpc>
+              <a:spcBef>
+                <a:spcPts val="1000"/>
+              </a:spcBef>
+            </a:pPr>
+            <a:endParaRPr lang="en-US" sz="1600" kern="1200" dirty="0">
+              <a:solidFill>
+                <a:schemeClr val="tx1"/>
+              </a:solidFill>
+              <a:latin typeface="+mn-lt"/>
+              <a:ea typeface="+mn-ea"/>
+              <a:cs typeface="+mn-cs"/>
+            </a:endParaRPr>
+          </a:p>
+        </p:txBody>
+      </p:sp>
+      <p:sp>
+        <p:nvSpPr>
+          <p:cNvPr id="75" name="Rectangle 74">
+            <a:extLst>
+              <a:ext uri="{FF2B5EF4-FFF2-40B4-BE49-F238E27FC236}">
+                <a16:creationId xmlns:a16="http://schemas.microsoft.com/office/drawing/2014/main" id="{99413ED5-9ED4-4772-BCE4-2BCAE6B12E35}"/>
+              </a:ext>
+              <a:ext uri="{C183D7F6-B498-43B3-948B-1728B52AA6E4}">
+                <adec:decorative xmlns:adec="http://schemas.microsoft.com/office/drawing/2017/decorative" val="1"/>
+              </a:ext>
+            </a:extLst>
+          </p:cNvPr>
+          <p:cNvSpPr>
+            <a:spLocks noGrp="1" noRot="1" noChangeAspect="1" noMove="1" noResize="1" noEditPoints="1" noAdjustHandles="1" noChangeArrowheads="1" noChangeShapeType="1" noTextEdit="1"/>
+          </p:cNvSpPr>
+          <p:nvPr>
+            <p:extLst>
+              <p:ext uri="{386F3935-93C4-4BCD-93E2-E3B085C9AB24}">
+                <p16:designElem xmlns:p16="http://schemas.microsoft.com/office/powerpoint/2015/main" val="1"/>
+              </p:ext>
+            </p:extLst>
+          </p:nvPr>
+        </p:nvSpPr>
+        <p:spPr>
+          <a:xfrm rot="16200000">
+            <a:off x="3433973" y="-827233"/>
+            <a:ext cx="1715478" cy="8583421"/>
+          </a:xfrm>
+          <a:prstGeom prst="rect">
+            <a:avLst/>
+          </a:prstGeom>
+          <a:solidFill>
+            <a:schemeClr val="accent4"/>
+          </a:solidFill>
+          <a:ln>
+            <a:noFill/>
+          </a:ln>
+        </p:spPr>
+        <p:style>
+          <a:lnRef idx="2">
+            <a:schemeClr val="accent1">
+              <a:shade val="50000"/>
+            </a:schemeClr>
+          </a:lnRef>
+          <a:fillRef idx="1">
+            <a:schemeClr val="accent1"/>
+          </a:fillRef>
+          <a:effectRef idx="0">
+            <a:schemeClr val="accent1"/>
+          </a:effectRef>
+          <a:fontRef idx="minor">
+            <a:schemeClr val="lt1"/>
+          </a:fontRef>
+        </p:style>
+        <p:txBody>
+          <a:bodyPr rtlCol="0" anchor="ctr"/>
+          <a:lstStyle/>
+          <a:p>
+            <a:pPr algn="ctr"/>
+            <a:endParaRPr lang="en-US" dirty="0"/>
+          </a:p>
+        </p:txBody>
+      </p:sp>
+      <p:sp>
+        <p:nvSpPr>
+          <p:cNvPr id="77" name="Rectangle 76">
+            <a:extLst>
+              <a:ext uri="{FF2B5EF4-FFF2-40B4-BE49-F238E27FC236}">
+                <a16:creationId xmlns:a16="http://schemas.microsoft.com/office/drawing/2014/main" id="{04357C93-F0CB-4A1C-8F77-4E9063789819}"/>
+              </a:ext>
+              <a:ext uri="{C183D7F6-B498-43B3-948B-1728B52AA6E4}">
+                <adec:decorative xmlns:adec="http://schemas.microsoft.com/office/drawing/2017/decorative" val="1"/>
+              </a:ext>
+            </a:extLst>
+          </p:cNvPr>
+          <p:cNvSpPr>
+            <a:spLocks noGrp="1" noRot="1" noChangeAspect="1" noMove="1" noResize="1" noEditPoints="1" noAdjustHandles="1" noChangeArrowheads="1" noChangeShapeType="1" noTextEdit="1"/>
+          </p:cNvSpPr>
+          <p:nvPr>
+            <p:extLst>
+              <p:ext uri="{386F3935-93C4-4BCD-93E2-E3B085C9AB24}">
+                <p16:designElem xmlns:p16="http://schemas.microsoft.com/office/powerpoint/2015/main" val="1"/>
+              </p:ext>
+            </p:extLst>
+          </p:nvPr>
+        </p:nvSpPr>
+        <p:spPr>
+          <a:xfrm>
+            <a:off x="302085" y="664308"/>
+            <a:ext cx="8082632" cy="5600340"/>
+          </a:xfrm>
+          <a:prstGeom prst="rect">
+            <a:avLst/>
+          </a:prstGeom>
+          <a:solidFill>
+            <a:schemeClr val="bg1"/>
+          </a:solidFill>
+          <a:ln>
+            <a:noFill/>
+          </a:ln>
+          <a:effectLst>
+            <a:outerShdw blurRad="139700" dist="127000" dir="5400000" algn="t" rotWithShape="0">
+              <a:prstClr val="black">
+                <a:alpha val="15000"/>
+              </a:prstClr>
+            </a:outerShdw>
+          </a:effectLst>
+        </p:spPr>
+        <p:style>
+          <a:lnRef idx="2">
+            <a:schemeClr val="accent1">
+              <a:shade val="50000"/>
+            </a:schemeClr>
+          </a:lnRef>
+          <a:fillRef idx="1">
+            <a:schemeClr val="accent1"/>
+          </a:fillRef>
+          <a:effectRef idx="0">
+            <a:schemeClr val="accent1"/>
+          </a:effectRef>
+          <a:fontRef idx="minor">
+            <a:schemeClr val="lt1"/>
+          </a:fontRef>
+        </p:style>
+        <p:txBody>
+          <a:bodyPr rtlCol="0" anchor="ctr"/>
+          <a:lstStyle/>
+          <a:p>
+            <a:pPr algn="ctr"/>
+            <a:endParaRPr lang="en-US"/>
+          </a:p>
+        </p:txBody>
+      </p:sp>
+      <p:pic>
+        <p:nvPicPr>
+          <p:cNvPr id="3076" name="Picture 4" descr="Redundancy in Rope Systems | Rigging Lab Academy">
+            <a:extLst>
+              <a:ext uri="{FF2B5EF4-FFF2-40B4-BE49-F238E27FC236}">
+                <a16:creationId xmlns:a16="http://schemas.microsoft.com/office/drawing/2014/main" id="{9677F3C7-37FF-416A-A17D-2B7E79DB2396}"/>
+              </a:ext>
+            </a:extLst>
+          </p:cNvPr>
+          <p:cNvPicPr>
+            <a:picLocks noGrp="1" noChangeAspect="1" noChangeArrowheads="1"/>
+          </p:cNvPicPr>
+          <p:nvPr>
+            <p:ph idx="1"/>
+          </p:nvPr>
+        </p:nvPicPr>
+        <p:blipFill rotWithShape="1">
+          <a:blip r:embed="rId2">
+            <a:extLst>
+              <a:ext uri="{28A0092B-C50C-407E-A947-70E740481C1C}">
+                <a14:useLocalDpi xmlns:a14="http://schemas.microsoft.com/office/drawing/2010/main" val="0"/>
+              </a:ext>
+            </a:extLst>
+          </a:blip>
+          <a:srcRect l="11171" r="14108" b="2"/>
+          <a:stretch/>
+        </p:blipFill>
+        <p:spPr bwMode="auto">
+          <a:xfrm>
+            <a:off x="1308735" y="781956"/>
+            <a:ext cx="6069331" cy="5293451"/>
+          </a:xfrm>
+          <a:prstGeom prst="rect">
+            <a:avLst/>
+          </a:prstGeom>
+          <a:noFill/>
+          <a:extLst>
+            <a:ext uri="{909E8E84-426E-40DD-AFC4-6F175D3DCCD1}">
+              <a14:hiddenFill xmlns:a14="http://schemas.microsoft.com/office/drawing/2010/main">
+                <a:solidFill>
+                  <a:srgbClr val="FFFFFF"/>
+                </a:solidFill>
+              </a14:hiddenFill>
+            </a:ext>
+          </a:extLst>
+        </p:spPr>
+      </p:pic>
+      <p:sp>
+        <p:nvSpPr>
+          <p:cNvPr id="79" name="Rectangle 78">
+            <a:extLst>
+              <a:ext uri="{FF2B5EF4-FFF2-40B4-BE49-F238E27FC236}">
+                <a16:creationId xmlns:a16="http://schemas.microsoft.com/office/drawing/2014/main" id="{90F533E9-6690-41A8-A372-4C6C622D028D}"/>
+              </a:ext>
+              <a:ext uri="{C183D7F6-B498-43B3-948B-1728B52AA6E4}">
+                <adec:decorative xmlns:adec="http://schemas.microsoft.com/office/drawing/2017/decorative" val="1"/>
+              </a:ext>
+            </a:extLst>
+          </p:cNvPr>
+          <p:cNvSpPr>
+            <a:spLocks noGrp="1" noRot="1" noChangeAspect="1" noMove="1" noResize="1" noEditPoints="1" noAdjustHandles="1" noChangeArrowheads="1" noChangeShapeType="1" noTextEdit="1"/>
+          </p:cNvSpPr>
+          <p:nvPr>
+            <p:extLst>
+              <p:ext uri="{386F3935-93C4-4BCD-93E2-E3B085C9AB24}">
+                <p16:designElem xmlns:p16="http://schemas.microsoft.com/office/powerpoint/2015/main" val="1"/>
+              </p:ext>
+            </p:extLst>
+          </p:nvPr>
+        </p:nvSpPr>
+        <p:spPr>
+          <a:xfrm rot="5400000">
+            <a:off x="7950447" y="3392097"/>
+            <a:ext cx="1719072" cy="152382"/>
+          </a:xfrm>
+          <a:prstGeom prst="rect">
+            <a:avLst/>
+          </a:prstGeom>
+          <a:solidFill>
+            <a:schemeClr val="accent4"/>
+          </a:solidFill>
+          <a:ln>
+            <a:noFill/>
+          </a:ln>
+        </p:spPr>
+        <p:style>
+          <a:lnRef idx="2">
+            <a:schemeClr val="accent1">
+              <a:shade val="50000"/>
+            </a:schemeClr>
+          </a:lnRef>
+          <a:fillRef idx="1">
+            <a:schemeClr val="accent1"/>
+          </a:fillRef>
+          <a:effectRef idx="0">
+            <a:schemeClr val="accent1"/>
+          </a:effectRef>
+          <a:fontRef idx="minor">
+            <a:schemeClr val="lt1"/>
+          </a:fontRef>
+        </p:style>
+        <p:txBody>
+          <a:bodyPr rtlCol="0" anchor="ctr"/>
+          <a:lstStyle/>
+          <a:p>
+            <a:pPr algn="ctr"/>
+            <a:endParaRPr lang="en-US"/>
+          </a:p>
+        </p:txBody>
+      </p:sp>
+      <p:sp>
+        <p:nvSpPr>
+          <p:cNvPr id="4" name="TextBox 3">
+            <a:extLst>
+              <a:ext uri="{FF2B5EF4-FFF2-40B4-BE49-F238E27FC236}">
+                <a16:creationId xmlns:a16="http://schemas.microsoft.com/office/drawing/2014/main" id="{F229F181-C121-4EBA-8FDC-D0B931C9CE13}"/>
+              </a:ext>
+            </a:extLst>
+          </p:cNvPr>
+          <p:cNvSpPr txBox="1"/>
+          <p:nvPr/>
+        </p:nvSpPr>
+        <p:spPr>
+          <a:xfrm>
+            <a:off x="712675" y="180459"/>
+            <a:ext cx="10304552" cy="369332"/>
+          </a:xfrm>
+          <a:prstGeom prst="rect">
+            <a:avLst/>
+          </a:prstGeom>
+          <a:noFill/>
+        </p:spPr>
+        <p:txBody>
+          <a:bodyPr wrap="none" rtlCol="0">
+            <a:spAutoFit/>
+          </a:bodyPr>
+          <a:lstStyle/>
+          <a:p>
+            <a:pPr>
+              <a:spcAft>
+                <a:spcPts val="600"/>
+              </a:spcAft>
+            </a:pPr>
+            <a:r>
+              <a:rPr lang="en-US" dirty="0">
+                <a:solidFill>
+                  <a:schemeClr val="bg1">
+                    <a:lumMod val="95000"/>
+                  </a:schemeClr>
+                </a:solidFill>
+              </a:rPr>
+              <a:t>https://rigginglabacademy.com/wp-content/uploads/2018/08/Screen-Shot-2018-08-03-at-10.10.27-PM.png</a:t>
+            </a:r>
+            <a:endParaRPr lang="en-US">
+              <a:solidFill>
+                <a:schemeClr val="bg1">
+                  <a:lumMod val="95000"/>
+                </a:schemeClr>
+              </a:solidFill>
+            </a:endParaRPr>
+          </a:p>
+        </p:txBody>
+      </p:sp>
+    </p:spTree>
+    <p:extLst>
+      <p:ext uri="{BB962C8B-B14F-4D97-AF65-F5344CB8AC3E}">
+        <p14:creationId xmlns:p14="http://schemas.microsoft.com/office/powerpoint/2010/main" val="724215323"/>
+      </p:ext>
+    </p:extLst>
+  </p:cSld>
+  <p:clrMapOvr>
+    <a:masterClrMapping/>
+  </p:clrMapOvr>
+</p:sld>
+</file>
+
+<file path=ppt/slides/slide5.xml><?xml version="1.0" encoding="utf-8"?>
+<p:sld xmlns:a="http://schemas.openxmlformats.org/drawingml/2006/main" xmlns:r="http://schemas.openxmlformats.org/officeDocument/2006/relationships" xmlns:p="http://schemas.openxmlformats.org/presentationml/2006/main">
+  <p:cSld>
+    <p:spTree>
+      <p:nvGrpSpPr>
+        <p:cNvPr id="1" name=""/>
+        <p:cNvGrpSpPr/>
+        <p:nvPr/>
+      </p:nvGrpSpPr>
+      <p:grpSpPr>
+        <a:xfrm>
+          <a:off x="0" y="0"/>
+          <a:ext cx="0" cy="0"/>
+          <a:chOff x="0" y="0"/>
+          <a:chExt cx="0" cy="0"/>
+        </a:xfrm>
+      </p:grpSpPr>
+      <p:sp>
+        <p:nvSpPr>
+          <p:cNvPr id="2" name="Title 1">
+            <a:extLst>
+              <a:ext uri="{FF2B5EF4-FFF2-40B4-BE49-F238E27FC236}">
+                <a16:creationId xmlns:a16="http://schemas.microsoft.com/office/drawing/2014/main" id="{1819ABB5-9EB0-4CA7-95CC-AE7CCB155920}"/>
+              </a:ext>
+            </a:extLst>
+          </p:cNvPr>
+          <p:cNvSpPr>
+            <a:spLocks noGrp="1"/>
+          </p:cNvSpPr>
+          <p:nvPr>
+            <p:ph type="title"/>
+          </p:nvPr>
+        </p:nvSpPr>
+        <p:spPr>
+          <a:xfrm>
+            <a:off x="508262" y="266144"/>
+            <a:ext cx="2211371" cy="1325563"/>
+          </a:xfrm>
+        </p:spPr>
+        <p:txBody>
+          <a:bodyPr/>
+          <a:lstStyle/>
+          <a:p>
+            <a:r>
+              <a:rPr lang="en-US" dirty="0"/>
+              <a:t>Data Basics</a:t>
+            </a:r>
+          </a:p>
+        </p:txBody>
+      </p:sp>
+      <p:sp>
+        <p:nvSpPr>
+          <p:cNvPr id="3" name="Content Placeholder 2">
+            <a:extLst>
+              <a:ext uri="{FF2B5EF4-FFF2-40B4-BE49-F238E27FC236}">
+                <a16:creationId xmlns:a16="http://schemas.microsoft.com/office/drawing/2014/main" id="{D2A570C7-0460-4ABC-85E6-DDE7B565E114}"/>
+              </a:ext>
+            </a:extLst>
+          </p:cNvPr>
+          <p:cNvSpPr>
+            <a:spLocks noGrp="1"/>
+          </p:cNvSpPr>
+          <p:nvPr>
+            <p:ph idx="1"/>
+          </p:nvPr>
+        </p:nvSpPr>
+        <p:spPr>
+          <a:xfrm>
+            <a:off x="508262" y="1835052"/>
+            <a:ext cx="2211371" cy="4351338"/>
+          </a:xfrm>
+        </p:spPr>
+        <p:txBody>
+          <a:bodyPr/>
+          <a:lstStyle/>
+          <a:p>
+            <a:r>
+              <a:rPr lang="en-US" dirty="0"/>
+              <a:t>Around 5800 X-rays were analyzed by the model. </a:t>
+            </a:r>
+          </a:p>
+        </p:txBody>
+      </p:sp>
+      <p:pic>
+        <p:nvPicPr>
+          <p:cNvPr id="9" name="Picture 8" descr="A picture containing film, necktie, indoor, person&#10;&#10;Description automatically generated">
+            <a:extLst>
+              <a:ext uri="{FF2B5EF4-FFF2-40B4-BE49-F238E27FC236}">
+                <a16:creationId xmlns:a16="http://schemas.microsoft.com/office/drawing/2014/main" id="{876D7733-1386-446E-B920-9A8BA184A69C}"/>
+              </a:ext>
+            </a:extLst>
+          </p:cNvPr>
+          <p:cNvPicPr>
+            <a:picLocks noChangeAspect="1"/>
+          </p:cNvPicPr>
+          <p:nvPr/>
+        </p:nvPicPr>
+        <p:blipFill>
+          <a:blip r:embed="rId2">
+            <a:extLst>
+              <a:ext uri="{28A0092B-C50C-407E-A947-70E740481C1C}">
+                <a14:useLocalDpi xmlns:a14="http://schemas.microsoft.com/office/drawing/2010/main" val="0"/>
+              </a:ext>
+            </a:extLst>
+          </a:blip>
+          <a:stretch>
+            <a:fillRect/>
+          </a:stretch>
+        </p:blipFill>
+        <p:spPr>
+          <a:xfrm>
+            <a:off x="7668704" y="660595"/>
+            <a:ext cx="4523296" cy="5525795"/>
+          </a:xfrm>
+          <a:prstGeom prst="rect">
+            <a:avLst/>
+          </a:prstGeom>
+        </p:spPr>
+      </p:pic>
+      <p:pic>
+        <p:nvPicPr>
+          <p:cNvPr id="11" name="Picture 10" descr="A picture containing bottle, indoor, photo, close&#10;&#10;Description automatically generated">
+            <a:extLst>
+              <a:ext uri="{FF2B5EF4-FFF2-40B4-BE49-F238E27FC236}">
+                <a16:creationId xmlns:a16="http://schemas.microsoft.com/office/drawing/2014/main" id="{710D50A8-61E8-4FD6-A1BC-CDC80C1E471D}"/>
+              </a:ext>
+            </a:extLst>
+          </p:cNvPr>
+          <p:cNvPicPr>
+            <a:picLocks noChangeAspect="1"/>
+          </p:cNvPicPr>
+          <p:nvPr/>
+        </p:nvPicPr>
+        <p:blipFill>
+          <a:blip r:embed="rId3">
+            <a:extLst>
+              <a:ext uri="{28A0092B-C50C-407E-A947-70E740481C1C}">
+                <a14:useLocalDpi xmlns:a14="http://schemas.microsoft.com/office/drawing/2010/main" val="0"/>
+              </a:ext>
+            </a:extLst>
+          </a:blip>
+          <a:stretch>
+            <a:fillRect/>
+          </a:stretch>
+        </p:blipFill>
+        <p:spPr>
+          <a:xfrm>
+            <a:off x="3085597" y="660595"/>
+            <a:ext cx="4583107" cy="5525794"/>
+          </a:xfrm>
+          <a:prstGeom prst="rect">
+            <a:avLst/>
+          </a:prstGeom>
+        </p:spPr>
+      </p:pic>
+      <p:sp>
+        <p:nvSpPr>
+          <p:cNvPr id="12" name="TextBox 11">
+            <a:extLst>
+              <a:ext uri="{FF2B5EF4-FFF2-40B4-BE49-F238E27FC236}">
+                <a16:creationId xmlns:a16="http://schemas.microsoft.com/office/drawing/2014/main" id="{96C46D2F-3730-4B4E-8D5D-88E2BFB1C83C}"/>
+              </a:ext>
+            </a:extLst>
+          </p:cNvPr>
+          <p:cNvSpPr txBox="1"/>
+          <p:nvPr/>
+        </p:nvSpPr>
+        <p:spPr>
+          <a:xfrm>
+            <a:off x="4081806" y="5637229"/>
+            <a:ext cx="1833514" cy="369332"/>
+          </a:xfrm>
+          <a:prstGeom prst="rect">
+            <a:avLst/>
+          </a:prstGeom>
+          <a:noFill/>
+        </p:spPr>
+        <p:txBody>
+          <a:bodyPr wrap="square" rtlCol="0">
+            <a:spAutoFit/>
+          </a:bodyPr>
+          <a:lstStyle/>
+          <a:p>
+            <a:r>
+              <a:rPr lang="en-US" dirty="0"/>
+              <a:t>Pneumonia</a:t>
+            </a:r>
+          </a:p>
+        </p:txBody>
+      </p:sp>
+      <p:sp>
+        <p:nvSpPr>
+          <p:cNvPr id="13" name="TextBox 12">
+            <a:extLst>
+              <a:ext uri="{FF2B5EF4-FFF2-40B4-BE49-F238E27FC236}">
+                <a16:creationId xmlns:a16="http://schemas.microsoft.com/office/drawing/2014/main" id="{0D9BC861-311D-4E89-A183-1AE96969AC39}"/>
+              </a:ext>
+            </a:extLst>
+          </p:cNvPr>
+          <p:cNvSpPr txBox="1"/>
+          <p:nvPr/>
+        </p:nvSpPr>
+        <p:spPr>
+          <a:xfrm>
+            <a:off x="8664913" y="5637229"/>
+            <a:ext cx="1833514" cy="369332"/>
+          </a:xfrm>
+          <a:prstGeom prst="rect">
+            <a:avLst/>
+          </a:prstGeom>
+          <a:noFill/>
+        </p:spPr>
+        <p:txBody>
+          <a:bodyPr wrap="square" rtlCol="0">
+            <a:spAutoFit/>
+          </a:bodyPr>
+          <a:lstStyle/>
+          <a:p>
+            <a:r>
+              <a:rPr lang="en-US" dirty="0"/>
+              <a:t>Non-Pneumonia</a:t>
+            </a:r>
+          </a:p>
+        </p:txBody>
+      </p:sp>
+    </p:spTree>
+    <p:extLst>
+      <p:ext uri="{BB962C8B-B14F-4D97-AF65-F5344CB8AC3E}">
+        <p14:creationId xmlns:p14="http://schemas.microsoft.com/office/powerpoint/2010/main" val="1849186053"/>
+      </p:ext>
+    </p:extLst>
+  </p:cSld>
+  <p:clrMapOvr>
+    <a:masterClrMapping/>
+  </p:clrMapOvr>
+</p:sld>
+</file>
+
+<file path=ppt/slides/slide6.xml><?xml version="1.0" encoding="utf-8"?>
+<p:sld xmlns:a="http://schemas.openxmlformats.org/drawingml/2006/main" xmlns:r="http://schemas.openxmlformats.org/officeDocument/2006/relationships" xmlns:p="http://schemas.openxmlformats.org/presentationml/2006/main">
+  <p:cSld>
+    <p:bg>
+      <p:bgPr>
+        <a:solidFill>
+          <a:schemeClr val="bg1"/>
+        </a:solidFill>
+        <a:effectLst/>
+      </p:bgPr>
+    </p:bg>
+    <p:spTree>
+      <p:nvGrpSpPr>
+        <p:cNvPr id="1" name=""/>
+        <p:cNvGrpSpPr/>
+        <p:nvPr/>
+      </p:nvGrpSpPr>
+      <p:grpSpPr>
+        <a:xfrm>
+          <a:off x="0" y="0"/>
+          <a:ext cx="0" cy="0"/>
+          <a:chOff x="0" y="0"/>
+          <a:chExt cx="0" cy="0"/>
+        </a:xfrm>
+      </p:grpSpPr>
+      <p:sp useBgFill="1">
+        <p:nvSpPr>
+          <p:cNvPr id="10" name="Rectangle 9">
+            <a:extLst>
+              <a:ext uri="{FF2B5EF4-FFF2-40B4-BE49-F238E27FC236}">
+                <a16:creationId xmlns:a16="http://schemas.microsoft.com/office/drawing/2014/main" id="{6EFC920F-B85A-4068-BD93-41064EDE93D3}"/>
+              </a:ext>
+              <a:ext uri="{C183D7F6-B498-43B3-948B-1728B52AA6E4}">
+                <adec:decorative xmlns:adec="http://schemas.microsoft.com/office/drawing/2017/decorative" val="1"/>
+              </a:ext>
+            </a:extLst>
+          </p:cNvPr>
+          <p:cNvSpPr>
+            <a:spLocks noGrp="1" noRot="1" noChangeAspect="1" noMove="1" noResize="1" noEditPoints="1" noAdjustHandles="1" noChangeArrowheads="1" noChangeShapeType="1" noTextEdit="1"/>
+          </p:cNvSpPr>
+          <p:nvPr>
+            <p:extLst>
+              <p:ext uri="{386F3935-93C4-4BCD-93E2-E3B085C9AB24}">
+                <p16:designElem xmlns:p16="http://schemas.microsoft.com/office/powerpoint/2015/main" val="1"/>
+              </p:ext>
+            </p:extLst>
+          </p:nvPr>
+        </p:nvSpPr>
+        <p:spPr>
+          <a:xfrm>
+            <a:off x="0" y="0"/>
+            <a:ext cx="12191999" cy="6857365"/>
+          </a:xfrm>
+          <a:prstGeom prst="rect">
+            <a:avLst/>
+          </a:prstGeom>
+          <a:ln>
+            <a:noFill/>
+          </a:ln>
+        </p:spPr>
+        <p:style>
+          <a:lnRef idx="2">
+            <a:schemeClr val="accent1">
+              <a:shade val="50000"/>
+            </a:schemeClr>
+          </a:lnRef>
+          <a:fillRef idx="1">
+            <a:schemeClr val="accent1"/>
+          </a:fillRef>
+          <a:effectRef idx="0">
+            <a:schemeClr val="accent1"/>
+          </a:effectRef>
+          <a:fontRef idx="minor">
+            <a:schemeClr val="lt1"/>
+          </a:fontRef>
+        </p:style>
+        <p:txBody>
+          <a:bodyPr rtlCol="0" anchor="ctr"/>
+          <a:lstStyle/>
+          <a:p>
+            <a:pPr algn="ctr"/>
+            <a:endParaRPr lang="en-US"/>
+          </a:p>
+        </p:txBody>
+      </p:sp>
+      <p:grpSp>
+        <p:nvGrpSpPr>
+          <p:cNvPr id="12" name="Group 11">
+            <a:extLst>
+              <a:ext uri="{FF2B5EF4-FFF2-40B4-BE49-F238E27FC236}">
+                <a16:creationId xmlns:a16="http://schemas.microsoft.com/office/drawing/2014/main" id="{1C559108-BBAE-426C-8564-051D2BA6DDC8}"/>
+              </a:ext>
+              <a:ext uri="{C183D7F6-B498-43B3-948B-1728B52AA6E4}">
+                <adec:decorative xmlns:adec="http://schemas.microsoft.com/office/drawing/2017/decorative" val="1"/>
+              </a:ext>
+            </a:extLst>
+          </p:cNvPr>
+          <p:cNvGrpSpPr>
+            <a:grpSpLocks noGrp="1" noUngrp="1" noRot="1" noChangeAspect="1" noMove="1" noResize="1"/>
+          </p:cNvGrpSpPr>
+          <p:nvPr>
+            <p:extLst>
+              <p:ext uri="{386F3935-93C4-4BCD-93E2-E3B085C9AB24}">
+                <p16:designElem xmlns:p16="http://schemas.microsoft.com/office/powerpoint/2015/main" val="1"/>
+              </p:ext>
+            </p:extLst>
+          </p:nvPr>
+        </p:nvGrpSpPr>
+        <p:grpSpPr>
+          <a:xfrm rot="5400000">
+            <a:off x="-2340441" y="2666183"/>
+            <a:ext cx="5860051" cy="527712"/>
+            <a:chOff x="6081624" y="1998368"/>
+            <a:chExt cx="5613457" cy="782175"/>
+          </a:xfrm>
+          <a:solidFill>
+            <a:schemeClr val="accent4"/>
+          </a:solidFill>
+        </p:grpSpPr>
+        <p:sp>
+          <p:nvSpPr>
+            <p:cNvPr id="13" name="Rectangle 12">
+              <a:extLst>
+                <a:ext uri="{FF2B5EF4-FFF2-40B4-BE49-F238E27FC236}">
+                  <a16:creationId xmlns:a16="http://schemas.microsoft.com/office/drawing/2014/main" id="{42BC35EE-6650-42D2-AEFB-4B7CD1AFC9BD}"/>
+                </a:ext>
+                <a:ext uri="{C183D7F6-B498-43B3-948B-1728B52AA6E4}">
+                  <adec:decorative xmlns:adec="http://schemas.microsoft.com/office/drawing/2017/decorative" val="1"/>
+                </a:ext>
+              </a:extLst>
+            </p:cNvPr>
+            <p:cNvSpPr/>
+            <p:nvPr>
+              <p:extLst>
+                <p:ext uri="{386F3935-93C4-4BCD-93E2-E3B085C9AB24}">
+                  <p16:designElem xmlns:p16="http://schemas.microsoft.com/office/powerpoint/2015/main" val="1"/>
+                </p:ext>
+              </p:extLst>
+            </p:nvPr>
+          </p:nvSpPr>
+          <p:spPr>
+            <a:xfrm rot="5400000">
+              <a:off x="11228040" y="2313027"/>
+              <a:ext cx="781700" cy="152382"/>
+            </a:xfrm>
+            <a:prstGeom prst="rect">
+              <a:avLst/>
+            </a:prstGeom>
+            <a:grpFill/>
+            <a:ln>
+              <a:noFill/>
+            </a:ln>
+          </p:spPr>
+          <p:style>
+            <a:lnRef idx="2">
+              <a:schemeClr val="accent1">
+                <a:shade val="50000"/>
+              </a:schemeClr>
+            </a:lnRef>
+            <a:fillRef idx="1">
+              <a:schemeClr val="accent1"/>
+            </a:fillRef>
+            <a:effectRef idx="0">
+              <a:schemeClr val="accent1"/>
+            </a:effectRef>
+            <a:fontRef idx="minor">
+              <a:schemeClr val="lt1"/>
+            </a:fontRef>
+          </p:style>
+          <p:txBody>
+            <a:bodyPr rtlCol="0" anchor="ctr"/>
+            <a:lstStyle/>
+            <a:p>
+              <a:pPr algn="ctr"/>
+              <a:endParaRPr lang="en-US"/>
+            </a:p>
+          </p:txBody>
+        </p:sp>
+        <p:sp>
+          <p:nvSpPr>
+            <p:cNvPr id="14" name="Rectangle 13">
+              <a:extLst>
+                <a:ext uri="{FF2B5EF4-FFF2-40B4-BE49-F238E27FC236}">
+                  <a16:creationId xmlns:a16="http://schemas.microsoft.com/office/drawing/2014/main" id="{0952C743-9049-4DFB-878B-2AB07B6E4FD1}"/>
+                </a:ext>
+                <a:ext uri="{C183D7F6-B498-43B3-948B-1728B52AA6E4}">
+                  <adec:decorative xmlns:adec="http://schemas.microsoft.com/office/drawing/2017/decorative" val="1"/>
+                </a:ext>
+              </a:extLst>
+            </p:cNvPr>
+            <p:cNvSpPr/>
+            <p:nvPr>
+              <p:extLst>
+                <p:ext uri="{386F3935-93C4-4BCD-93E2-E3B085C9AB24}">
+                  <p16:designElem xmlns:p16="http://schemas.microsoft.com/office/powerpoint/2015/main" val="1"/>
+                </p:ext>
+              </p:extLst>
+            </p:nvPr>
+          </p:nvSpPr>
+          <p:spPr>
+            <a:xfrm flipH="1" flipV="1">
+              <a:off x="6081624" y="1998844"/>
+              <a:ext cx="5372968" cy="781699"/>
+            </a:xfrm>
+            <a:prstGeom prst="rect">
+              <a:avLst/>
+            </a:prstGeom>
+            <a:grpFill/>
+            <a:ln>
+              <a:noFill/>
+            </a:ln>
+          </p:spPr>
+          <p:style>
+            <a:lnRef idx="2">
+              <a:schemeClr val="accent1">
+                <a:shade val="50000"/>
+              </a:schemeClr>
+            </a:lnRef>
+            <a:fillRef idx="1">
+              <a:schemeClr val="accent1"/>
+            </a:fillRef>
+            <a:effectRef idx="0">
+              <a:schemeClr val="accent1"/>
+            </a:effectRef>
+            <a:fontRef idx="minor">
+              <a:schemeClr val="lt1"/>
+            </a:fontRef>
+          </p:style>
+          <p:txBody>
+            <a:bodyPr rtlCol="0" anchor="ctr"/>
+            <a:lstStyle/>
+            <a:p>
+              <a:pPr algn="ctr"/>
+              <a:endParaRPr lang="en-US"/>
+            </a:p>
+          </p:txBody>
+        </p:sp>
+      </p:grpSp>
+      <p:sp>
+        <p:nvSpPr>
+          <p:cNvPr id="16" name="Rectangle 15">
+            <a:extLst>
+              <a:ext uri="{FF2B5EF4-FFF2-40B4-BE49-F238E27FC236}">
+                <a16:creationId xmlns:a16="http://schemas.microsoft.com/office/drawing/2014/main" id="{CBC4F608-B4B8-48C3-9572-C0F061B1CD99}"/>
+              </a:ext>
+              <a:ext uri="{C183D7F6-B498-43B3-948B-1728B52AA6E4}">
+                <adec:decorative xmlns:adec="http://schemas.microsoft.com/office/drawing/2017/decorative" val="1"/>
+              </a:ext>
+            </a:extLst>
+          </p:cNvPr>
+          <p:cNvSpPr>
+            <a:spLocks noGrp="1" noRot="1" noChangeAspect="1" noMove="1" noResize="1" noEditPoints="1" noAdjustHandles="1" noChangeArrowheads="1" noChangeShapeType="1" noTextEdit="1"/>
+          </p:cNvSpPr>
+          <p:nvPr>
+            <p:extLst>
+              <p:ext uri="{386F3935-93C4-4BCD-93E2-E3B085C9AB24}">
+                <p16:designElem xmlns:p16="http://schemas.microsoft.com/office/powerpoint/2015/main" val="1"/>
+              </p:ext>
+            </p:extLst>
+          </p:nvPr>
+        </p:nvSpPr>
+        <p:spPr>
+          <a:xfrm>
+            <a:off x="579528" y="922919"/>
+            <a:ext cx="11111729" cy="5461252"/>
+          </a:xfrm>
+          <a:prstGeom prst="rect">
+            <a:avLst/>
+          </a:prstGeom>
+          <a:solidFill>
+            <a:schemeClr val="bg1"/>
+          </a:solidFill>
+          <a:ln>
+            <a:noFill/>
+          </a:ln>
+          <a:effectLst>
+            <a:outerShdw blurRad="139700" dist="127000" dir="5400000" algn="t" rotWithShape="0">
+              <a:prstClr val="black">
+                <a:alpha val="15000"/>
+              </a:prstClr>
+            </a:outerShdw>
+          </a:effectLst>
+        </p:spPr>
+        <p:style>
+          <a:lnRef idx="2">
+            <a:schemeClr val="accent1">
+              <a:shade val="50000"/>
+            </a:schemeClr>
+          </a:lnRef>
+          <a:fillRef idx="1">
+            <a:schemeClr val="accent1"/>
+          </a:fillRef>
+          <a:effectRef idx="0">
+            <a:schemeClr val="accent1"/>
+          </a:effectRef>
+          <a:fontRef idx="minor">
+            <a:schemeClr val="lt1"/>
+          </a:fontRef>
+        </p:style>
+        <p:txBody>
+          <a:bodyPr rtlCol="0" anchor="ctr"/>
+          <a:lstStyle/>
+          <a:p>
+            <a:pPr algn="ctr"/>
+            <a:endParaRPr lang="en-US"/>
+          </a:p>
+        </p:txBody>
+      </p:sp>
+      <p:sp>
+        <p:nvSpPr>
+          <p:cNvPr id="2" name="Title 1">
+            <a:extLst>
+              <a:ext uri="{FF2B5EF4-FFF2-40B4-BE49-F238E27FC236}">
+                <a16:creationId xmlns:a16="http://schemas.microsoft.com/office/drawing/2014/main" id="{2A7BEFF6-8A12-4AF1-98EF-2F3146591D82}"/>
+              </a:ext>
+            </a:extLst>
+          </p:cNvPr>
+          <p:cNvSpPr>
+            <a:spLocks noGrp="1"/>
+          </p:cNvSpPr>
+          <p:nvPr>
+            <p:ph type="title"/>
+          </p:nvPr>
+        </p:nvSpPr>
+        <p:spPr>
+          <a:xfrm>
+            <a:off x="1099425" y="1238081"/>
+            <a:ext cx="4709345" cy="962953"/>
+          </a:xfrm>
+        </p:spPr>
+        <p:txBody>
+          <a:bodyPr anchor="b">
+            <a:normAutofit/>
+          </a:bodyPr>
+          <a:lstStyle/>
+          <a:p>
+            <a:r>
+              <a:rPr lang="en-US" sz="2900"/>
+              <a:t>The Model &amp; Performance Metrics</a:t>
+            </a:r>
+          </a:p>
+        </p:txBody>
+      </p:sp>
+      <p:sp>
+        <p:nvSpPr>
+          <p:cNvPr id="18" name="Rectangle 17">
+            <a:extLst>
+              <a:ext uri="{FF2B5EF4-FFF2-40B4-BE49-F238E27FC236}">
+                <a16:creationId xmlns:a16="http://schemas.microsoft.com/office/drawing/2014/main" id="{1382A32C-5B0C-4B1C-A074-76C6DBCC9F87}"/>
+              </a:ext>
+              <a:ext uri="{C183D7F6-B498-43B3-948B-1728B52AA6E4}">
+                <adec:decorative xmlns:adec="http://schemas.microsoft.com/office/drawing/2017/decorative" val="1"/>
+              </a:ext>
+            </a:extLst>
+          </p:cNvPr>
+          <p:cNvSpPr>
+            <a:spLocks noGrp="1" noRot="1" noChangeAspect="1" noMove="1" noResize="1" noEditPoints="1" noAdjustHandles="1" noChangeArrowheads="1" noChangeShapeType="1" noTextEdit="1"/>
+          </p:cNvSpPr>
+          <p:nvPr>
+            <p:extLst>
+              <p:ext uri="{386F3935-93C4-4BCD-93E2-E3B085C9AB24}">
+                <p16:designElem xmlns:p16="http://schemas.microsoft.com/office/powerpoint/2015/main" val="1"/>
+              </p:ext>
+            </p:extLst>
+          </p:nvPr>
+        </p:nvSpPr>
+        <p:spPr>
+          <a:xfrm flipH="1">
+            <a:off x="1139885" y="2372170"/>
+            <a:ext cx="4389120" cy="27432"/>
+          </a:xfrm>
+          <a:prstGeom prst="rect">
+            <a:avLst/>
+          </a:prstGeom>
+          <a:solidFill>
+            <a:schemeClr val="accent4"/>
+          </a:solidFill>
+          <a:ln>
+            <a:noFill/>
+          </a:ln>
+        </p:spPr>
+        <p:style>
+          <a:lnRef idx="2">
+            <a:schemeClr val="accent1">
+              <a:shade val="50000"/>
+            </a:schemeClr>
+          </a:lnRef>
+          <a:fillRef idx="1">
+            <a:schemeClr val="accent1"/>
+          </a:fillRef>
+          <a:effectRef idx="0">
+            <a:schemeClr val="accent1"/>
+          </a:effectRef>
+          <a:fontRef idx="minor">
+            <a:schemeClr val="lt1"/>
+          </a:fontRef>
+        </p:style>
+        <p:txBody>
+          <a:bodyPr rtlCol="0" anchor="ctr"/>
+          <a:lstStyle/>
+          <a:p>
+            <a:pPr algn="ctr"/>
+            <a:endParaRPr lang="en-US"/>
+          </a:p>
+        </p:txBody>
+      </p:sp>
+      <p:sp>
+        <p:nvSpPr>
+          <p:cNvPr id="3" name="Content Placeholder 2">
+            <a:extLst>
+              <a:ext uri="{FF2B5EF4-FFF2-40B4-BE49-F238E27FC236}">
+                <a16:creationId xmlns:a16="http://schemas.microsoft.com/office/drawing/2014/main" id="{2700BD27-30C5-4F64-8331-78494192D55A}"/>
+              </a:ext>
+            </a:extLst>
+          </p:cNvPr>
+          <p:cNvSpPr>
+            <a:spLocks noGrp="1"/>
+          </p:cNvSpPr>
+          <p:nvPr>
+            <p:ph idx="1"/>
+          </p:nvPr>
+        </p:nvSpPr>
+        <p:spPr>
+          <a:xfrm>
+            <a:off x="1100736" y="2508105"/>
+            <a:ext cx="4709345" cy="3632493"/>
+          </a:xfrm>
+        </p:spPr>
+        <p:txBody>
+          <a:bodyPr anchor="ctr">
+            <a:normAutofit/>
+          </a:bodyPr>
+          <a:lstStyle/>
+          <a:p>
+            <a:r>
+              <a:rPr lang="en-US" sz="2000"/>
+              <a:t>The convolutional neural network we designed for this task had an overall accuracy of 93%</a:t>
+            </a:r>
+          </a:p>
+          <a:p>
+            <a:pPr lvl="1"/>
+            <a:r>
+              <a:rPr lang="en-US" sz="2000"/>
+              <a:t>Final Recall was 96% -- Captured 96% of the patients who actual had pneumonia.</a:t>
+            </a:r>
+          </a:p>
+        </p:txBody>
+      </p:sp>
+      <p:pic>
+        <p:nvPicPr>
+          <p:cNvPr id="5" name="Picture 4" descr="A picture containing treemap chart&#10;&#10;Description automatically generated">
+            <a:extLst>
+              <a:ext uri="{FF2B5EF4-FFF2-40B4-BE49-F238E27FC236}">
+                <a16:creationId xmlns:a16="http://schemas.microsoft.com/office/drawing/2014/main" id="{2AA933B1-AB39-40F6-8E56-67D5EFE8FFC9}"/>
+              </a:ext>
+            </a:extLst>
+          </p:cNvPr>
+          <p:cNvPicPr>
+            <a:picLocks noChangeAspect="1"/>
+          </p:cNvPicPr>
+          <p:nvPr/>
+        </p:nvPicPr>
+        <p:blipFill rotWithShape="1">
+          <a:blip r:embed="rId2">
+            <a:extLst>
+              <a:ext uri="{28A0092B-C50C-407E-A947-70E740481C1C}">
+                <a14:useLocalDpi xmlns:a14="http://schemas.microsoft.com/office/drawing/2010/main" val="0"/>
+              </a:ext>
+            </a:extLst>
+          </a:blip>
+          <a:srcRect l="327" r="3279" b="3"/>
+          <a:stretch/>
+        </p:blipFill>
+        <p:spPr>
+          <a:xfrm>
+            <a:off x="6388298" y="852142"/>
+            <a:ext cx="4929098" cy="4756870"/>
+          </a:xfrm>
+          <a:prstGeom prst="rect">
+            <a:avLst/>
+          </a:prstGeom>
+        </p:spPr>
+      </p:pic>
+    </p:spTree>
+    <p:extLst>
+      <p:ext uri="{BB962C8B-B14F-4D97-AF65-F5344CB8AC3E}">
+        <p14:creationId xmlns:p14="http://schemas.microsoft.com/office/powerpoint/2010/main" val="99403342"/>
+      </p:ext>
+    </p:extLst>
+  </p:cSld>
+  <p:clrMapOvr>
+    <a:masterClrMapping/>
+  </p:clrMapOvr>
+</p:sld>
+</file>
+
+<file path=ppt/slides/slide7.xml><?xml version="1.0" encoding="utf-8"?>
+<p:sld xmlns:a="http://schemas.openxmlformats.org/drawingml/2006/main" xmlns:r="http://schemas.openxmlformats.org/officeDocument/2006/relationships" xmlns:p="http://schemas.openxmlformats.org/presentationml/2006/main">
+  <p:cSld>
+    <p:bg>
+      <p:bgPr>
+        <a:solidFill>
+          <a:schemeClr val="bg1"/>
+        </a:solidFill>
+        <a:effectLst/>
+      </p:bgPr>
+    </p:bg>
+    <p:spTree>
+      <p:nvGrpSpPr>
+        <p:cNvPr id="1" name=""/>
+        <p:cNvGrpSpPr/>
+        <p:nvPr/>
+      </p:nvGrpSpPr>
+      <p:grpSpPr>
+        <a:xfrm>
+          <a:off x="0" y="0"/>
+          <a:ext cx="0" cy="0"/>
+          <a:chOff x="0" y="0"/>
+          <a:chExt cx="0" cy="0"/>
+        </a:xfrm>
+      </p:grpSpPr>
+      <p:sp useBgFill="1">
+        <p:nvSpPr>
+          <p:cNvPr id="26" name="Rectangle 25">
+            <a:extLst>
+              <a:ext uri="{FF2B5EF4-FFF2-40B4-BE49-F238E27FC236}">
+                <a16:creationId xmlns:a16="http://schemas.microsoft.com/office/drawing/2014/main" id="{201CC55D-ED54-4C5C-95E6-10947BD1103B}"/>
+              </a:ext>
+              <a:ext uri="{C183D7F6-B498-43B3-948B-1728B52AA6E4}">
+                <adec:decorative xmlns:adec="http://schemas.microsoft.com/office/drawing/2017/decorative" val="1"/>
+              </a:ext>
+            </a:extLst>
+          </p:cNvPr>
+          <p:cNvSpPr>
+            <a:spLocks noGrp="1" noRot="1" noChangeAspect="1" noMove="1" noResize="1" noEditPoints="1" noAdjustHandles="1" noChangeArrowheads="1" noChangeShapeType="1" noTextEdit="1"/>
+          </p:cNvSpPr>
+          <p:nvPr>
+            <p:extLst>
+              <p:ext uri="{386F3935-93C4-4BCD-93E2-E3B085C9AB24}">
+                <p16:designElem xmlns:p16="http://schemas.microsoft.com/office/powerpoint/2015/main" val="1"/>
+              </p:ext>
+            </p:extLst>
+          </p:nvPr>
+        </p:nvSpPr>
+        <p:spPr>
+          <a:xfrm>
+            <a:off x="0" y="0"/>
+            <a:ext cx="12191999" cy="6857365"/>
+          </a:xfrm>
+          <a:prstGeom prst="rect">
+            <a:avLst/>
+          </a:prstGeom>
+          <a:ln>
+            <a:noFill/>
+          </a:ln>
+        </p:spPr>
+        <p:style>
+          <a:lnRef idx="2">
+            <a:schemeClr val="accent1">
+              <a:shade val="50000"/>
+            </a:schemeClr>
+          </a:lnRef>
+          <a:fillRef idx="1">
+            <a:schemeClr val="accent1"/>
+          </a:fillRef>
+          <a:effectRef idx="0">
+            <a:schemeClr val="accent1"/>
+          </a:effectRef>
+          <a:fontRef idx="minor">
+            <a:schemeClr val="lt1"/>
+          </a:fontRef>
+        </p:style>
+        <p:txBody>
+          <a:bodyPr rtlCol="0" anchor="ctr"/>
+          <a:lstStyle/>
+          <a:p>
+            <a:pPr algn="ctr"/>
+            <a:endParaRPr lang="en-US"/>
+          </a:p>
+        </p:txBody>
+      </p:sp>
+      <p:sp>
+        <p:nvSpPr>
+          <p:cNvPr id="2" name="Title 1">
+            <a:extLst>
+              <a:ext uri="{FF2B5EF4-FFF2-40B4-BE49-F238E27FC236}">
+                <a16:creationId xmlns:a16="http://schemas.microsoft.com/office/drawing/2014/main" id="{4039E0BE-F80F-42F2-8718-A61413637780}"/>
+              </a:ext>
+            </a:extLst>
+          </p:cNvPr>
+          <p:cNvSpPr>
+            <a:spLocks noGrp="1"/>
+          </p:cNvSpPr>
+          <p:nvPr>
+            <p:ph type="title"/>
+          </p:nvPr>
+        </p:nvSpPr>
+        <p:spPr>
+          <a:xfrm>
+            <a:off x="589560" y="856180"/>
+            <a:ext cx="4560584" cy="1128068"/>
+          </a:xfrm>
+        </p:spPr>
+        <p:txBody>
+          <a:bodyPr anchor="ctr">
+            <a:normAutofit/>
+          </a:bodyPr>
+          <a:lstStyle/>
+          <a:p>
+            <a:r>
+              <a:rPr lang="en-US" sz="3700" dirty="0"/>
+              <a:t>A Glimpse Under The Hood</a:t>
+            </a:r>
+          </a:p>
+        </p:txBody>
+      </p:sp>
+      <p:grpSp>
+        <p:nvGrpSpPr>
+          <p:cNvPr id="28" name="Group 27">
+            <a:extLst>
+              <a:ext uri="{FF2B5EF4-FFF2-40B4-BE49-F238E27FC236}">
+                <a16:creationId xmlns:a16="http://schemas.microsoft.com/office/drawing/2014/main" id="{1DE889C7-FAD6-4397-98E2-05D503484459}"/>
+              </a:ext>
+              <a:ext uri="{C183D7F6-B498-43B3-948B-1728B52AA6E4}">
+                <adec:decorative xmlns:adec="http://schemas.microsoft.com/office/drawing/2017/decorative" val="1"/>
+              </a:ext>
+            </a:extLst>
+          </p:cNvPr>
+          <p:cNvGrpSpPr>
+            <a:grpSpLocks noGrp="1" noUngrp="1" noRot="1" noChangeAspect="1" noMove="1" noResize="1"/>
+          </p:cNvGrpSpPr>
+          <p:nvPr>
+            <p:extLst>
+              <p:ext uri="{386F3935-93C4-4BCD-93E2-E3B085C9AB24}">
+                <p16:designElem xmlns:p16="http://schemas.microsoft.com/office/powerpoint/2015/main" val="1"/>
+              </p:ext>
+            </p:extLst>
+          </p:nvPr>
+        </p:nvGrpSpPr>
+        <p:grpSpPr>
+          <a:xfrm>
+            <a:off x="0" y="1083484"/>
+            <a:ext cx="355196" cy="673460"/>
+            <a:chOff x="0" y="823811"/>
+            <a:chExt cx="355196" cy="673460"/>
+          </a:xfrm>
+        </p:grpSpPr>
+        <p:sp>
+          <p:nvSpPr>
+            <p:cNvPr id="29" name="Rectangle 28">
+              <a:extLst>
+                <a:ext uri="{FF2B5EF4-FFF2-40B4-BE49-F238E27FC236}">
+                  <a16:creationId xmlns:a16="http://schemas.microsoft.com/office/drawing/2014/main" id="{F399A70F-F8CD-4992-9EF5-6CF15472E73F}"/>
+                </a:ext>
+                <a:ext uri="{C183D7F6-B498-43B3-948B-1728B52AA6E4}">
+                  <adec:decorative xmlns:adec="http://schemas.microsoft.com/office/drawing/2017/decorative" val="1"/>
+                </a:ext>
+              </a:extLst>
+            </p:cNvPr>
+            <p:cNvSpPr/>
+            <p:nvPr>
+              <p:extLst>
+                <p:ext uri="{386F3935-93C4-4BCD-93E2-E3B085C9AB24}">
+                  <p16:designElem xmlns:p16="http://schemas.microsoft.com/office/powerpoint/2015/main" val="1"/>
+                </p:ext>
+              </p:extLst>
+            </p:nvPr>
+          </p:nvSpPr>
+          <p:spPr>
+            <a:xfrm>
+              <a:off x="0" y="823811"/>
+              <a:ext cx="87363" cy="673460"/>
+            </a:xfrm>
+            <a:prstGeom prst="rect">
+              <a:avLst/>
+            </a:prstGeom>
+            <a:solidFill>
+              <a:schemeClr val="accent4"/>
+            </a:solidFill>
+            <a:ln>
+              <a:noFill/>
+            </a:ln>
+          </p:spPr>
+          <p:style>
+            <a:lnRef idx="2">
+              <a:schemeClr val="accent1">
+                <a:shade val="50000"/>
+              </a:schemeClr>
+            </a:lnRef>
+            <a:fillRef idx="1">
+              <a:schemeClr val="accent1"/>
+            </a:fillRef>
+            <a:effectRef idx="0">
+              <a:schemeClr val="accent1"/>
+            </a:effectRef>
+            <a:fontRef idx="minor">
+              <a:schemeClr val="lt1"/>
+            </a:fontRef>
+          </p:style>
+          <p:txBody>
+            <a:bodyPr rtlCol="0" anchor="ctr"/>
+            <a:lstStyle/>
+            <a:p>
+              <a:pPr algn="ctr"/>
+              <a:endParaRPr lang="en-US"/>
+            </a:p>
+          </p:txBody>
+        </p:sp>
+        <p:sp>
+          <p:nvSpPr>
+            <p:cNvPr id="30" name="Rectangle 29">
+              <a:extLst>
+                <a:ext uri="{FF2B5EF4-FFF2-40B4-BE49-F238E27FC236}">
+                  <a16:creationId xmlns:a16="http://schemas.microsoft.com/office/drawing/2014/main" id="{48F4FEDC-6D80-458C-A665-075D9B9500FD}"/>
+                </a:ext>
+                <a:ext uri="{C183D7F6-B498-43B3-948B-1728B52AA6E4}">
+                  <adec:decorative xmlns:adec="http://schemas.microsoft.com/office/drawing/2017/decorative" val="1"/>
+                </a:ext>
+              </a:extLst>
+            </p:cNvPr>
+            <p:cNvSpPr/>
+            <p:nvPr>
+              <p:extLst>
+                <p:ext uri="{386F3935-93C4-4BCD-93E2-E3B085C9AB24}">
+                  <p16:designElem xmlns:p16="http://schemas.microsoft.com/office/powerpoint/2015/main" val="1"/>
+                </p:ext>
+              </p:extLst>
+            </p:nvPr>
+          </p:nvSpPr>
+          <p:spPr>
+            <a:xfrm>
+              <a:off x="159341" y="823811"/>
+              <a:ext cx="195855" cy="673460"/>
+            </a:xfrm>
+            <a:prstGeom prst="rect">
+              <a:avLst/>
+            </a:prstGeom>
+            <a:solidFill>
+              <a:schemeClr val="accent4"/>
+            </a:solidFill>
+            <a:ln>
+              <a:noFill/>
+            </a:ln>
+          </p:spPr>
+          <p:style>
+            <a:lnRef idx="2">
+              <a:schemeClr val="accent1">
+                <a:shade val="50000"/>
+              </a:schemeClr>
+            </a:lnRef>
+            <a:fillRef idx="1">
+              <a:schemeClr val="accent1"/>
+            </a:fillRef>
+            <a:effectRef idx="0">
+              <a:schemeClr val="accent1"/>
+            </a:effectRef>
+            <a:fontRef idx="minor">
+              <a:schemeClr val="lt1"/>
+            </a:fontRef>
+          </p:style>
+          <p:txBody>
+            <a:bodyPr rtlCol="0" anchor="ctr"/>
+            <a:lstStyle/>
+            <a:p>
+              <a:pPr algn="ctr"/>
+              <a:endParaRPr lang="en-US"/>
+            </a:p>
+          </p:txBody>
+        </p:sp>
+      </p:grpSp>
+      <p:sp>
+        <p:nvSpPr>
+          <p:cNvPr id="32" name="Rectangle 31">
+            <a:extLst>
+              <a:ext uri="{FF2B5EF4-FFF2-40B4-BE49-F238E27FC236}">
+                <a16:creationId xmlns:a16="http://schemas.microsoft.com/office/drawing/2014/main" id="{3873B707-463F-40B0-8227-E8CC6C67EB25}"/>
+              </a:ext>
+              <a:ext uri="{C183D7F6-B498-43B3-948B-1728B52AA6E4}">
+                <adec:decorative xmlns:adec="http://schemas.microsoft.com/office/drawing/2017/decorative" val="1"/>
+              </a:ext>
+            </a:extLst>
+          </p:cNvPr>
+          <p:cNvSpPr>
+            <a:spLocks noGrp="1" noRot="1" noChangeAspect="1" noMove="1" noResize="1" noEditPoints="1" noAdjustHandles="1" noChangeArrowheads="1" noChangeShapeType="1" noTextEdit="1"/>
+          </p:cNvSpPr>
+          <p:nvPr>
+            <p:extLst>
+              <p:ext uri="{386F3935-93C4-4BCD-93E2-E3B085C9AB24}">
+                <p16:designElem xmlns:p16="http://schemas.microsoft.com/office/powerpoint/2015/main" val="1"/>
+              </p:ext>
+            </p:extLst>
+          </p:nvPr>
+        </p:nvSpPr>
+        <p:spPr>
+          <a:xfrm flipH="1">
+            <a:off x="665085" y="2090569"/>
+            <a:ext cx="4297680" cy="27432"/>
+          </a:xfrm>
+          <a:prstGeom prst="rect">
+            <a:avLst/>
+          </a:prstGeom>
+          <a:solidFill>
+            <a:schemeClr val="accent4"/>
+          </a:solidFill>
+          <a:ln>
+            <a:noFill/>
+          </a:ln>
+        </p:spPr>
+        <p:style>
+          <a:lnRef idx="2">
+            <a:schemeClr val="accent1">
+              <a:shade val="50000"/>
+            </a:schemeClr>
+          </a:lnRef>
+          <a:fillRef idx="1">
+            <a:schemeClr val="accent1"/>
+          </a:fillRef>
+          <a:effectRef idx="0">
+            <a:schemeClr val="accent1"/>
+          </a:effectRef>
+          <a:fontRef idx="minor">
+            <a:schemeClr val="lt1"/>
+          </a:fontRef>
+        </p:style>
+        <p:txBody>
+          <a:bodyPr rtlCol="0" anchor="ctr"/>
+          <a:lstStyle/>
+          <a:p>
+            <a:pPr algn="ctr"/>
+            <a:endParaRPr lang="en-US"/>
+          </a:p>
+        </p:txBody>
+      </p:sp>
+      <p:sp>
+        <p:nvSpPr>
+          <p:cNvPr id="3" name="Content Placeholder 2">
+            <a:extLst>
+              <a:ext uri="{FF2B5EF4-FFF2-40B4-BE49-F238E27FC236}">
+                <a16:creationId xmlns:a16="http://schemas.microsoft.com/office/drawing/2014/main" id="{7586E27F-0A5A-494D-891D-6D9C25DADB4B}"/>
+              </a:ext>
+            </a:extLst>
+          </p:cNvPr>
+          <p:cNvSpPr>
+            <a:spLocks noGrp="1"/>
+          </p:cNvSpPr>
+          <p:nvPr>
+            <p:ph idx="1"/>
+          </p:nvPr>
+        </p:nvSpPr>
+        <p:spPr>
+          <a:xfrm>
+            <a:off x="1305864" y="2625047"/>
+            <a:ext cx="3127975" cy="2777826"/>
+          </a:xfrm>
+        </p:spPr>
+        <p:txBody>
+          <a:bodyPr anchor="t">
+            <a:normAutofit/>
+          </a:bodyPr>
+          <a:lstStyle/>
+          <a:p>
+            <a:r>
+              <a:rPr lang="en-US" sz="1800" dirty="0"/>
+              <a:t>These images are what layer activations that give some insight into what the model has extracted from the X-Rays in order to make its classifications. </a:t>
+            </a:r>
+          </a:p>
+          <a:p>
+            <a:r>
+              <a:rPr lang="en-US" sz="1800" dirty="0"/>
+              <a:t>The CNN is hosted  at </a:t>
+            </a:r>
+            <a:r>
+              <a:rPr lang="en-US" sz="1800" dirty="0">
+                <a:hlinkClick r:id="rId2"/>
+              </a:rPr>
+              <a:t>mod4-dash.herokuapp.com </a:t>
+            </a:r>
+            <a:r>
+              <a:rPr lang="en-US" sz="1800" dirty="0"/>
+              <a:t>Go test it out on your own x-rays!</a:t>
+            </a:r>
+          </a:p>
+          <a:p>
+            <a:endParaRPr lang="en-US" sz="1800" dirty="0"/>
+          </a:p>
+          <a:p>
+            <a:endParaRPr lang="en-US" sz="1800" dirty="0"/>
+          </a:p>
+        </p:txBody>
+      </p:sp>
+      <p:sp>
+        <p:nvSpPr>
+          <p:cNvPr id="34" name="Rectangle 33">
+            <a:extLst>
+              <a:ext uri="{FF2B5EF4-FFF2-40B4-BE49-F238E27FC236}">
+                <a16:creationId xmlns:a16="http://schemas.microsoft.com/office/drawing/2014/main" id="{C13237C8-E62C-4F0D-A318-BD6FB6C2D138}"/>
+              </a:ext>
+              <a:ext uri="{C183D7F6-B498-43B3-948B-1728B52AA6E4}">
+                <adec:decorative xmlns:adec="http://schemas.microsoft.com/office/drawing/2017/decorative" val="1"/>
+              </a:ext>
+            </a:extLst>
+          </p:cNvPr>
+          <p:cNvSpPr>
+            <a:spLocks noGrp="1" noRot="1" noChangeAspect="1" noMove="1" noResize="1" noEditPoints="1" noAdjustHandles="1" noChangeArrowheads="1" noChangeShapeType="1" noTextEdit="1"/>
+          </p:cNvSpPr>
+          <p:nvPr>
+            <p:extLst>
+              <p:ext uri="{386F3935-93C4-4BCD-93E2-E3B085C9AB24}">
+                <p16:designElem xmlns:p16="http://schemas.microsoft.com/office/powerpoint/2015/main" val="1"/>
+              </p:ext>
+            </p:extLst>
+          </p:nvPr>
+        </p:nvSpPr>
+        <p:spPr>
+          <a:xfrm flipH="1">
+            <a:off x="10697670" y="0"/>
+            <a:ext cx="1494330" cy="6858000"/>
+          </a:xfrm>
+          <a:prstGeom prst="rect">
+            <a:avLst/>
+          </a:prstGeom>
+          <a:solidFill>
+            <a:schemeClr val="accent4"/>
+          </a:solidFill>
+          <a:ln>
+            <a:noFill/>
+          </a:ln>
+        </p:spPr>
+        <p:style>
+          <a:lnRef idx="2">
+            <a:schemeClr val="accent1">
+              <a:shade val="50000"/>
+            </a:schemeClr>
+          </a:lnRef>
+          <a:fillRef idx="1">
+            <a:schemeClr val="accent1"/>
+          </a:fillRef>
+          <a:effectRef idx="0">
+            <a:schemeClr val="accent1"/>
+          </a:effectRef>
+          <a:fontRef idx="minor">
+            <a:schemeClr val="lt1"/>
+          </a:fontRef>
+        </p:style>
+        <p:txBody>
+          <a:bodyPr rtlCol="0" anchor="ctr"/>
+          <a:lstStyle/>
+          <a:p>
+            <a:pPr algn="ctr"/>
+            <a:endParaRPr lang="en-US"/>
+          </a:p>
+        </p:txBody>
+      </p:sp>
+      <p:sp>
+        <p:nvSpPr>
+          <p:cNvPr id="36" name="Rectangle 35">
+            <a:extLst>
+              <a:ext uri="{FF2B5EF4-FFF2-40B4-BE49-F238E27FC236}">
+                <a16:creationId xmlns:a16="http://schemas.microsoft.com/office/drawing/2014/main" id="{19C9EAEA-39D0-4B0E-A0EB-51E7B26740B1}"/>
+              </a:ext>
+              <a:ext uri="{C183D7F6-B498-43B3-948B-1728B52AA6E4}">
+                <adec:decorative xmlns:adec="http://schemas.microsoft.com/office/drawing/2017/decorative" val="1"/>
+              </a:ext>
+            </a:extLst>
+          </p:cNvPr>
+          <p:cNvSpPr>
+            <a:spLocks noGrp="1" noRot="1" noChangeAspect="1" noMove="1" noResize="1" noEditPoints="1" noAdjustHandles="1" noChangeArrowheads="1" noChangeShapeType="1" noTextEdit="1"/>
+          </p:cNvSpPr>
+          <p:nvPr>
+            <p:extLst>
+              <p:ext uri="{386F3935-93C4-4BCD-93E2-E3B085C9AB24}">
+                <p16:designElem xmlns:p16="http://schemas.microsoft.com/office/powerpoint/2015/main" val="1"/>
+              </p:ext>
+            </p:extLst>
+          </p:nvPr>
+        </p:nvSpPr>
+        <p:spPr>
+          <a:xfrm>
+            <a:off x="5685810" y="513853"/>
+            <a:ext cx="6009366" cy="5834577"/>
+          </a:xfrm>
+          <a:prstGeom prst="rect">
+            <a:avLst/>
+          </a:prstGeom>
+          <a:solidFill>
+            <a:schemeClr val="bg1"/>
+          </a:solidFill>
+          <a:ln>
+            <a:noFill/>
+          </a:ln>
+          <a:effectLst>
+            <a:outerShdw blurRad="139700" dist="127000" dir="5400000" algn="t" rotWithShape="0">
+              <a:prstClr val="black">
+                <a:alpha val="15000"/>
+              </a:prstClr>
+            </a:outerShdw>
+          </a:effectLst>
+        </p:spPr>
+        <p:style>
+          <a:lnRef idx="2">
+            <a:schemeClr val="accent1">
+              <a:shade val="50000"/>
+            </a:schemeClr>
+          </a:lnRef>
+          <a:fillRef idx="1">
+            <a:schemeClr val="accent1"/>
+          </a:fillRef>
+          <a:effectRef idx="0">
+            <a:schemeClr val="accent1"/>
+          </a:effectRef>
+          <a:fontRef idx="minor">
+            <a:schemeClr val="lt1"/>
+          </a:fontRef>
+        </p:style>
+        <p:txBody>
+          <a:bodyPr rtlCol="0" anchor="ctr"/>
+          <a:lstStyle/>
+          <a:p>
+            <a:pPr algn="ctr"/>
+            <a:endParaRPr lang="en-US"/>
+          </a:p>
+        </p:txBody>
+      </p:sp>
+      <p:pic>
+        <p:nvPicPr>
+          <p:cNvPr id="4" name="Content Placeholder 4" descr="A picture containing window, train, pink, painted&#10;&#10;Description automatically generated">
+            <a:extLst>
+              <a:ext uri="{FF2B5EF4-FFF2-40B4-BE49-F238E27FC236}">
+                <a16:creationId xmlns:a16="http://schemas.microsoft.com/office/drawing/2014/main" id="{41F7653C-CD4B-4B43-9039-3F2D9972C0FD}"/>
+              </a:ext>
+            </a:extLst>
+          </p:cNvPr>
+          <p:cNvPicPr>
+            <a:picLocks noChangeAspect="1"/>
+          </p:cNvPicPr>
+          <p:nvPr/>
+        </p:nvPicPr>
+        <p:blipFill rotWithShape="1">
+          <a:blip r:embed="rId3">
+            <a:extLst>
+              <a:ext uri="{28A0092B-C50C-407E-A947-70E740481C1C}">
+                <a14:useLocalDpi xmlns:a14="http://schemas.microsoft.com/office/drawing/2010/main" val="0"/>
+              </a:ext>
+            </a:extLst>
+          </a:blip>
+          <a:srcRect r="4" b="67"/>
+          <a:stretch/>
+        </p:blipFill>
+        <p:spPr>
+          <a:xfrm>
+            <a:off x="5977788" y="799352"/>
+            <a:ext cx="5425410" cy="5259296"/>
+          </a:xfrm>
+          <a:prstGeom prst="rect">
+            <a:avLst/>
+          </a:prstGeom>
+        </p:spPr>
+      </p:pic>
+    </p:spTree>
+    <p:extLst>
+      <p:ext uri="{BB962C8B-B14F-4D97-AF65-F5344CB8AC3E}">
+        <p14:creationId xmlns:p14="http://schemas.microsoft.com/office/powerpoint/2010/main" val="1689214189"/>
+      </p:ext>
+    </p:extLst>
+  </p:cSld>
+  <p:clrMapOvr>
+    <a:masterClrMapping/>
+  </p:clrMapOvr>
+</p:sld>
+</file>
+
+<file path=ppt/slides/slide8.xml><?xml version="1.0" encoding="utf-8"?>
+<p:sld xmlns:a="http://schemas.openxmlformats.org/drawingml/2006/main" xmlns:r="http://schemas.openxmlformats.org/officeDocument/2006/relationships" xmlns:p="http://schemas.openxmlformats.org/presentationml/2006/main">
+  <p:cSld>
+    <p:bg>
+      <p:bgPr>
+        <a:solidFill>
+          <a:schemeClr val="bg1"/>
+        </a:solidFill>
+        <a:effectLst/>
+      </p:bgPr>
+    </p:bg>
+    <p:spTree>
+      <p:nvGrpSpPr>
+        <p:cNvPr id="1" name=""/>
+        <p:cNvGrpSpPr/>
+        <p:nvPr/>
+      </p:nvGrpSpPr>
+      <p:grpSpPr>
+        <a:xfrm>
+          <a:off x="0" y="0"/>
+          <a:ext cx="0" cy="0"/>
+          <a:chOff x="0" y="0"/>
+          <a:chExt cx="0" cy="0"/>
+        </a:xfrm>
+      </p:grpSpPr>
+      <p:sp>
+        <p:nvSpPr>
+          <p:cNvPr id="10" name="Rectangle 9">
+            <a:extLst>
+              <a:ext uri="{FF2B5EF4-FFF2-40B4-BE49-F238E27FC236}">
+                <a16:creationId xmlns:a16="http://schemas.microsoft.com/office/drawing/2014/main" id="{35555856-9970-4BC3-9AA9-6A917F53AFBD}"/>
+              </a:ext>
+              <a:ext uri="{C183D7F6-B498-43B3-948B-1728B52AA6E4}">
+                <adec:decorative xmlns:adec="http://schemas.microsoft.com/office/drawing/2017/decorative" val="1"/>
+              </a:ext>
+            </a:extLst>
+          </p:cNvPr>
+          <p:cNvSpPr>
+            <a:spLocks noGrp="1" noRot="1" noChangeAspect="1" noMove="1" noResize="1" noEditPoints="1" noAdjustHandles="1" noChangeArrowheads="1" noChangeShapeType="1" noTextEdit="1"/>
+          </p:cNvSpPr>
+          <p:nvPr>
+            <p:extLst>
+              <p:ext uri="{386F3935-93C4-4BCD-93E2-E3B085C9AB24}">
+                <p16:designElem xmlns:p16="http://schemas.microsoft.com/office/powerpoint/2015/main" val="1"/>
+              </p:ext>
+            </p:extLst>
+          </p:nvPr>
+        </p:nvSpPr>
+        <p:spPr>
+          <a:xfrm flipH="1">
+            <a:off x="0" y="0"/>
+            <a:ext cx="6421721" cy="6858000"/>
+          </a:xfrm>
+          <a:prstGeom prst="rect">
+            <a:avLst/>
+          </a:prstGeom>
+          <a:gradFill>
+            <a:gsLst>
+              <a:gs pos="0">
+                <a:schemeClr val="accent1">
+                  <a:lumMod val="100000"/>
+                  <a:alpha val="82000"/>
+                </a:schemeClr>
+              </a:gs>
+              <a:gs pos="25000">
+                <a:schemeClr val="accent1">
+                  <a:alpha val="60000"/>
+                </a:schemeClr>
+              </a:gs>
+              <a:gs pos="94000">
+                <a:schemeClr val="bg2">
+                  <a:lumMod val="75000"/>
+                </a:schemeClr>
+              </a:gs>
+              <a:gs pos="100000">
+                <a:schemeClr val="bg2">
+                  <a:lumMod val="75000"/>
+                </a:schemeClr>
+              </a:gs>
+            </a:gsLst>
+            <a:lin ang="4200000" scaled="0"/>
+          </a:gradFill>
+          <a:ln>
+            <a:noFill/>
+          </a:ln>
+        </p:spPr>
+        <p:style>
+          <a:lnRef idx="2">
+            <a:schemeClr val="accent1">
+              <a:shade val="50000"/>
+            </a:schemeClr>
+          </a:lnRef>
+          <a:fillRef idx="1">
+            <a:schemeClr val="accent1"/>
+          </a:fillRef>
+          <a:effectRef idx="0">
+            <a:schemeClr val="accent1"/>
+          </a:effectRef>
+          <a:fontRef idx="minor">
+            <a:schemeClr val="lt1"/>
+          </a:fontRef>
+        </p:style>
+        <p:txBody>
+          <a:bodyPr rtlCol="0" anchor="ctr"/>
+          <a:lstStyle/>
+          <a:p>
+            <a:pPr algn="ctr"/>
+            <a:endParaRPr lang="en-US"/>
+          </a:p>
+        </p:txBody>
+      </p:sp>
+      <p:pic>
+        <p:nvPicPr>
+          <p:cNvPr id="12" name="Picture 11">
+            <a:extLst>
+              <a:ext uri="{FF2B5EF4-FFF2-40B4-BE49-F238E27FC236}">
+                <a16:creationId xmlns:a16="http://schemas.microsoft.com/office/drawing/2014/main" id="{7F487851-BFAF-46D8-A1ED-50CAD6E46F59}"/>
+              </a:ext>
+              <a:ext uri="{C183D7F6-B498-43B3-948B-1728B52AA6E4}">
+                <adec:decorative xmlns:adec="http://schemas.microsoft.com/office/drawing/2017/decorative" val="1"/>
+              </a:ext>
+            </a:extLst>
+          </p:cNvPr>
+          <p:cNvPicPr>
+            <a:picLocks noGrp="1" noRot="1" noChangeAspect="1" noMove="1" noResize="1" noEditPoints="1" noAdjustHandles="1" noChangeArrowheads="1" noChangeShapeType="1" noCrop="1"/>
+          </p:cNvPicPr>
+          <p:nvPr>
+            <p:extLst>
+              <p:ext uri="{386F3935-93C4-4BCD-93E2-E3B085C9AB24}">
+                <p16:designElem xmlns:p16="http://schemas.microsoft.com/office/powerpoint/2015/main" val="1"/>
+              </p:ext>
+            </p:extLst>
+          </p:nvPr>
+        </p:nvPicPr>
+        <p:blipFill>
+          <a:blip r:embed="rId2">
+            <a:extLst>
+              <a:ext uri="{28A0092B-C50C-407E-A947-70E740481C1C}">
+                <a14:useLocalDpi xmlns:a14="http://schemas.microsoft.com/office/drawing/2010/main" val="0"/>
+              </a:ext>
+            </a:extLst>
+          </a:blip>
+          <a:stretch>
+            <a:fillRect/>
+          </a:stretch>
+        </p:blipFill>
+        <p:spPr>
+          <a:xfrm>
+            <a:off x="0" y="0"/>
+            <a:ext cx="12192000" cy="6858000"/>
+          </a:xfrm>
+          <a:prstGeom prst="rect">
+            <a:avLst/>
+          </a:prstGeom>
+        </p:spPr>
+      </p:pic>
+      <p:sp>
+        <p:nvSpPr>
+          <p:cNvPr id="2" name="Title 1">
+            <a:extLst>
+              <a:ext uri="{FF2B5EF4-FFF2-40B4-BE49-F238E27FC236}">
+                <a16:creationId xmlns:a16="http://schemas.microsoft.com/office/drawing/2014/main" id="{DC13874D-8C70-43D5-B35A-58AA92C57AD6}"/>
+              </a:ext>
+            </a:extLst>
+          </p:cNvPr>
+          <p:cNvSpPr>
+            <a:spLocks noGrp="1"/>
+          </p:cNvSpPr>
+          <p:nvPr>
+            <p:ph type="title"/>
+          </p:nvPr>
+        </p:nvSpPr>
+        <p:spPr>
+          <a:xfrm>
+            <a:off x="6590662" y="4267832"/>
+            <a:ext cx="4805996" cy="1297115"/>
+          </a:xfrm>
+        </p:spPr>
+        <p:txBody>
+          <a:bodyPr vert="horz" lIns="91440" tIns="45720" rIns="91440" bIns="45720" rtlCol="0" anchor="t">
+            <a:normAutofit/>
+          </a:bodyPr>
+          <a:lstStyle/>
+          <a:p>
+            <a:r>
+              <a:rPr lang="en-US" kern="1200">
+                <a:solidFill>
+                  <a:srgbClr val="000000"/>
+                </a:solidFill>
+                <a:latin typeface="+mj-lt"/>
+                <a:ea typeface="+mj-ea"/>
+                <a:cs typeface="+mj-cs"/>
+              </a:rPr>
+              <a:t>Thank you </a:t>
+            </a:r>
+          </a:p>
+        </p:txBody>
+      </p:sp>
+      <p:sp>
+        <p:nvSpPr>
+          <p:cNvPr id="14" name="Freeform 50">
+            <a:extLst>
+              <a:ext uri="{FF2B5EF4-FFF2-40B4-BE49-F238E27FC236}">
+                <a16:creationId xmlns:a16="http://schemas.microsoft.com/office/drawing/2014/main" id="{13722DD7-BA73-4776-93A3-94491FEF7260}"/>
+              </a:ext>
+              <a:ext uri="{C183D7F6-B498-43B3-948B-1728B52AA6E4}">
+                <adec:decorative xmlns:adec="http://schemas.microsoft.com/office/drawing/2017/decorative" val="1"/>
+              </a:ext>
+            </a:extLst>
+          </p:cNvPr>
+          <p:cNvSpPr>
+            <a:spLocks noGrp="1" noRot="1" noChangeAspect="1" noMove="1" noResize="1" noEditPoints="1" noAdjustHandles="1" noChangeArrowheads="1" noChangeShapeType="1" noTextEdit="1"/>
+          </p:cNvSpPr>
+          <p:nvPr>
+            <p:extLst>
+              <p:ext uri="{386F3935-93C4-4BCD-93E2-E3B085C9AB24}">
+                <p16:designElem xmlns:p16="http://schemas.microsoft.com/office/powerpoint/2015/main" val="1"/>
+              </p:ext>
+            </p:extLst>
+          </p:nvPr>
+        </p:nvSpPr>
+        <p:spPr>
+          <a:xfrm flipH="1">
+            <a:off x="0" y="581159"/>
+            <a:ext cx="5464879" cy="6276841"/>
+          </a:xfrm>
+          <a:custGeom>
+            <a:avLst/>
+            <a:gdLst>
+              <a:gd name="connsiteX0" fmla="*/ 3299930 w 5464879"/>
+              <a:gd name="connsiteY0" fmla="*/ 0 h 6276841"/>
+              <a:gd name="connsiteX1" fmla="*/ 5398992 w 5464879"/>
+              <a:gd name="connsiteY1" fmla="*/ 753544 h 6276841"/>
+              <a:gd name="connsiteX2" fmla="*/ 5464879 w 5464879"/>
+              <a:gd name="connsiteY2" fmla="*/ 813426 h 6276841"/>
+              <a:gd name="connsiteX3" fmla="*/ 5464879 w 5464879"/>
+              <a:gd name="connsiteY3" fmla="*/ 5786434 h 6276841"/>
+              <a:gd name="connsiteX4" fmla="*/ 5398992 w 5464879"/>
+              <a:gd name="connsiteY4" fmla="*/ 5846317 h 6276841"/>
+              <a:gd name="connsiteX5" fmla="*/ 4872873 w 5464879"/>
+              <a:gd name="connsiteY5" fmla="*/ 6201577 h 6276841"/>
+              <a:gd name="connsiteX6" fmla="*/ 4716632 w 5464879"/>
+              <a:gd name="connsiteY6" fmla="*/ 6276841 h 6276841"/>
+              <a:gd name="connsiteX7" fmla="*/ 1883227 w 5464879"/>
+              <a:gd name="connsiteY7" fmla="*/ 6276841 h 6276841"/>
+              <a:gd name="connsiteX8" fmla="*/ 1726987 w 5464879"/>
+              <a:gd name="connsiteY8" fmla="*/ 6201577 h 6276841"/>
+              <a:gd name="connsiteX9" fmla="*/ 0 w 5464879"/>
+              <a:gd name="connsiteY9" fmla="*/ 3299930 h 6276841"/>
+              <a:gd name="connsiteX10" fmla="*/ 3299930 w 5464879"/>
+              <a:gd name="connsiteY10" fmla="*/ 0 h 6276841"/>
+            </a:gdLst>
+            <a:ahLst/>
+            <a:cxnLst>
+              <a:cxn ang="0">
+                <a:pos x="connsiteX0" y="connsiteY0"/>
+              </a:cxn>
+              <a:cxn ang="0">
+                <a:pos x="connsiteX1" y="connsiteY1"/>
+              </a:cxn>
+              <a:cxn ang="0">
+                <a:pos x="connsiteX2" y="connsiteY2"/>
+              </a:cxn>
+              <a:cxn ang="0">
+                <a:pos x="connsiteX3" y="connsiteY3"/>
+              </a:cxn>
+              <a:cxn ang="0">
+                <a:pos x="connsiteX4" y="connsiteY4"/>
+              </a:cxn>
+              <a:cxn ang="0">
+                <a:pos x="connsiteX5" y="connsiteY5"/>
+              </a:cxn>
+              <a:cxn ang="0">
+                <a:pos x="connsiteX6" y="connsiteY6"/>
+              </a:cxn>
+              <a:cxn ang="0">
+                <a:pos x="connsiteX7" y="connsiteY7"/>
+              </a:cxn>
+              <a:cxn ang="0">
+                <a:pos x="connsiteX8" y="connsiteY8"/>
+              </a:cxn>
+              <a:cxn ang="0">
+                <a:pos x="connsiteX9" y="connsiteY9"/>
+              </a:cxn>
+              <a:cxn ang="0">
+                <a:pos x="connsiteX10" y="connsiteY10"/>
+              </a:cxn>
+            </a:cxnLst>
+            <a:rect l="l" t="t" r="r" b="b"/>
+            <a:pathLst>
+              <a:path w="5464879" h="6276841">
+                <a:moveTo>
+                  <a:pt x="3299930" y="0"/>
+                </a:moveTo>
+                <a:cubicBezTo>
+                  <a:pt x="4097274" y="0"/>
+                  <a:pt x="4828569" y="282789"/>
+                  <a:pt x="5398992" y="753544"/>
+                </a:cubicBezTo>
+                <a:lnTo>
+                  <a:pt x="5464879" y="813426"/>
+                </a:lnTo>
+                <a:lnTo>
+                  <a:pt x="5464879" y="5786434"/>
+                </a:lnTo>
+                <a:lnTo>
+                  <a:pt x="5398992" y="5846317"/>
+                </a:lnTo>
+                <a:cubicBezTo>
+                  <a:pt x="5236014" y="5980818"/>
+                  <a:pt x="5059904" y="6099975"/>
+                  <a:pt x="4872873" y="6201577"/>
+                </a:cubicBezTo>
+                <a:lnTo>
+                  <a:pt x="4716632" y="6276841"/>
+                </a:lnTo>
+                <a:lnTo>
+                  <a:pt x="1883227" y="6276841"/>
+                </a:lnTo>
+                <a:lnTo>
+                  <a:pt x="1726987" y="6201577"/>
+                </a:lnTo>
+                <a:cubicBezTo>
+                  <a:pt x="698316" y="5642769"/>
+                  <a:pt x="0" y="4552900"/>
+                  <a:pt x="0" y="3299930"/>
+                </a:cubicBezTo>
+                <a:cubicBezTo>
+                  <a:pt x="0" y="1477429"/>
+                  <a:pt x="1477429" y="0"/>
+                  <a:pt x="3299930" y="0"/>
+                </a:cubicBezTo>
+                <a:close/>
+              </a:path>
+            </a:pathLst>
+          </a:custGeom>
+          <a:solidFill>
+            <a:srgbClr val="FFFFFF"/>
+          </a:solidFill>
+          <a:ln>
+            <a:gradFill>
+              <a:gsLst>
+                <a:gs pos="0">
+                  <a:schemeClr val="accent1">
+                    <a:lumMod val="40000"/>
+                    <a:lumOff val="60000"/>
+                  </a:schemeClr>
+                </a:gs>
+                <a:gs pos="23000">
+                  <a:schemeClr val="accent1">
+                    <a:lumMod val="45000"/>
+                    <a:lumOff val="55000"/>
+                  </a:schemeClr>
+                </a:gs>
+                <a:gs pos="83000">
+                  <a:schemeClr val="bg2">
+                    <a:lumMod val="75000"/>
+                  </a:schemeClr>
+                </a:gs>
+                <a:gs pos="100000">
+                  <a:schemeClr val="bg2">
+                    <a:lumMod val="75000"/>
+                  </a:schemeClr>
+                </a:gs>
+              </a:gsLst>
+              <a:lin ang="5400000" scaled="1"/>
+            </a:gradFill>
+          </a:ln>
+        </p:spPr>
+        <p:style>
+          <a:lnRef idx="2">
+            <a:schemeClr val="accent1">
+              <a:shade val="50000"/>
+            </a:schemeClr>
+          </a:lnRef>
+          <a:fillRef idx="1">
+            <a:schemeClr val="accent1"/>
+          </a:fillRef>
+          <a:effectRef idx="0">
+            <a:schemeClr val="accent1"/>
+          </a:effectRef>
+          <a:fontRef idx="minor">
+            <a:schemeClr val="lt1"/>
+          </a:fontRef>
+        </p:style>
+        <p:txBody>
+          <a:bodyPr wrap="square" rtlCol="0" anchor="ctr">
+            <a:noAutofit/>
+          </a:bodyPr>
+          <a:lstStyle/>
+          <a:p>
+            <a:pPr algn="ctr"/>
+            <a:endParaRPr lang="en-US"/>
+          </a:p>
+        </p:txBody>
+      </p:sp>
+      <p:pic>
+        <p:nvPicPr>
+          <p:cNvPr id="7" name="Graphic 6" descr="Smiling Face with No Fill">
+            <a:extLst>
+              <a:ext uri="{FF2B5EF4-FFF2-40B4-BE49-F238E27FC236}">
+                <a16:creationId xmlns:a16="http://schemas.microsoft.com/office/drawing/2014/main" id="{C8C527B5-6653-42F3-92CF-92C03E5232B1}"/>
+              </a:ext>
+            </a:extLst>
+          </p:cNvPr>
+          <p:cNvPicPr>
+            <a:picLocks noChangeAspect="1"/>
+          </p:cNvPicPr>
+          <p:nvPr/>
+        </p:nvPicPr>
+        <p:blipFill>
+          <a:blip r:embed="rId3">
+            <a:extLst>
+              <a:ext uri="{28A0092B-C50C-407E-A947-70E740481C1C}">
+                <a14:useLocalDpi xmlns:a14="http://schemas.microsoft.com/office/drawing/2010/main" val="0"/>
+              </a:ext>
+              <a:ext uri="{96DAC541-7B7A-43D3-8B79-37D633B846F1}">
+                <asvg:svgBlip xmlns:asvg="http://schemas.microsoft.com/office/drawing/2016/SVG/main" r:embed="rId4"/>
+              </a:ext>
+            </a:extLst>
+          </a:blip>
+          <a:stretch>
+            <a:fillRect/>
+          </a:stretch>
+        </p:blipFill>
+        <p:spPr>
+          <a:xfrm>
+            <a:off x="340470" y="1815320"/>
+            <a:ext cx="4141760" cy="4141760"/>
+          </a:xfrm>
+          <a:custGeom>
+            <a:avLst/>
+            <a:gdLst/>
+            <a:ahLst/>
+            <a:cxnLst/>
+            <a:rect l="l" t="t" r="r" b="b"/>
+            <a:pathLst>
+              <a:path w="4141760" h="4377846">
+                <a:moveTo>
+                  <a:pt x="0" y="0"/>
+                </a:moveTo>
+                <a:lnTo>
+                  <a:pt x="4141760" y="0"/>
+                </a:lnTo>
+                <a:lnTo>
+                  <a:pt x="4141760" y="4377846"/>
+                </a:lnTo>
+                <a:lnTo>
+                  <a:pt x="0" y="4377846"/>
+                </a:lnTo>
+                <a:close/>
+              </a:path>
+            </a:pathLst>
+          </a:custGeom>
+        </p:spPr>
+      </p:pic>
+    </p:spTree>
+    <p:extLst>
+      <p:ext uri="{BB962C8B-B14F-4D97-AF65-F5344CB8AC3E}">
+        <p14:creationId xmlns:p14="http://schemas.microsoft.com/office/powerpoint/2010/main" val="3801439958"/>
+      </p:ext>
+    </p:extLst>
+  </p:cSld>
+  <p:clrMapOvr>
+    <a:masterClrMapping/>
+  </p:clrMapOvr>
+</p:sld>
+</file>
+
+<file path=ppt/slides/slide9.xml><?xml version="1.0" encoding="utf-8"?>
+<p:sld xmlns:a="http://schemas.openxmlformats.org/drawingml/2006/main" xmlns:r="http://schemas.openxmlformats.org/officeDocument/2006/relationships" xmlns:p="http://schemas.openxmlformats.org/presentationml/2006/main">
+  <p:cSld>
+    <p:spTree>
+      <p:nvGrpSpPr>
+        <p:cNvPr id="1" name=""/>
+        <p:cNvGrpSpPr/>
+        <p:nvPr/>
+      </p:nvGrpSpPr>
+      <p:grpSpPr>
+        <a:xfrm>
+          <a:off x="0" y="0"/>
+          <a:ext cx="0" cy="0"/>
+          <a:chOff x="0" y="0"/>
+          <a:chExt cx="0" cy="0"/>
+        </a:xfrm>
+      </p:grpSpPr>
+      <p:sp>
+        <p:nvSpPr>
+          <p:cNvPr id="2" name="Title 1">
+            <a:extLst>
+              <a:ext uri="{FF2B5EF4-FFF2-40B4-BE49-F238E27FC236}">
+                <a16:creationId xmlns:a16="http://schemas.microsoft.com/office/drawing/2014/main" id="{353FE7C9-54AD-4BBC-83FA-D290B26D8EC3}"/>
+              </a:ext>
+            </a:extLst>
+          </p:cNvPr>
+          <p:cNvSpPr>
+            <a:spLocks noGrp="1"/>
+          </p:cNvSpPr>
+          <p:nvPr>
+            <p:ph type="title"/>
+          </p:nvPr>
+        </p:nvSpPr>
+        <p:spPr/>
+        <p:txBody>
+          <a:bodyPr/>
+          <a:lstStyle/>
+          <a:p>
+            <a:r>
+              <a:rPr lang="en-US" dirty="0"/>
+              <a:t>Future Work: There’s Lots Still To Do</a:t>
+            </a:r>
+          </a:p>
+        </p:txBody>
+      </p:sp>
+      <p:sp>
+        <p:nvSpPr>
+          <p:cNvPr id="3" name="Content Placeholder 2">
+            <a:extLst>
+              <a:ext uri="{FF2B5EF4-FFF2-40B4-BE49-F238E27FC236}">
+                <a16:creationId xmlns:a16="http://schemas.microsoft.com/office/drawing/2014/main" id="{B97A1823-27EC-49FE-BA15-4853E54C8225}"/>
+              </a:ext>
+            </a:extLst>
+          </p:cNvPr>
+          <p:cNvSpPr>
+            <a:spLocks noGrp="1"/>
+          </p:cNvSpPr>
+          <p:nvPr>
+            <p:ph idx="1"/>
+          </p:nvPr>
+        </p:nvSpPr>
+        <p:spPr/>
+        <p:txBody>
+          <a:bodyPr/>
+          <a:lstStyle/>
+          <a:p>
+            <a:endParaRPr lang="en-US" dirty="0"/>
+          </a:p>
+        </p:txBody>
+      </p:sp>
+    </p:spTree>
+    <p:extLst>
+      <p:ext uri="{BB962C8B-B14F-4D97-AF65-F5344CB8AC3E}">
+        <p14:creationId xmlns:p14="http://schemas.microsoft.com/office/powerpoint/2010/main" val="132749155"/>
       </p:ext>
     </p:extLst>
   </p:cSld>

--- a/mod4_non_technical.pptx
+++ b/mod4_non_technical.pptx
@@ -12,8 +12,8 @@
     <p:sldId id="257" r:id="rId6"/>
     <p:sldId id="258" r:id="rId7"/>
     <p:sldId id="259" r:id="rId8"/>
-    <p:sldId id="261" r:id="rId9"/>
-    <p:sldId id="262" r:id="rId10"/>
+    <p:sldId id="262" r:id="rId9"/>
+    <p:sldId id="261" r:id="rId10"/>
   </p:sldIdLst>
   <p:sldSz cx="12192000" cy="6858000"/>
   <p:notesSz cx="6858000" cy="9144000"/>
@@ -132,8 +132,8 @@
 <pc:chgInfo xmlns:a="http://schemas.openxmlformats.org/drawingml/2006/main" xmlns:r="http://schemas.openxmlformats.org/officeDocument/2006/relationships" xmlns:ac="http://schemas.microsoft.com/office/drawing/2013/main/command" xmlns:pc="http://schemas.microsoft.com/office/powerpoint/2013/main/command">
   <pc:docChgLst>
     <pc:chgData name="Michael" userId="0df92e9667c24698" providerId="LiveId" clId="{FC0B3909-3CB4-47DF-9012-CE0364DFA015}"/>
-    <pc:docChg chg="undo custSel mod addSld delSld modSld">
-      <pc:chgData name="Michael" userId="0df92e9667c24698" providerId="LiveId" clId="{FC0B3909-3CB4-47DF-9012-CE0364DFA015}" dt="2020-12-11T04:57:20.420" v="2626" actId="20577"/>
+    <pc:docChg chg="undo custSel mod addSld delSld modSld sldOrd">
+      <pc:chgData name="Michael" userId="0df92e9667c24698" providerId="LiveId" clId="{FC0B3909-3CB4-47DF-9012-CE0364DFA015}" dt="2020-12-11T23:02:35.850" v="2890" actId="14100"/>
       <pc:docMkLst>
         <pc:docMk/>
       </pc:docMkLst>
@@ -383,7 +383,7 @@
         </pc:picChg>
       </pc:sldChg>
       <pc:sldChg chg="addSp delSp modSp new mod setBg setClrOvrMap">
-        <pc:chgData name="Michael" userId="0df92e9667c24698" providerId="LiveId" clId="{FC0B3909-3CB4-47DF-9012-CE0364DFA015}" dt="2020-12-11T04:56:59.110" v="2594" actId="1076"/>
+        <pc:chgData name="Michael" userId="0df92e9667c24698" providerId="LiveId" clId="{FC0B3909-3CB4-47DF-9012-CE0364DFA015}" dt="2020-12-11T22:59:12.033" v="2791" actId="20577"/>
         <pc:sldMkLst>
           <pc:docMk/>
           <pc:sldMk cId="1689214189" sldId="259"/>
@@ -397,7 +397,7 @@
           </ac:spMkLst>
         </pc:spChg>
         <pc:spChg chg="mod">
-          <ac:chgData name="Michael" userId="0df92e9667c24698" providerId="LiveId" clId="{FC0B3909-3CB4-47DF-9012-CE0364DFA015}" dt="2020-12-11T04:56:59.110" v="2594" actId="1076"/>
+          <ac:chgData name="Michael" userId="0df92e9667c24698" providerId="LiveId" clId="{FC0B3909-3CB4-47DF-9012-CE0364DFA015}" dt="2020-12-11T22:59:12.033" v="2791" actId="20577"/>
           <ac:spMkLst>
             <pc:docMk/>
             <pc:sldMk cId="1689214189" sldId="259"/>
@@ -595,20 +595,92 @@
           </ac:picMkLst>
         </pc:picChg>
       </pc:sldChg>
-      <pc:sldChg chg="modSp new mod">
-        <pc:chgData name="Michael" userId="0df92e9667c24698" providerId="LiveId" clId="{FC0B3909-3CB4-47DF-9012-CE0364DFA015}" dt="2020-12-11T04:57:20.420" v="2626" actId="20577"/>
+      <pc:sldChg chg="addSp delSp modSp new mod ord setBg setClrOvrMap">
+        <pc:chgData name="Michael" userId="0df92e9667c24698" providerId="LiveId" clId="{FC0B3909-3CB4-47DF-9012-CE0364DFA015}" dt="2020-12-11T23:01:48.415" v="2887"/>
         <pc:sldMkLst>
           <pc:docMk/>
           <pc:sldMk cId="132749155" sldId="262"/>
         </pc:sldMkLst>
         <pc:spChg chg="mod">
-          <ac:chgData name="Michael" userId="0df92e9667c24698" providerId="LiveId" clId="{FC0B3909-3CB4-47DF-9012-CE0364DFA015}" dt="2020-12-11T04:57:20.420" v="2626" actId="20577"/>
+          <ac:chgData name="Michael" userId="0df92e9667c24698" providerId="LiveId" clId="{FC0B3909-3CB4-47DF-9012-CE0364DFA015}" dt="2020-12-11T23:01:03.821" v="2813" actId="26606"/>
           <ac:spMkLst>
             <pc:docMk/>
             <pc:sldMk cId="132749155" sldId="262"/>
             <ac:spMk id="2" creationId="{353FE7C9-54AD-4BBC-83FA-D290B26D8EC3}"/>
           </ac:spMkLst>
         </pc:spChg>
+        <pc:spChg chg="mod">
+          <ac:chgData name="Michael" userId="0df92e9667c24698" providerId="LiveId" clId="{FC0B3909-3CB4-47DF-9012-CE0364DFA015}" dt="2020-12-11T23:01:42.629" v="2885" actId="20577"/>
+          <ac:spMkLst>
+            <pc:docMk/>
+            <pc:sldMk cId="132749155" sldId="262"/>
+            <ac:spMk id="3" creationId="{B97A1823-27EC-49FE-BA15-4853E54C8225}"/>
+          </ac:spMkLst>
+        </pc:spChg>
+        <pc:spChg chg="add del">
+          <ac:chgData name="Michael" userId="0df92e9667c24698" providerId="LiveId" clId="{FC0B3909-3CB4-47DF-9012-CE0364DFA015}" dt="2020-12-11T23:00:28.164" v="2809" actId="26606"/>
+          <ac:spMkLst>
+            <pc:docMk/>
+            <pc:sldMk cId="132749155" sldId="262"/>
+            <ac:spMk id="10" creationId="{E0D60ECE-8986-45DC-B7FE-EC7699B466B8}"/>
+          </ac:spMkLst>
+        </pc:spChg>
+        <pc:spChg chg="add del">
+          <ac:chgData name="Michael" userId="0df92e9667c24698" providerId="LiveId" clId="{FC0B3909-3CB4-47DF-9012-CE0364DFA015}" dt="2020-12-11T23:00:28.164" v="2809" actId="26606"/>
+          <ac:spMkLst>
+            <pc:docMk/>
+            <pc:sldMk cId="132749155" sldId="262"/>
+            <ac:spMk id="12" creationId="{96964194-5878-40D2-8EC0-DDC58387FA56}"/>
+          </ac:spMkLst>
+        </pc:spChg>
+        <pc:spChg chg="add del">
+          <ac:chgData name="Michael" userId="0df92e9667c24698" providerId="LiveId" clId="{FC0B3909-3CB4-47DF-9012-CE0364DFA015}" dt="2020-12-11T23:01:03.821" v="2813" actId="26606"/>
+          <ac:spMkLst>
+            <pc:docMk/>
+            <pc:sldMk cId="132749155" sldId="262"/>
+            <ac:spMk id="14" creationId="{3CD9DF72-87A3-404E-A828-84CBF11A8303}"/>
+          </ac:spMkLst>
+        </pc:spChg>
+        <pc:picChg chg="add mod ord">
+          <ac:chgData name="Michael" userId="0df92e9667c24698" providerId="LiveId" clId="{FC0B3909-3CB4-47DF-9012-CE0364DFA015}" dt="2020-12-11T23:01:03.825" v="2814" actId="26606"/>
+          <ac:picMkLst>
+            <pc:docMk/>
+            <pc:sldMk cId="132749155" sldId="262"/>
+            <ac:picMk id="5" creationId="{F9FE86F7-F15F-4B69-A47B-631DBA861A8E}"/>
+          </ac:picMkLst>
+        </pc:picChg>
+        <pc:picChg chg="add del">
+          <ac:chgData name="Michael" userId="0df92e9667c24698" providerId="LiveId" clId="{FC0B3909-3CB4-47DF-9012-CE0364DFA015}" dt="2020-12-11T23:00:28.164" v="2809" actId="26606"/>
+          <ac:picMkLst>
+            <pc:docMk/>
+            <pc:sldMk cId="132749155" sldId="262"/>
+            <ac:picMk id="7" creationId="{983C21BB-F6DB-424F-A259-4C68FF9E1F5E}"/>
+          </ac:picMkLst>
+        </pc:picChg>
+        <pc:cxnChg chg="add del">
+          <ac:chgData name="Michael" userId="0df92e9667c24698" providerId="LiveId" clId="{FC0B3909-3CB4-47DF-9012-CE0364DFA015}" dt="2020-12-11T23:01:03.825" v="2814" actId="26606"/>
+          <ac:cxnSpMkLst>
+            <pc:docMk/>
+            <pc:sldMk cId="132749155" sldId="262"/>
+            <ac:cxnSpMk id="9" creationId="{A7F400EE-A8A5-48AF-B4D6-291B52C6F0B0}"/>
+          </ac:cxnSpMkLst>
+        </pc:cxnChg>
+        <pc:cxnChg chg="add del">
+          <ac:chgData name="Michael" userId="0df92e9667c24698" providerId="LiveId" clId="{FC0B3909-3CB4-47DF-9012-CE0364DFA015}" dt="2020-12-11T23:01:03.821" v="2813" actId="26606"/>
+          <ac:cxnSpMkLst>
+            <pc:docMk/>
+            <pc:sldMk cId="132749155" sldId="262"/>
+            <ac:cxnSpMk id="16" creationId="{20E3A342-4D61-4E3F-AF90-1AB42AEB96CC}"/>
+          </ac:cxnSpMkLst>
+        </pc:cxnChg>
+        <pc:cxnChg chg="add">
+          <ac:chgData name="Michael" userId="0df92e9667c24698" providerId="LiveId" clId="{FC0B3909-3CB4-47DF-9012-CE0364DFA015}" dt="2020-12-11T23:01:03.825" v="2814" actId="26606"/>
+          <ac:cxnSpMkLst>
+            <pc:docMk/>
+            <pc:sldMk cId="132749155" sldId="262"/>
+            <ac:cxnSpMk id="18" creationId="{A7F400EE-A8A5-48AF-B4D6-291B52C6F0B0}"/>
+          </ac:cxnSpMkLst>
+        </pc:cxnChg>
       </pc:sldChg>
       <pc:sldChg chg="addSp delSp modSp new del mod setBg">
         <pc:chgData name="Michael" userId="0df92e9667c24698" providerId="LiveId" clId="{FC0B3909-3CB4-47DF-9012-CE0364DFA015}" dt="2020-12-11T04:54:34.823" v="2531" actId="47"/>
@@ -983,13 +1055,13 @@
         </pc:spChg>
       </pc:sldChg>
       <pc:sldChg chg="addSp delSp modSp new mod setBg setClrOvrMap">
-        <pc:chgData name="Michael" userId="0df92e9667c24698" providerId="LiveId" clId="{FC0B3909-3CB4-47DF-9012-CE0364DFA015}" dt="2020-12-11T04:22:43.127" v="1771" actId="14100"/>
+        <pc:chgData name="Michael" userId="0df92e9667c24698" providerId="LiveId" clId="{FC0B3909-3CB4-47DF-9012-CE0364DFA015}" dt="2020-12-11T22:57:56.641" v="2642" actId="20577"/>
         <pc:sldMkLst>
           <pc:docMk/>
           <pc:sldMk cId="2368937311" sldId="266"/>
         </pc:sldMkLst>
         <pc:spChg chg="mod">
-          <ac:chgData name="Michael" userId="0df92e9667c24698" providerId="LiveId" clId="{FC0B3909-3CB4-47DF-9012-CE0364DFA015}" dt="2020-12-11T04:22:37.717" v="1769" actId="26606"/>
+          <ac:chgData name="Michael" userId="0df92e9667c24698" providerId="LiveId" clId="{FC0B3909-3CB4-47DF-9012-CE0364DFA015}" dt="2020-12-11T22:57:56.641" v="2642" actId="20577"/>
           <ac:spMkLst>
             <pc:docMk/>
             <pc:sldMk cId="2368937311" sldId="266"/>
@@ -1086,13 +1158,13 @@
         </pc:cxnChg>
       </pc:sldChg>
       <pc:sldChg chg="addSp delSp modSp new mod setBg">
-        <pc:chgData name="Michael" userId="0df92e9667c24698" providerId="LiveId" clId="{FC0B3909-3CB4-47DF-9012-CE0364DFA015}" dt="2020-12-11T04:54:21.072" v="2530" actId="403"/>
+        <pc:chgData name="Michael" userId="0df92e9667c24698" providerId="LiveId" clId="{FC0B3909-3CB4-47DF-9012-CE0364DFA015}" dt="2020-12-11T23:02:35.850" v="2890" actId="14100"/>
         <pc:sldMkLst>
           <pc:docMk/>
           <pc:sldMk cId="724215323" sldId="267"/>
         </pc:sldMkLst>
         <pc:spChg chg="mod">
-          <ac:chgData name="Michael" userId="0df92e9667c24698" providerId="LiveId" clId="{FC0B3909-3CB4-47DF-9012-CE0364DFA015}" dt="2020-12-11T04:54:09.440" v="2528" actId="14100"/>
+          <ac:chgData name="Michael" userId="0df92e9667c24698" providerId="LiveId" clId="{FC0B3909-3CB4-47DF-9012-CE0364DFA015}" dt="2020-12-11T22:58:11.519" v="2662" actId="1076"/>
           <ac:spMkLst>
             <pc:docMk/>
             <pc:sldMk cId="724215323" sldId="267"/>
@@ -1116,7 +1188,7 @@
           </ac:spMkLst>
         </pc:spChg>
         <pc:spChg chg="add mod">
-          <ac:chgData name="Michael" userId="0df92e9667c24698" providerId="LiveId" clId="{FC0B3909-3CB4-47DF-9012-CE0364DFA015}" dt="2020-12-11T04:54:21.072" v="2530" actId="403"/>
+          <ac:chgData name="Michael" userId="0df92e9667c24698" providerId="LiveId" clId="{FC0B3909-3CB4-47DF-9012-CE0364DFA015}" dt="2020-12-11T23:02:35.850" v="2890" actId="14100"/>
           <ac:spMkLst>
             <pc:docMk/>
             <pc:sldMk cId="724215323" sldId="267"/>
@@ -1340,7 +1412,7 @@
           <a:p>
             <a:fld id="{B9B3AFAD-72F5-479A-AACE-CD1470DC2D7E}" type="datetimeFigureOut">
               <a:rPr lang="en-US" smtClean="0"/>
-              <a:t>12/4/2020</a:t>
+              <a:t>12/11/2020</a:t>
             </a:fld>
             <a:endParaRPr lang="en-US"/>
           </a:p>
@@ -1538,7 +1610,7 @@
           <a:p>
             <a:fld id="{B9B3AFAD-72F5-479A-AACE-CD1470DC2D7E}" type="datetimeFigureOut">
               <a:rPr lang="en-US" smtClean="0"/>
-              <a:t>12/4/2020</a:t>
+              <a:t>12/11/2020</a:t>
             </a:fld>
             <a:endParaRPr lang="en-US"/>
           </a:p>
@@ -1746,7 +1818,7 @@
           <a:p>
             <a:fld id="{B9B3AFAD-72F5-479A-AACE-CD1470DC2D7E}" type="datetimeFigureOut">
               <a:rPr lang="en-US" smtClean="0"/>
-              <a:t>12/4/2020</a:t>
+              <a:t>12/11/2020</a:t>
             </a:fld>
             <a:endParaRPr lang="en-US"/>
           </a:p>
@@ -1944,7 +2016,7 @@
           <a:p>
             <a:fld id="{B9B3AFAD-72F5-479A-AACE-CD1470DC2D7E}" type="datetimeFigureOut">
               <a:rPr lang="en-US" smtClean="0"/>
-              <a:t>12/4/2020</a:t>
+              <a:t>12/11/2020</a:t>
             </a:fld>
             <a:endParaRPr lang="en-US"/>
           </a:p>
@@ -2219,7 +2291,7 @@
           <a:p>
             <a:fld id="{B9B3AFAD-72F5-479A-AACE-CD1470DC2D7E}" type="datetimeFigureOut">
               <a:rPr lang="en-US" smtClean="0"/>
-              <a:t>12/4/2020</a:t>
+              <a:t>12/11/2020</a:t>
             </a:fld>
             <a:endParaRPr lang="en-US"/>
           </a:p>
@@ -2484,7 +2556,7 @@
           <a:p>
             <a:fld id="{B9B3AFAD-72F5-479A-AACE-CD1470DC2D7E}" type="datetimeFigureOut">
               <a:rPr lang="en-US" smtClean="0"/>
-              <a:t>12/4/2020</a:t>
+              <a:t>12/11/2020</a:t>
             </a:fld>
             <a:endParaRPr lang="en-US"/>
           </a:p>
@@ -2896,7 +2968,7 @@
           <a:p>
             <a:fld id="{B9B3AFAD-72F5-479A-AACE-CD1470DC2D7E}" type="datetimeFigureOut">
               <a:rPr lang="en-US" smtClean="0"/>
-              <a:t>12/4/2020</a:t>
+              <a:t>12/11/2020</a:t>
             </a:fld>
             <a:endParaRPr lang="en-US"/>
           </a:p>
@@ -3037,7 +3109,7 @@
           <a:p>
             <a:fld id="{B9B3AFAD-72F5-479A-AACE-CD1470DC2D7E}" type="datetimeFigureOut">
               <a:rPr lang="en-US" smtClean="0"/>
-              <a:t>12/4/2020</a:t>
+              <a:t>12/11/2020</a:t>
             </a:fld>
             <a:endParaRPr lang="en-US"/>
           </a:p>
@@ -3150,7 +3222,7 @@
           <a:p>
             <a:fld id="{B9B3AFAD-72F5-479A-AACE-CD1470DC2D7E}" type="datetimeFigureOut">
               <a:rPr lang="en-US" smtClean="0"/>
-              <a:t>12/4/2020</a:t>
+              <a:t>12/11/2020</a:t>
             </a:fld>
             <a:endParaRPr lang="en-US"/>
           </a:p>
@@ -3461,7 +3533,7 @@
           <a:p>
             <a:fld id="{B9B3AFAD-72F5-479A-AACE-CD1470DC2D7E}" type="datetimeFigureOut">
               <a:rPr lang="en-US" smtClean="0"/>
-              <a:t>12/4/2020</a:t>
+              <a:t>12/11/2020</a:t>
             </a:fld>
             <a:endParaRPr lang="en-US"/>
           </a:p>
@@ -3749,7 +3821,7 @@
           <a:p>
             <a:fld id="{B9B3AFAD-72F5-479A-AACE-CD1470DC2D7E}" type="datetimeFigureOut">
               <a:rPr lang="en-US" smtClean="0"/>
-              <a:t>12/4/2020</a:t>
+              <a:t>12/11/2020</a:t>
             </a:fld>
             <a:endParaRPr lang="en-US"/>
           </a:p>
@@ -3990,7 +4062,7 @@
           <a:p>
             <a:fld id="{B9B3AFAD-72F5-479A-AACE-CD1470DC2D7E}" type="datetimeFigureOut">
               <a:rPr lang="en-US" smtClean="0"/>
-              <a:t>12/4/2020</a:t>
+              <a:t>12/11/2020</a:t>
             </a:fld>
             <a:endParaRPr lang="en-US"/>
           </a:p>
@@ -5964,6 +6036,13 @@
           <a:p>
             <a:r>
               <a:rPr lang="en-US" sz="4000" dirty="0"/>
+              <a:t>Recommendation:</a:t>
+            </a:r>
+            <a:br>
+              <a:rPr lang="en-US" sz="4000" dirty="0"/>
+            </a:br>
+            <a:r>
+              <a:rPr lang="en-US" sz="4000" dirty="0"/>
               <a:t>Triage</a:t>
             </a:r>
           </a:p>
@@ -6223,16 +6302,37 @@
         </p:nvSpPr>
         <p:spPr>
           <a:xfrm>
-            <a:off x="9252252" y="549791"/>
-            <a:ext cx="2469624" cy="826205"/>
+            <a:off x="8584999" y="440445"/>
+            <a:ext cx="3706353" cy="826205"/>
           </a:xfrm>
         </p:spPr>
         <p:txBody>
           <a:bodyPr vert="horz" lIns="91440" tIns="45720" rIns="91440" bIns="45720" rtlCol="0" anchor="t">
-            <a:normAutofit/>
+            <a:normAutofit fontScale="90000"/>
           </a:bodyPr>
           <a:lstStyle/>
           <a:p>
+            <a:r>
+              <a:rPr lang="en-US" sz="3400" kern="1200" dirty="0">
+                <a:solidFill>
+                  <a:schemeClr val="tx1"/>
+                </a:solidFill>
+                <a:latin typeface="+mj-lt"/>
+                <a:ea typeface="+mj-ea"/>
+                <a:cs typeface="+mj-cs"/>
+              </a:rPr>
+              <a:t>Recommendation:</a:t>
+            </a:r>
+            <a:br>
+              <a:rPr lang="en-US" sz="3400" kern="1200" dirty="0">
+                <a:solidFill>
+                  <a:schemeClr val="tx1"/>
+                </a:solidFill>
+                <a:latin typeface="+mj-lt"/>
+                <a:ea typeface="+mj-ea"/>
+                <a:cs typeface="+mj-cs"/>
+              </a:rPr>
+            </a:br>
             <a:r>
               <a:rPr lang="en-US" sz="3400" kern="1200" dirty="0">
                 <a:solidFill>
@@ -6261,8 +6361,8 @@
         </p:nvSpPr>
         <p:spPr>
           <a:xfrm>
-            <a:off x="9252251" y="1214380"/>
-            <a:ext cx="2446465" cy="1178298"/>
+            <a:off x="9065125" y="1347545"/>
+            <a:ext cx="2769321" cy="1178298"/>
           </a:xfrm>
           <a:prstGeom prst="rect">
             <a:avLst/>
@@ -6295,13 +6395,15 @@
             </a:r>
           </a:p>
           <a:p>
-            <a:pPr>
+            <a:pPr marL="285750" indent="-285750">
               <a:lnSpc>
                 <a:spcPct val="90000"/>
               </a:lnSpc>
               <a:spcBef>
                 <a:spcPts val="1000"/>
               </a:spcBef>
+              <a:buFont typeface="Arial" panose="020B0604020202020204" pitchFamily="34" charset="0"/>
+              <a:buChar char="•"/>
             </a:pPr>
             <a:r>
               <a:rPr lang="en-US" sz="1600" kern="1200" dirty="0">
@@ -6368,13 +6470,15 @@
             </a:r>
           </a:p>
           <a:p>
-            <a:pPr>
+            <a:pPr marL="285750" indent="-285750">
               <a:lnSpc>
                 <a:spcPct val="90000"/>
               </a:lnSpc>
               <a:spcBef>
                 <a:spcPts val="1000"/>
               </a:spcBef>
+              <a:buFont typeface="Arial" panose="020B0604020202020204" pitchFamily="34" charset="0"/>
+              <a:buChar char="•"/>
             </a:pPr>
             <a:r>
               <a:rPr lang="en-US" sz="1600" kern="1200" dirty="0">
@@ -7812,13 +7916,13 @@
         </p:spPr>
         <p:txBody>
           <a:bodyPr anchor="t">
-            <a:normAutofit/>
+            <a:normAutofit fontScale="92500" lnSpcReduction="10000"/>
           </a:bodyPr>
           <a:lstStyle/>
           <a:p>
             <a:r>
               <a:rPr lang="en-US" sz="1800" dirty="0"/>
-              <a:t>These images are what layer activations that give some insight into what the model has extracted from the X-Rays in order to make its classifications. </a:t>
+              <a:t>These images are examples of looking at the data through the models “eyes” . While not crystal clear, they do give some insight into what the model has extracted from the X-Rays in order to make its classifications. </a:t>
             </a:r>
           </a:p>
           <a:p>
@@ -8027,6 +8131,225 @@
 </file>
 
 <file path=ppt/slides/slide8.xml><?xml version="1.0" encoding="utf-8"?>
+<p:sld xmlns:a="http://schemas.openxmlformats.org/drawingml/2006/main" xmlns:r="http://schemas.openxmlformats.org/officeDocument/2006/relationships" xmlns:p="http://schemas.openxmlformats.org/presentationml/2006/main">
+  <p:cSld>
+    <p:bg>
+      <p:bgPr>
+        <a:solidFill>
+          <a:schemeClr val="bg1"/>
+        </a:solidFill>
+        <a:effectLst/>
+      </p:bgPr>
+    </p:bg>
+    <p:spTree>
+      <p:nvGrpSpPr>
+        <p:cNvPr id="1" name=""/>
+        <p:cNvGrpSpPr/>
+        <p:nvPr/>
+      </p:nvGrpSpPr>
+      <p:grpSpPr>
+        <a:xfrm>
+          <a:off x="0" y="0"/>
+          <a:ext cx="0" cy="0"/>
+          <a:chOff x="0" y="0"/>
+          <a:chExt cx="0" cy="0"/>
+        </a:xfrm>
+      </p:grpSpPr>
+      <p:sp>
+        <p:nvSpPr>
+          <p:cNvPr id="2" name="Title 1">
+            <a:extLst>
+              <a:ext uri="{FF2B5EF4-FFF2-40B4-BE49-F238E27FC236}">
+                <a16:creationId xmlns:a16="http://schemas.microsoft.com/office/drawing/2014/main" id="{353FE7C9-54AD-4BBC-83FA-D290B26D8EC3}"/>
+              </a:ext>
+            </a:extLst>
+          </p:cNvPr>
+          <p:cNvSpPr>
+            <a:spLocks noGrp="1"/>
+          </p:cNvSpPr>
+          <p:nvPr>
+            <p:ph type="title"/>
+          </p:nvPr>
+        </p:nvSpPr>
+        <p:spPr>
+          <a:xfrm>
+            <a:off x="4965430" y="629268"/>
+            <a:ext cx="6586491" cy="1286160"/>
+          </a:xfrm>
+        </p:spPr>
+        <p:txBody>
+          <a:bodyPr anchor="b">
+            <a:normAutofit/>
+          </a:bodyPr>
+          <a:lstStyle/>
+          <a:p>
+            <a:r>
+              <a:rPr lang="en-US" sz="4100"/>
+              <a:t>Future Work: There’s Lots Still To Do</a:t>
+            </a:r>
+            <a:endParaRPr lang="en-US" sz="4100" dirty="0"/>
+          </a:p>
+        </p:txBody>
+      </p:sp>
+      <p:sp>
+        <p:nvSpPr>
+          <p:cNvPr id="3" name="Content Placeholder 2">
+            <a:extLst>
+              <a:ext uri="{FF2B5EF4-FFF2-40B4-BE49-F238E27FC236}">
+                <a16:creationId xmlns:a16="http://schemas.microsoft.com/office/drawing/2014/main" id="{B97A1823-27EC-49FE-BA15-4853E54C8225}"/>
+              </a:ext>
+            </a:extLst>
+          </p:cNvPr>
+          <p:cNvSpPr>
+            <a:spLocks noGrp="1"/>
+          </p:cNvSpPr>
+          <p:nvPr>
+            <p:ph idx="1"/>
+          </p:nvPr>
+        </p:nvSpPr>
+        <p:spPr>
+          <a:xfrm>
+            <a:off x="4965431" y="2438400"/>
+            <a:ext cx="6586489" cy="3785419"/>
+          </a:xfrm>
+        </p:spPr>
+        <p:txBody>
+          <a:bodyPr>
+            <a:normAutofit/>
+          </a:bodyPr>
+          <a:lstStyle/>
+          <a:p>
+            <a:r>
+              <a:rPr lang="en-US" sz="2000" b="0" dirty="0">
+                <a:effectLst/>
+              </a:rPr>
+              <a:t>Additional image augmentation and sampling techniques</a:t>
+            </a:r>
+          </a:p>
+          <a:p>
+            <a:r>
+              <a:rPr lang="en-US" sz="2000" b="0" dirty="0">
+                <a:effectLst/>
+              </a:rPr>
+              <a:t>Non-Sequential Modeling</a:t>
+            </a:r>
+          </a:p>
+          <a:p>
+            <a:r>
+              <a:rPr lang="en-US" sz="2000" b="0" dirty="0">
+                <a:effectLst/>
+              </a:rPr>
+              <a:t>Detecting and weight</a:t>
+            </a:r>
+            <a:r>
+              <a:rPr lang="en-US" sz="2000" dirty="0"/>
+              <a:t>ing edge cases</a:t>
+            </a:r>
+            <a:endParaRPr lang="en-US" sz="2000" b="0" dirty="0">
+              <a:effectLst/>
+            </a:endParaRPr>
+          </a:p>
+          <a:p>
+            <a:endParaRPr lang="en-US" sz="2000" dirty="0"/>
+          </a:p>
+        </p:txBody>
+      </p:sp>
+      <p:pic>
+        <p:nvPicPr>
+          <p:cNvPr id="5" name="Picture 4">
+            <a:extLst>
+              <a:ext uri="{FF2B5EF4-FFF2-40B4-BE49-F238E27FC236}">
+                <a16:creationId xmlns:a16="http://schemas.microsoft.com/office/drawing/2014/main" id="{F9FE86F7-F15F-4B69-A47B-631DBA861A8E}"/>
+              </a:ext>
+            </a:extLst>
+          </p:cNvPr>
+          <p:cNvPicPr>
+            <a:picLocks noChangeAspect="1"/>
+          </p:cNvPicPr>
+          <p:nvPr/>
+        </p:nvPicPr>
+        <p:blipFill rotWithShape="1">
+          <a:blip r:embed="rId2"/>
+          <a:srcRect l="20055" r="34826" b="-1"/>
+          <a:stretch/>
+        </p:blipFill>
+        <p:spPr>
+          <a:xfrm>
+            <a:off x="20" y="10"/>
+            <a:ext cx="4635571" cy="6857990"/>
+          </a:xfrm>
+          <a:prstGeom prst="rect">
+            <a:avLst/>
+          </a:prstGeom>
+          <a:effectLst/>
+        </p:spPr>
+      </p:pic>
+      <p:cxnSp>
+        <p:nvCxnSpPr>
+          <p:cNvPr id="18" name="Straight Connector 13">
+            <a:extLst>
+              <a:ext uri="{FF2B5EF4-FFF2-40B4-BE49-F238E27FC236}">
+                <a16:creationId xmlns:a16="http://schemas.microsoft.com/office/drawing/2014/main" id="{A7F400EE-A8A5-48AF-B4D6-291B52C6F0B0}"/>
+              </a:ext>
+              <a:ext uri="{C183D7F6-B498-43B3-948B-1728B52AA6E4}">
+                <adec:decorative xmlns:adec="http://schemas.microsoft.com/office/drawing/2017/decorative" val="1"/>
+              </a:ext>
+            </a:extLst>
+          </p:cNvPr>
+          <p:cNvCxnSpPr>
+            <a:cxnSpLocks noGrp="1" noRot="1" noChangeAspect="1" noMove="1" noResize="1" noEditPoints="1" noAdjustHandles="1" noChangeArrowheads="1" noChangeShapeType="1"/>
+          </p:cNvCxnSpPr>
+          <p:nvPr>
+            <p:extLst>
+              <p:ext uri="{386F3935-93C4-4BCD-93E2-E3B085C9AB24}">
+                <p16:designElem xmlns:p16="http://schemas.microsoft.com/office/powerpoint/2015/main" val="1"/>
+              </p:ext>
+            </p:extLst>
+          </p:nvPr>
+        </p:nvCxnSpPr>
+        <p:spPr>
+          <a:xfrm>
+            <a:off x="5080934" y="2115117"/>
+            <a:ext cx="6309360" cy="0"/>
+          </a:xfrm>
+          <a:prstGeom prst="line">
+            <a:avLst/>
+          </a:prstGeom>
+          <a:ln w="19050">
+            <a:solidFill>
+              <a:srgbClr val="56708D"/>
+            </a:solidFill>
+          </a:ln>
+        </p:spPr>
+        <p:style>
+          <a:lnRef idx="1">
+            <a:schemeClr val="accent1"/>
+          </a:lnRef>
+          <a:fillRef idx="0">
+            <a:schemeClr val="accent1"/>
+          </a:fillRef>
+          <a:effectRef idx="0">
+            <a:schemeClr val="accent1"/>
+          </a:effectRef>
+          <a:fontRef idx="minor">
+            <a:schemeClr val="tx1"/>
+          </a:fontRef>
+        </p:style>
+      </p:cxnSp>
+    </p:spTree>
+    <p:extLst>
+      <p:ext uri="{BB962C8B-B14F-4D97-AF65-F5344CB8AC3E}">
+        <p14:creationId xmlns:p14="http://schemas.microsoft.com/office/powerpoint/2010/main" val="132749155"/>
+      </p:ext>
+    </p:extLst>
+  </p:cSld>
+  <p:clrMapOvr>
+    <a:masterClrMapping/>
+  </p:clrMapOvr>
+</p:sld>
+</file>
+
+<file path=ppt/slides/slide9.xml><?xml version="1.0" encoding="utf-8"?>
 <p:sld xmlns:a="http://schemas.openxmlformats.org/drawingml/2006/main" xmlns:r="http://schemas.openxmlformats.org/officeDocument/2006/relationships" xmlns:p="http://schemas.openxmlformats.org/presentationml/2006/main">
   <p:cSld>
     <p:bg>
@@ -8486,89 +8809,6 @@
     <p:extLst>
       <p:ext uri="{BB962C8B-B14F-4D97-AF65-F5344CB8AC3E}">
         <p14:creationId xmlns:p14="http://schemas.microsoft.com/office/powerpoint/2010/main" val="3801439958"/>
-      </p:ext>
-    </p:extLst>
-  </p:cSld>
-  <p:clrMapOvr>
-    <a:masterClrMapping/>
-  </p:clrMapOvr>
-</p:sld>
-</file>
-
-<file path=ppt/slides/slide9.xml><?xml version="1.0" encoding="utf-8"?>
-<p:sld xmlns:a="http://schemas.openxmlformats.org/drawingml/2006/main" xmlns:r="http://schemas.openxmlformats.org/officeDocument/2006/relationships" xmlns:p="http://schemas.openxmlformats.org/presentationml/2006/main">
-  <p:cSld>
-    <p:spTree>
-      <p:nvGrpSpPr>
-        <p:cNvPr id="1" name=""/>
-        <p:cNvGrpSpPr/>
-        <p:nvPr/>
-      </p:nvGrpSpPr>
-      <p:grpSpPr>
-        <a:xfrm>
-          <a:off x="0" y="0"/>
-          <a:ext cx="0" cy="0"/>
-          <a:chOff x="0" y="0"/>
-          <a:chExt cx="0" cy="0"/>
-        </a:xfrm>
-      </p:grpSpPr>
-      <p:sp>
-        <p:nvSpPr>
-          <p:cNvPr id="2" name="Title 1">
-            <a:extLst>
-              <a:ext uri="{FF2B5EF4-FFF2-40B4-BE49-F238E27FC236}">
-                <a16:creationId xmlns:a16="http://schemas.microsoft.com/office/drawing/2014/main" id="{353FE7C9-54AD-4BBC-83FA-D290B26D8EC3}"/>
-              </a:ext>
-            </a:extLst>
-          </p:cNvPr>
-          <p:cNvSpPr>
-            <a:spLocks noGrp="1"/>
-          </p:cNvSpPr>
-          <p:nvPr>
-            <p:ph type="title"/>
-          </p:nvPr>
-        </p:nvSpPr>
-        <p:spPr/>
-        <p:txBody>
-          <a:bodyPr/>
-          <a:lstStyle/>
-          <a:p>
-            <a:r>
-              <a:rPr lang="en-US" dirty="0"/>
-              <a:t>Future Work: There’s Lots Still To Do</a:t>
-            </a:r>
-          </a:p>
-        </p:txBody>
-      </p:sp>
-      <p:sp>
-        <p:nvSpPr>
-          <p:cNvPr id="3" name="Content Placeholder 2">
-            <a:extLst>
-              <a:ext uri="{FF2B5EF4-FFF2-40B4-BE49-F238E27FC236}">
-                <a16:creationId xmlns:a16="http://schemas.microsoft.com/office/drawing/2014/main" id="{B97A1823-27EC-49FE-BA15-4853E54C8225}"/>
-              </a:ext>
-            </a:extLst>
-          </p:cNvPr>
-          <p:cNvSpPr>
-            <a:spLocks noGrp="1"/>
-          </p:cNvSpPr>
-          <p:nvPr>
-            <p:ph idx="1"/>
-          </p:nvPr>
-        </p:nvSpPr>
-        <p:spPr/>
-        <p:txBody>
-          <a:bodyPr/>
-          <a:lstStyle/>
-          <a:p>
-            <a:endParaRPr lang="en-US" dirty="0"/>
-          </a:p>
-        </p:txBody>
-      </p:sp>
-    </p:spTree>
-    <p:extLst>
-      <p:ext uri="{BB962C8B-B14F-4D97-AF65-F5344CB8AC3E}">
-        <p14:creationId xmlns:p14="http://schemas.microsoft.com/office/powerpoint/2010/main" val="132749155"/>
       </p:ext>
     </p:extLst>
   </p:cSld>
